--- a/version_control_git.pptx
+++ b/version_control_git.pptx
@@ -6,21 +6,53 @@
     <p:sldMasterId id="2147483654" r:id="rId2"/>
   </p:sldMasterIdLst>
   <p:notesMasterIdLst>
-    <p:notesMasterId r:id="rId12"/>
+    <p:notesMasterId r:id="rId44"/>
   </p:notesMasterIdLst>
   <p:handoutMasterIdLst>
-    <p:handoutMasterId r:id="rId13"/>
+    <p:handoutMasterId r:id="rId45"/>
   </p:handoutMasterIdLst>
   <p:sldIdLst>
     <p:sldId id="266" r:id="rId3"/>
-    <p:sldId id="265" r:id="rId4"/>
-    <p:sldId id="258" r:id="rId5"/>
-    <p:sldId id="259" r:id="rId6"/>
-    <p:sldId id="260" r:id="rId7"/>
-    <p:sldId id="261" r:id="rId8"/>
-    <p:sldId id="264" r:id="rId9"/>
-    <p:sldId id="263" r:id="rId10"/>
-    <p:sldId id="262" r:id="rId11"/>
+    <p:sldId id="272" r:id="rId4"/>
+    <p:sldId id="286" r:id="rId5"/>
+    <p:sldId id="290" r:id="rId6"/>
+    <p:sldId id="291" r:id="rId7"/>
+    <p:sldId id="292" r:id="rId8"/>
+    <p:sldId id="293" r:id="rId9"/>
+    <p:sldId id="287" r:id="rId10"/>
+    <p:sldId id="289" r:id="rId11"/>
+    <p:sldId id="288" r:id="rId12"/>
+    <p:sldId id="282" r:id="rId13"/>
+    <p:sldId id="295" r:id="rId14"/>
+    <p:sldId id="297" r:id="rId15"/>
+    <p:sldId id="298" r:id="rId16"/>
+    <p:sldId id="258" r:id="rId17"/>
+    <p:sldId id="260" r:id="rId18"/>
+    <p:sldId id="261" r:id="rId19"/>
+    <p:sldId id="264" r:id="rId20"/>
+    <p:sldId id="263" r:id="rId21"/>
+    <p:sldId id="271" r:id="rId22"/>
+    <p:sldId id="299" r:id="rId23"/>
+    <p:sldId id="279" r:id="rId24"/>
+    <p:sldId id="301" r:id="rId25"/>
+    <p:sldId id="307" r:id="rId26"/>
+    <p:sldId id="311" r:id="rId27"/>
+    <p:sldId id="312" r:id="rId28"/>
+    <p:sldId id="313" r:id="rId29"/>
+    <p:sldId id="314" r:id="rId30"/>
+    <p:sldId id="315" r:id="rId31"/>
+    <p:sldId id="316" r:id="rId32"/>
+    <p:sldId id="318" r:id="rId33"/>
+    <p:sldId id="320" r:id="rId34"/>
+    <p:sldId id="321" r:id="rId35"/>
+    <p:sldId id="323" r:id="rId36"/>
+    <p:sldId id="322" r:id="rId37"/>
+    <p:sldId id="324" r:id="rId38"/>
+    <p:sldId id="325" r:id="rId39"/>
+    <p:sldId id="326" r:id="rId40"/>
+    <p:sldId id="319" r:id="rId41"/>
+    <p:sldId id="303" r:id="rId42"/>
+    <p:sldId id="304" r:id="rId43"/>
   </p:sldIdLst>
   <p:sldSz cx="9144000" cy="6858000" type="screen4x3"/>
   <p:notesSz cx="6858000" cy="9144000"/>
@@ -149,7 +181,199 @@
       </a:defRPr>
     </a:lvl9pPr>
   </p:defaultTextStyle>
+  <p:extLst>
+    <p:ext uri="{EFAFB233-063F-42B5-8137-9DF3F51BA10A}">
+      <p15:sldGuideLst xmlns:p15="http://schemas.microsoft.com/office/powerpoint/2012/main"/>
+    </p:ext>
+    <p:ext uri="{2D200454-40CA-4A62-9FC3-DE9A4176ACB9}">
+      <p15:notesGuideLst xmlns:p15="http://schemas.microsoft.com/office/powerpoint/2012/main"/>
+    </p:ext>
+  </p:extLst>
 </p:presentation>
+</file>
+
+<file path=ppt/charts/chart1.xml><?xml version="1.0" encoding="utf-8"?>
+<c:chartSpace xmlns:c="http://schemas.openxmlformats.org/drawingml/2006/chart" xmlns:a="http://schemas.openxmlformats.org/drawingml/2006/main" xmlns:r="http://schemas.openxmlformats.org/officeDocument/2006/relationships" xmlns:c16r2="http://schemas.microsoft.com/office/drawing/2015/06/chart">
+  <c:date1904 val="0"/>
+  <c:lang val="da-DK"/>
+  <c:roundedCorners val="0"/>
+  <mc:AlternateContent xmlns:mc="http://schemas.openxmlformats.org/markup-compatibility/2006">
+    <mc:Choice xmlns:c14="http://schemas.microsoft.com/office/drawing/2007/8/2/chart" Requires="c14">
+      <c14:style val="134"/>
+    </mc:Choice>
+    <mc:Fallback>
+      <c:style val="34"/>
+    </mc:Fallback>
+  </mc:AlternateContent>
+  <c:chart>
+    <c:autoTitleDeleted val="1"/>
+    <c:plotArea>
+      <c:layout/>
+      <c:barChart>
+        <c:barDir val="bar"/>
+        <c:grouping val="stacked"/>
+        <c:varyColors val="0"/>
+        <c:ser>
+          <c:idx val="0"/>
+          <c:order val="0"/>
+          <c:tx>
+            <c:strRef>
+              <c:f>Sheet1!$B$1</c:f>
+              <c:strCache>
+                <c:ptCount val="1"/>
+                <c:pt idx="0">
+                  <c:v>Series 1</c:v>
+                </c:pt>
+              </c:strCache>
+            </c:strRef>
+          </c:tx>
+          <c:invertIfNegative val="0"/>
+          <c:dLbls>
+            <c:spPr>
+              <a:noFill/>
+              <a:ln>
+                <a:noFill/>
+              </a:ln>
+              <a:effectLst/>
+            </c:spPr>
+            <c:showLegendKey val="0"/>
+            <c:showVal val="1"/>
+            <c:showCatName val="0"/>
+            <c:showSerName val="0"/>
+            <c:showPercent val="0"/>
+            <c:showBubbleSize val="0"/>
+            <c:showLeaderLines val="0"/>
+            <c:extLst>
+              <c:ext xmlns:c15="http://schemas.microsoft.com/office/drawing/2012/chart" uri="{CE6537A1-D6FC-4f65-9D91-7224C49458BB}">
+                <c15:layout/>
+                <c15:showLeaderLines val="0"/>
+              </c:ext>
+            </c:extLst>
+          </c:dLbls>
+          <c:cat>
+            <c:strRef>
+              <c:f>Sheet1!$A$2:$A$7</c:f>
+              <c:strCache>
+                <c:ptCount val="6"/>
+                <c:pt idx="0">
+                  <c:v>Subversion</c:v>
+                </c:pt>
+                <c:pt idx="1">
+                  <c:v>Git</c:v>
+                </c:pt>
+                <c:pt idx="2">
+                  <c:v>GitHub</c:v>
+                </c:pt>
+                <c:pt idx="3">
+                  <c:v>CVS</c:v>
+                </c:pt>
+                <c:pt idx="4">
+                  <c:v>Mercurial</c:v>
+                </c:pt>
+                <c:pt idx="5">
+                  <c:v>Other</c:v>
+                </c:pt>
+              </c:strCache>
+            </c:strRef>
+          </c:cat>
+          <c:val>
+            <c:numRef>
+              <c:f>Sheet1!$B$2:$B$7</c:f>
+              <c:numCache>
+                <c:formatCode>General</c:formatCode>
+                <c:ptCount val="6"/>
+                <c:pt idx="0">
+                  <c:v>30.7</c:v>
+                </c:pt>
+                <c:pt idx="1">
+                  <c:v>33.299999999999997</c:v>
+                </c:pt>
+                <c:pt idx="2">
+                  <c:v>9.6</c:v>
+                </c:pt>
+                <c:pt idx="3">
+                  <c:v>3.7</c:v>
+                </c:pt>
+                <c:pt idx="4">
+                  <c:v>2.1</c:v>
+                </c:pt>
+                <c:pt idx="5">
+                  <c:v>20.600000000000009</c:v>
+                </c:pt>
+              </c:numCache>
+            </c:numRef>
+          </c:val>
+          <c:extLst>
+            <c:ext xmlns:c16="http://schemas.microsoft.com/office/drawing/2014/chart" uri="{C3380CC4-5D6E-409C-BE32-E72D297353CC}">
+              <c16:uniqueId val="{00000000-15E8-435B-8E42-3DCE462ED6D4}"/>
+            </c:ext>
+          </c:extLst>
+        </c:ser>
+        <c:dLbls>
+          <c:showLegendKey val="0"/>
+          <c:showVal val="1"/>
+          <c:showCatName val="0"/>
+          <c:showSerName val="0"/>
+          <c:showPercent val="0"/>
+          <c:showBubbleSize val="0"/>
+        </c:dLbls>
+        <c:gapWidth val="95"/>
+        <c:overlap val="100"/>
+        <c:axId val="1718406144"/>
+        <c:axId val="1718408864"/>
+      </c:barChart>
+      <c:catAx>
+        <c:axId val="1718406144"/>
+        <c:scaling>
+          <c:orientation val="minMax"/>
+        </c:scaling>
+        <c:delete val="0"/>
+        <c:axPos val="l"/>
+        <c:numFmt formatCode="General" sourceLinked="0"/>
+        <c:majorTickMark val="none"/>
+        <c:minorTickMark val="none"/>
+        <c:tickLblPos val="nextTo"/>
+        <c:crossAx val="1718408864"/>
+        <c:crosses val="autoZero"/>
+        <c:auto val="1"/>
+        <c:lblAlgn val="ctr"/>
+        <c:lblOffset val="100"/>
+        <c:noMultiLvlLbl val="0"/>
+      </c:catAx>
+      <c:valAx>
+        <c:axId val="1718408864"/>
+        <c:scaling>
+          <c:orientation val="minMax"/>
+        </c:scaling>
+        <c:delete val="1"/>
+        <c:axPos val="b"/>
+        <c:numFmt formatCode="General" sourceLinked="1"/>
+        <c:majorTickMark val="none"/>
+        <c:minorTickMark val="none"/>
+        <c:tickLblPos val="nextTo"/>
+        <c:crossAx val="1718406144"/>
+        <c:crosses val="autoZero"/>
+        <c:crossBetween val="between"/>
+      </c:valAx>
+    </c:plotArea>
+    <c:plotVisOnly val="1"/>
+    <c:dispBlanksAs val="gap"/>
+    <c:showDLblsOverMax val="0"/>
+  </c:chart>
+  <c:txPr>
+    <a:bodyPr/>
+    <a:lstStyle/>
+    <a:p>
+      <a:pPr>
+        <a:defRPr sz="1800"/>
+      </a:pPr>
+      <a:endParaRPr lang="da-DK"/>
+    </a:p>
+  </c:txPr>
+  <c:externalData r:id="rId1">
+    <c:autoUpdate val="0"/>
+  </c:externalData>
+</c:chartSpace>
 </file>
 
 <file path=ppt/handoutMasters/handoutMaster1.xml><?xml version="1.0" encoding="utf-8"?>
@@ -475,7 +699,7 @@
             <a:fld id="{097625C6-2DD8-4A85-A1BE-6926FA0688E9}" type="slidenum">
               <a:rPr lang="en-US" altLang="en-US"/>
               <a:pPr/>
-              <a:t>‹#›</a:t>
+              <a:t>‹nr.›</a:t>
             </a:fld>
             <a:endParaRPr lang="en-US" altLang="en-US"/>
           </a:p>
@@ -648,7 +872,7 @@
         <p:nvSpPr>
           <p:cNvPr id="7172" name="Rectangle 4"/>
           <p:cNvSpPr>
-            <a:spLocks noChangeArrowheads="1" noTextEdit="1"/>
+            <a:spLocks noGrp="1" noRot="1" noChangeAspect="1" noChangeArrowheads="1" noTextEdit="1"/>
           </p:cNvSpPr>
           <p:nvPr>
             <p:ph type="sldImg" idx="2"/>
@@ -907,7 +1131,7 @@
             <a:fld id="{5D8169E7-7739-4E87-9B85-4AE0E6E5A208}" type="slidenum">
               <a:rPr lang="da-DK" altLang="en-US"/>
               <a:pPr/>
-              <a:t>‹#›</a:t>
+              <a:t>‹nr.›</a:t>
             </a:fld>
             <a:endParaRPr lang="da-DK" altLang="en-US"/>
           </a:p>
@@ -1241,6 +1465,297 @@
 </p:notes>
 </file>
 
+<file path=ppt/notesSlides/notesSlide2.xml><?xml version="1.0" encoding="utf-8"?>
+<p:notes xmlns:a="http://schemas.openxmlformats.org/drawingml/2006/main" xmlns:r="http://schemas.openxmlformats.org/officeDocument/2006/relationships" xmlns:p="http://schemas.openxmlformats.org/presentationml/2006/main">
+  <p:cSld>
+    <p:spTree>
+      <p:nvGrpSpPr>
+        <p:cNvPr id="1" name=""/>
+        <p:cNvGrpSpPr/>
+        <p:nvPr/>
+      </p:nvGrpSpPr>
+      <p:grpSpPr>
+        <a:xfrm>
+          <a:off x="0" y="0"/>
+          <a:ext cx="0" cy="0"/>
+          <a:chOff x="0" y="0"/>
+          <a:chExt cx="0" cy="0"/>
+        </a:xfrm>
+      </p:grpSpPr>
+      <p:sp>
+        <p:nvSpPr>
+          <p:cNvPr id="2" name="Slide Image Placeholder 1"/>
+          <p:cNvSpPr>
+            <a:spLocks noGrp="1" noRot="1" noChangeAspect="1"/>
+          </p:cNvSpPr>
+          <p:nvPr>
+            <p:ph type="sldImg"/>
+          </p:nvPr>
+        </p:nvSpPr>
+        <p:spPr/>
+      </p:sp>
+      <p:sp>
+        <p:nvSpPr>
+          <p:cNvPr id="3" name="Notes Placeholder 2"/>
+          <p:cNvSpPr>
+            <a:spLocks noGrp="1"/>
+          </p:cNvSpPr>
+          <p:nvPr>
+            <p:ph type="body" idx="1"/>
+          </p:nvPr>
+        </p:nvSpPr>
+        <p:spPr/>
+        <p:txBody>
+          <a:bodyPr/>
+          <a:lstStyle/>
+          <a:p>
+            <a:endParaRPr lang="en-US" dirty="0"/>
+          </a:p>
+        </p:txBody>
+      </p:sp>
+      <p:sp>
+        <p:nvSpPr>
+          <p:cNvPr id="4" name="Slide Number Placeholder 3"/>
+          <p:cNvSpPr>
+            <a:spLocks noGrp="1"/>
+          </p:cNvSpPr>
+          <p:nvPr>
+            <p:ph type="sldNum" sz="quarter" idx="10"/>
+          </p:nvPr>
+        </p:nvSpPr>
+        <p:spPr/>
+        <p:txBody>
+          <a:bodyPr/>
+          <a:lstStyle/>
+          <a:p>
+            <a:pPr>
+              <a:defRPr/>
+            </a:pPr>
+            <a:fld id="{5CA292D0-6E94-4CF9-A914-49EE61C44804}" type="slidenum">
+              <a:rPr lang="da-DK" smtClean="0"/>
+              <a:pPr>
+                <a:defRPr/>
+              </a:pPr>
+              <a:t>6</a:t>
+            </a:fld>
+            <a:endParaRPr lang="da-DK"/>
+          </a:p>
+        </p:txBody>
+      </p:sp>
+    </p:spTree>
+    <p:extLst>
+      <p:ext uri="{BB962C8B-B14F-4D97-AF65-F5344CB8AC3E}">
+        <p14:creationId xmlns:p14="http://schemas.microsoft.com/office/powerpoint/2010/main" val="4172837813"/>
+      </p:ext>
+    </p:extLst>
+  </p:cSld>
+  <p:clrMapOvr>
+    <a:masterClrMapping/>
+  </p:clrMapOvr>
+</p:notes>
+</file>
+
+<file path=ppt/notesSlides/notesSlide3.xml><?xml version="1.0" encoding="utf-8"?>
+<p:notes xmlns:a="http://schemas.openxmlformats.org/drawingml/2006/main" xmlns:r="http://schemas.openxmlformats.org/officeDocument/2006/relationships" xmlns:p="http://schemas.openxmlformats.org/presentationml/2006/main">
+  <p:cSld>
+    <p:spTree>
+      <p:nvGrpSpPr>
+        <p:cNvPr id="1" name=""/>
+        <p:cNvGrpSpPr/>
+        <p:nvPr/>
+      </p:nvGrpSpPr>
+      <p:grpSpPr>
+        <a:xfrm>
+          <a:off x="0" y="0"/>
+          <a:ext cx="0" cy="0"/>
+          <a:chOff x="0" y="0"/>
+          <a:chExt cx="0" cy="0"/>
+        </a:xfrm>
+      </p:grpSpPr>
+      <p:sp>
+        <p:nvSpPr>
+          <p:cNvPr id="2" name="Slide Image Placeholder 1"/>
+          <p:cNvSpPr>
+            <a:spLocks noGrp="1" noRot="1" noChangeAspect="1"/>
+          </p:cNvSpPr>
+          <p:nvPr>
+            <p:ph type="sldImg"/>
+          </p:nvPr>
+        </p:nvSpPr>
+        <p:spPr/>
+      </p:sp>
+      <p:sp>
+        <p:nvSpPr>
+          <p:cNvPr id="3" name="Notes Placeholder 2"/>
+          <p:cNvSpPr>
+            <a:spLocks noGrp="1"/>
+          </p:cNvSpPr>
+          <p:nvPr>
+            <p:ph type="body" idx="1"/>
+          </p:nvPr>
+        </p:nvSpPr>
+        <p:spPr/>
+        <p:txBody>
+          <a:bodyPr/>
+          <a:lstStyle/>
+          <a:p>
+            <a:endParaRPr lang="en-US" dirty="0"/>
+          </a:p>
+        </p:txBody>
+      </p:sp>
+      <p:sp>
+        <p:nvSpPr>
+          <p:cNvPr id="4" name="Slide Number Placeholder 3"/>
+          <p:cNvSpPr>
+            <a:spLocks noGrp="1"/>
+          </p:cNvSpPr>
+          <p:nvPr>
+            <p:ph type="sldNum" sz="quarter" idx="10"/>
+          </p:nvPr>
+        </p:nvSpPr>
+        <p:spPr/>
+        <p:txBody>
+          <a:bodyPr/>
+          <a:lstStyle/>
+          <a:p>
+            <a:pPr>
+              <a:defRPr/>
+            </a:pPr>
+            <a:fld id="{5CA292D0-6E94-4CF9-A914-49EE61C44804}" type="slidenum">
+              <a:rPr lang="da-DK" smtClean="0"/>
+              <a:pPr>
+                <a:defRPr/>
+              </a:pPr>
+              <a:t>7</a:t>
+            </a:fld>
+            <a:endParaRPr lang="da-DK"/>
+          </a:p>
+        </p:txBody>
+      </p:sp>
+    </p:spTree>
+    <p:extLst>
+      <p:ext uri="{BB962C8B-B14F-4D97-AF65-F5344CB8AC3E}">
+        <p14:creationId xmlns:p14="http://schemas.microsoft.com/office/powerpoint/2010/main" val="2379649076"/>
+      </p:ext>
+    </p:extLst>
+  </p:cSld>
+  <p:clrMapOvr>
+    <a:masterClrMapping/>
+  </p:clrMapOvr>
+</p:notes>
+</file>
+
+<file path=ppt/notesSlides/notesSlide4.xml><?xml version="1.0" encoding="utf-8"?>
+<p:notes xmlns:a="http://schemas.openxmlformats.org/drawingml/2006/main" xmlns:r="http://schemas.openxmlformats.org/officeDocument/2006/relationships" xmlns:p="http://schemas.openxmlformats.org/presentationml/2006/main">
+  <p:cSld>
+    <p:spTree>
+      <p:nvGrpSpPr>
+        <p:cNvPr id="1" name=""/>
+        <p:cNvGrpSpPr/>
+        <p:nvPr/>
+      </p:nvGrpSpPr>
+      <p:grpSpPr>
+        <a:xfrm>
+          <a:off x="0" y="0"/>
+          <a:ext cx="0" cy="0"/>
+          <a:chOff x="0" y="0"/>
+          <a:chExt cx="0" cy="0"/>
+        </a:xfrm>
+      </p:grpSpPr>
+      <p:sp>
+        <p:nvSpPr>
+          <p:cNvPr id="2" name="Slide Image Placeholder 1"/>
+          <p:cNvSpPr>
+            <a:spLocks noGrp="1" noRot="1" noChangeAspect="1"/>
+          </p:cNvSpPr>
+          <p:nvPr>
+            <p:ph type="sldImg"/>
+          </p:nvPr>
+        </p:nvSpPr>
+        <p:spPr/>
+      </p:sp>
+      <p:sp>
+        <p:nvSpPr>
+          <p:cNvPr id="3" name="Notes Placeholder 2"/>
+          <p:cNvSpPr>
+            <a:spLocks noGrp="1"/>
+          </p:cNvSpPr>
+          <p:nvPr>
+            <p:ph type="body" idx="1"/>
+          </p:nvPr>
+        </p:nvSpPr>
+        <p:spPr/>
+        <p:txBody>
+          <a:bodyPr/>
+          <a:lstStyle/>
+          <a:p>
+            <a:r>
+              <a:rPr lang="en-US" dirty="0" smtClean="0"/>
+              <a:t>Swarm</a:t>
+            </a:r>
+            <a:r>
+              <a:rPr lang="en-US" baseline="0" dirty="0" smtClean="0"/>
+              <a:t> – DAN crowd problem solution stuff – information sharing.</a:t>
+            </a:r>
+          </a:p>
+          <a:p>
+            <a:r>
+              <a:rPr lang="en-US" baseline="0" dirty="0" smtClean="0"/>
+              <a:t>Why not </a:t>
+            </a:r>
+            <a:r>
+              <a:rPr lang="en-US" baseline="0" dirty="0" err="1" smtClean="0"/>
+              <a:t>dropbox</a:t>
+            </a:r>
+            <a:endParaRPr lang="en-US" baseline="0" dirty="0" smtClean="0"/>
+          </a:p>
+          <a:p>
+            <a:endParaRPr lang="en-US" baseline="0" dirty="0" smtClean="0"/>
+          </a:p>
+        </p:txBody>
+      </p:sp>
+      <p:sp>
+        <p:nvSpPr>
+          <p:cNvPr id="4" name="Slide Number Placeholder 3"/>
+          <p:cNvSpPr>
+            <a:spLocks noGrp="1"/>
+          </p:cNvSpPr>
+          <p:nvPr>
+            <p:ph type="sldNum" sz="quarter" idx="10"/>
+          </p:nvPr>
+        </p:nvSpPr>
+        <p:spPr/>
+        <p:txBody>
+          <a:bodyPr/>
+          <a:lstStyle/>
+          <a:p>
+            <a:pPr>
+              <a:defRPr/>
+            </a:pPr>
+            <a:fld id="{5CA292D0-6E94-4CF9-A914-49EE61C44804}" type="slidenum">
+              <a:rPr lang="da-DK" smtClean="0"/>
+              <a:pPr>
+                <a:defRPr/>
+              </a:pPr>
+              <a:t>10</a:t>
+            </a:fld>
+            <a:endParaRPr lang="da-DK"/>
+          </a:p>
+        </p:txBody>
+      </p:sp>
+    </p:spTree>
+    <p:extLst>
+      <p:ext uri="{BB962C8B-B14F-4D97-AF65-F5344CB8AC3E}">
+        <p14:creationId xmlns:p14="http://schemas.microsoft.com/office/powerpoint/2010/main" val="311664401"/>
+      </p:ext>
+    </p:extLst>
+  </p:cSld>
+  <p:clrMapOvr>
+    <a:masterClrMapping/>
+  </p:clrMapOvr>
+</p:notes>
+</file>
+
 <file path=ppt/slideLayouts/slideLayout1.xml><?xml version="1.0" encoding="utf-8"?>
 <p:sldLayout xmlns:a="http://schemas.openxmlformats.org/drawingml/2006/main" xmlns:r="http://schemas.openxmlformats.org/officeDocument/2006/relationships" xmlns:p="http://schemas.openxmlformats.org/presentationml/2006/main" showMasterSp="0" type="title" preserve="1">
   <p:cSld name="Title Slide">
@@ -1498,6 +2013,13 @@
   <p:clrMapOvr>
     <a:masterClrMapping/>
   </p:clrMapOvr>
+  <p:timing>
+    <p:tnLst>
+      <p:par>
+        <p:cTn id="1" dur="indefinite" restart="never" nodeType="tmRoot"/>
+      </p:par>
+    </p:tnLst>
+  </p:timing>
 </p:sldLayout>
 </file>
 
@@ -1722,6 +2244,173 @@
 </file>
 
 <file path=ppt/slideLayouts/slideLayout12.xml><?xml version="1.0" encoding="utf-8"?>
+<p:sldLayout xmlns:a="http://schemas.openxmlformats.org/drawingml/2006/main" xmlns:r="http://schemas.openxmlformats.org/officeDocument/2006/relationships" xmlns:p="http://schemas.openxmlformats.org/presentationml/2006/main" userDrawn="1">
+  <p:cSld name="1_Title Only">
+    <p:spTree>
+      <p:nvGrpSpPr>
+        <p:cNvPr id="1" name=""/>
+        <p:cNvGrpSpPr/>
+        <p:nvPr/>
+      </p:nvGrpSpPr>
+      <p:grpSpPr>
+        <a:xfrm>
+          <a:off x="0" y="0"/>
+          <a:ext cx="0" cy="0"/>
+          <a:chOff x="0" y="0"/>
+          <a:chExt cx="0" cy="0"/>
+        </a:xfrm>
+      </p:grpSpPr>
+      <p:sp>
+        <p:nvSpPr>
+          <p:cNvPr id="4" name="Rectangle 3"/>
+          <p:cNvSpPr/>
+          <p:nvPr userDrawn="1"/>
+        </p:nvSpPr>
+        <p:spPr bwMode="auto">
+          <a:xfrm>
+            <a:off x="7848600" y="152400"/>
+            <a:ext cx="1295400" cy="990600"/>
+          </a:xfrm>
+          <a:prstGeom prst="rect">
+            <a:avLst/>
+          </a:prstGeom>
+          <a:solidFill>
+            <a:schemeClr val="bg1"/>
+          </a:solidFill>
+          <a:ln w="9525" cap="flat" cmpd="sng" algn="ctr">
+            <a:noFill/>
+            <a:prstDash val="solid"/>
+            <a:round/>
+            <a:headEnd type="none" w="med" len="med"/>
+            <a:tailEnd type="none" w="med" len="med"/>
+          </a:ln>
+          <a:effectLst/>
+          <a:extLst/>
+        </p:spPr>
+        <p:txBody>
+          <a:bodyPr vert="horz" wrap="square" lIns="0" tIns="0" rIns="0" bIns="0" numCol="1" rtlCol="0" anchor="t" anchorCtr="0" compatLnSpc="1">
+            <a:prstTxWarp prst="textNoShape">
+              <a:avLst/>
+            </a:prstTxWarp>
+          </a:bodyPr>
+          <a:lstStyle/>
+          <a:p>
+            <a:pPr marL="0" marR="0" indent="0" algn="l" defTabSz="914400" rtl="0" eaLnBrk="1" fontAlgn="base" latinLnBrk="0" hangingPunct="1">
+              <a:lnSpc>
+                <a:spcPct val="100000"/>
+              </a:lnSpc>
+              <a:spcBef>
+                <a:spcPct val="50000"/>
+              </a:spcBef>
+              <a:spcAft>
+                <a:spcPct val="0"/>
+              </a:spcAft>
+              <a:buClrTx/>
+              <a:buSzTx/>
+              <a:buFontTx/>
+              <a:buNone/>
+              <a:tabLst/>
+            </a:pPr>
+            <a:endParaRPr kumimoji="0" lang="en-US" sz="1600" b="0" i="0" u="none" strike="noStrike" cap="none" normalizeH="0" baseline="0" smtClean="0">
+              <a:ln>
+                <a:noFill/>
+              </a:ln>
+              <a:solidFill>
+                <a:schemeClr val="tx1"/>
+              </a:solidFill>
+              <a:effectLst/>
+              <a:latin typeface="Verdana" pitchFamily="34" charset="0"/>
+              <a:ea typeface="ＭＳ Ｐゴシック" pitchFamily="-80" charset="-128"/>
+            </a:endParaRPr>
+          </a:p>
+        </p:txBody>
+      </p:sp>
+      <p:sp>
+        <p:nvSpPr>
+          <p:cNvPr id="5" name="Rectangle 4"/>
+          <p:cNvSpPr/>
+          <p:nvPr userDrawn="1"/>
+        </p:nvSpPr>
+        <p:spPr bwMode="auto">
+          <a:xfrm>
+            <a:off x="381000" y="5715000"/>
+            <a:ext cx="8229600" cy="990600"/>
+          </a:xfrm>
+          <a:prstGeom prst="rect">
+            <a:avLst/>
+          </a:prstGeom>
+          <a:solidFill>
+            <a:schemeClr val="bg1"/>
+          </a:solidFill>
+          <a:ln w="9525" cap="flat" cmpd="sng" algn="ctr">
+            <a:noFill/>
+            <a:prstDash val="solid"/>
+            <a:round/>
+            <a:headEnd type="none" w="med" len="med"/>
+            <a:tailEnd type="none" w="med" len="med"/>
+          </a:ln>
+          <a:effectLst/>
+          <a:extLst/>
+        </p:spPr>
+        <p:txBody>
+          <a:bodyPr vert="horz" wrap="square" lIns="0" tIns="0" rIns="0" bIns="0" numCol="1" rtlCol="0" anchor="t" anchorCtr="0" compatLnSpc="1">
+            <a:prstTxWarp prst="textNoShape">
+              <a:avLst/>
+            </a:prstTxWarp>
+          </a:bodyPr>
+          <a:lstStyle/>
+          <a:p>
+            <a:pPr marL="0" marR="0" indent="0" algn="l" defTabSz="914400" rtl="0" eaLnBrk="1" fontAlgn="base" latinLnBrk="0" hangingPunct="1">
+              <a:lnSpc>
+                <a:spcPct val="100000"/>
+              </a:lnSpc>
+              <a:spcBef>
+                <a:spcPct val="50000"/>
+              </a:spcBef>
+              <a:spcAft>
+                <a:spcPct val="0"/>
+              </a:spcAft>
+              <a:buClrTx/>
+              <a:buSzTx/>
+              <a:buFontTx/>
+              <a:buNone/>
+              <a:tabLst/>
+            </a:pPr>
+            <a:endParaRPr kumimoji="0" lang="en-US" sz="1600" b="0" i="0" u="none" strike="noStrike" cap="none" normalizeH="0" baseline="0" smtClean="0">
+              <a:ln>
+                <a:noFill/>
+              </a:ln>
+              <a:solidFill>
+                <a:schemeClr val="tx1"/>
+              </a:solidFill>
+              <a:effectLst/>
+              <a:latin typeface="Verdana" pitchFamily="34" charset="0"/>
+              <a:ea typeface="ＭＳ Ｐゴシック" pitchFamily="-80" charset="-128"/>
+            </a:endParaRPr>
+          </a:p>
+        </p:txBody>
+      </p:sp>
+    </p:spTree>
+    <p:extLst>
+      <p:ext uri="{BB962C8B-B14F-4D97-AF65-F5344CB8AC3E}">
+        <p14:creationId xmlns:p14="http://schemas.microsoft.com/office/powerpoint/2010/main" val="2578209763"/>
+      </p:ext>
+    </p:extLst>
+  </p:cSld>
+  <p:clrMapOvr>
+    <a:masterClrMapping/>
+  </p:clrMapOvr>
+  <p:timing>
+    <p:tnLst>
+      <p:par>
+        <p:cTn id="1" dur="indefinite" restart="never" nodeType="tmRoot"/>
+      </p:par>
+    </p:tnLst>
+  </p:timing>
+</p:sldLayout>
+</file>
+
+<file path=ppt/slideLayouts/slideLayout13.xml><?xml version="1.0" encoding="utf-8"?>
 <p:sldLayout xmlns:a="http://schemas.openxmlformats.org/drawingml/2006/main" xmlns:r="http://schemas.openxmlformats.org/officeDocument/2006/relationships" xmlns:p="http://schemas.openxmlformats.org/presentationml/2006/main" showMasterSp="0" type="title" preserve="1">
   <p:cSld name="Title Slide">
     <p:spTree>
@@ -1979,7 +2668,7 @@
 </p:sldLayout>
 </file>
 
-<file path=ppt/slideLayouts/slideLayout13.xml><?xml version="1.0" encoding="utf-8"?>
+<file path=ppt/slideLayouts/slideLayout14.xml><?xml version="1.0" encoding="utf-8"?>
 <p:sldLayout xmlns:a="http://schemas.openxmlformats.org/drawingml/2006/main" xmlns:r="http://schemas.openxmlformats.org/officeDocument/2006/relationships" xmlns:p="http://schemas.openxmlformats.org/presentationml/2006/main" type="obj" preserve="1">
   <p:cSld name="Title and Content">
     <p:spTree>
@@ -2081,10 +2770,102 @@
   <p:clrMapOvr>
     <a:masterClrMapping/>
   </p:clrMapOvr>
+  <p:timing>
+    <p:tnLst>
+      <p:par>
+        <p:cTn id="1" dur="indefinite" restart="never" nodeType="tmRoot"/>
+      </p:par>
+    </p:tnLst>
+  </p:timing>
 </p:sldLayout>
 </file>
 
-<file path=ppt/slideLayouts/slideLayout14.xml><?xml version="1.0" encoding="utf-8"?>
+<file path=ppt/slideLayouts/slideLayout15.xml><?xml version="1.0" encoding="utf-8"?>
+<p:sldLayout xmlns:a="http://schemas.openxmlformats.org/drawingml/2006/main" xmlns:r="http://schemas.openxmlformats.org/officeDocument/2006/relationships" xmlns:p="http://schemas.openxmlformats.org/presentationml/2006/main" type="obj" preserve="1">
+  <p:cSld name="1_Title and Content">
+    <p:spTree>
+      <p:nvGrpSpPr>
+        <p:cNvPr id="1" name=""/>
+        <p:cNvGrpSpPr/>
+        <p:nvPr/>
+      </p:nvGrpSpPr>
+      <p:grpSpPr>
+        <a:xfrm>
+          <a:off x="0" y="0"/>
+          <a:ext cx="0" cy="0"/>
+          <a:chOff x="0" y="0"/>
+          <a:chExt cx="0" cy="0"/>
+        </a:xfrm>
+      </p:grpSpPr>
+      <p:sp>
+        <p:nvSpPr>
+          <p:cNvPr id="2" name="Title 1"/>
+          <p:cNvSpPr>
+            <a:spLocks noGrp="1"/>
+          </p:cNvSpPr>
+          <p:nvPr>
+            <p:ph type="title"/>
+          </p:nvPr>
+        </p:nvSpPr>
+        <p:spPr/>
+        <p:txBody>
+          <a:bodyPr/>
+          <a:lstStyle/>
+          <a:p>
+            <a:r>
+              <a:rPr lang="en-US" smtClean="0"/>
+              <a:t>Click to edit Master title style</a:t>
+            </a:r>
+            <a:endParaRPr lang="da-DK"/>
+          </a:p>
+        </p:txBody>
+      </p:sp>
+      <p:sp>
+        <p:nvSpPr>
+          <p:cNvPr id="3" name="Content Placeholder 2"/>
+          <p:cNvSpPr>
+            <a:spLocks noGrp="1"/>
+          </p:cNvSpPr>
+          <p:nvPr>
+            <p:ph idx="1"/>
+          </p:nvPr>
+        </p:nvSpPr>
+        <p:spPr/>
+        <p:txBody>
+          <a:bodyPr/>
+          <a:lstStyle>
+            <a:lvl1pPr marL="0" indent="0">
+              <a:buNone/>
+              <a:defRPr/>
+            </a:lvl1pPr>
+          </a:lstStyle>
+          <a:p>
+            <a:pPr lvl="0"/>
+            <a:endParaRPr lang="da-DK" dirty="0"/>
+          </a:p>
+        </p:txBody>
+      </p:sp>
+    </p:spTree>
+    <p:extLst>
+      <p:ext uri="{BB962C8B-B14F-4D97-AF65-F5344CB8AC3E}">
+        <p14:creationId xmlns:p14="http://schemas.microsoft.com/office/powerpoint/2010/main" val="1014097034"/>
+      </p:ext>
+    </p:extLst>
+  </p:cSld>
+  <p:clrMapOvr>
+    <a:masterClrMapping/>
+  </p:clrMapOvr>
+  <p:timing>
+    <p:tnLst>
+      <p:par>
+        <p:cTn id="1" dur="indefinite" restart="never" nodeType="tmRoot"/>
+      </p:par>
+    </p:tnLst>
+  </p:timing>
+</p:sldLayout>
+</file>
+
+<file path=ppt/slideLayouts/slideLayout16.xml><?xml version="1.0" encoding="utf-8"?>
 <p:sldLayout xmlns:a="http://schemas.openxmlformats.org/drawingml/2006/main" xmlns:r="http://schemas.openxmlformats.org/officeDocument/2006/relationships" xmlns:p="http://schemas.openxmlformats.org/presentationml/2006/main" type="secHead" preserve="1">
   <p:cSld name="Section Header">
     <p:spTree>
@@ -2211,7 +2992,7 @@
 </p:sldLayout>
 </file>
 
-<file path=ppt/slideLayouts/slideLayout15.xml><?xml version="1.0" encoding="utf-8"?>
+<file path=ppt/slideLayouts/slideLayout17.xml><?xml version="1.0" encoding="utf-8"?>
 <p:sldLayout xmlns:a="http://schemas.openxmlformats.org/drawingml/2006/main" xmlns:r="http://schemas.openxmlformats.org/officeDocument/2006/relationships" xmlns:p="http://schemas.openxmlformats.org/presentationml/2006/main" type="twoObj" preserve="1">
   <p:cSld name="Two Content">
     <p:spTree>
@@ -2434,7 +3215,7 @@
 </p:sldLayout>
 </file>
 
-<file path=ppt/slideLayouts/slideLayout16.xml><?xml version="1.0" encoding="utf-8"?>
+<file path=ppt/slideLayouts/slideLayout18.xml><?xml version="1.0" encoding="utf-8"?>
 <p:sldLayout xmlns:a="http://schemas.openxmlformats.org/drawingml/2006/main" xmlns:r="http://schemas.openxmlformats.org/officeDocument/2006/relationships" xmlns:p="http://schemas.openxmlformats.org/presentationml/2006/main" type="twoTxTwoObj" preserve="1">
   <p:cSld name="Comparison">
     <p:spTree>
@@ -2796,7 +3577,7 @@
 </p:sldLayout>
 </file>
 
-<file path=ppt/slideLayouts/slideLayout17.xml><?xml version="1.0" encoding="utf-8"?>
+<file path=ppt/slideLayouts/slideLayout19.xml><?xml version="1.0" encoding="utf-8"?>
 <p:sldLayout xmlns:a="http://schemas.openxmlformats.org/drawingml/2006/main" xmlns:r="http://schemas.openxmlformats.org/officeDocument/2006/relationships" xmlns:p="http://schemas.openxmlformats.org/presentationml/2006/main" type="titleOnly" preserve="1">
   <p:cSld name="Title Only">
     <p:spTree>
@@ -2849,7 +3630,119 @@
 </p:sldLayout>
 </file>
 
-<file path=ppt/slideLayouts/slideLayout18.xml><?xml version="1.0" encoding="utf-8"?>
+<file path=ppt/slideLayouts/slideLayout2.xml><?xml version="1.0" encoding="utf-8"?>
+<p:sldLayout xmlns:a="http://schemas.openxmlformats.org/drawingml/2006/main" xmlns:r="http://schemas.openxmlformats.org/officeDocument/2006/relationships" xmlns:p="http://schemas.openxmlformats.org/presentationml/2006/main" type="obj" preserve="1">
+  <p:cSld name="Title and Content">
+    <p:spTree>
+      <p:nvGrpSpPr>
+        <p:cNvPr id="1" name=""/>
+        <p:cNvGrpSpPr/>
+        <p:nvPr/>
+      </p:nvGrpSpPr>
+      <p:grpSpPr>
+        <a:xfrm>
+          <a:off x="0" y="0"/>
+          <a:ext cx="0" cy="0"/>
+          <a:chOff x="0" y="0"/>
+          <a:chExt cx="0" cy="0"/>
+        </a:xfrm>
+      </p:grpSpPr>
+      <p:sp>
+        <p:nvSpPr>
+          <p:cNvPr id="2" name="Title 1"/>
+          <p:cNvSpPr>
+            <a:spLocks noGrp="1"/>
+          </p:cNvSpPr>
+          <p:nvPr>
+            <p:ph type="title"/>
+          </p:nvPr>
+        </p:nvSpPr>
+        <p:spPr/>
+        <p:txBody>
+          <a:bodyPr/>
+          <a:lstStyle/>
+          <a:p>
+            <a:r>
+              <a:rPr lang="en-US" smtClean="0"/>
+              <a:t>Click to edit Master title style</a:t>
+            </a:r>
+            <a:endParaRPr lang="da-DK"/>
+          </a:p>
+        </p:txBody>
+      </p:sp>
+      <p:sp>
+        <p:nvSpPr>
+          <p:cNvPr id="3" name="Content Placeholder 2"/>
+          <p:cNvSpPr>
+            <a:spLocks noGrp="1"/>
+          </p:cNvSpPr>
+          <p:nvPr>
+            <p:ph idx="1"/>
+          </p:nvPr>
+        </p:nvSpPr>
+        <p:spPr/>
+        <p:txBody>
+          <a:bodyPr/>
+          <a:lstStyle/>
+          <a:p>
+            <a:pPr lvl="0"/>
+            <a:r>
+              <a:rPr lang="en-US" smtClean="0"/>
+              <a:t>Edit Master text styles</a:t>
+            </a:r>
+          </a:p>
+          <a:p>
+            <a:pPr lvl="1"/>
+            <a:r>
+              <a:rPr lang="en-US" smtClean="0"/>
+              <a:t>Second level</a:t>
+            </a:r>
+          </a:p>
+          <a:p>
+            <a:pPr lvl="2"/>
+            <a:r>
+              <a:rPr lang="en-US" smtClean="0"/>
+              <a:t>Third level</a:t>
+            </a:r>
+          </a:p>
+          <a:p>
+            <a:pPr lvl="3"/>
+            <a:r>
+              <a:rPr lang="en-US" smtClean="0"/>
+              <a:t>Fourth level</a:t>
+            </a:r>
+          </a:p>
+          <a:p>
+            <a:pPr lvl="4"/>
+            <a:r>
+              <a:rPr lang="en-US" smtClean="0"/>
+              <a:t>Fifth level</a:t>
+            </a:r>
+            <a:endParaRPr lang="da-DK"/>
+          </a:p>
+        </p:txBody>
+      </p:sp>
+    </p:spTree>
+    <p:extLst>
+      <p:ext uri="{BB962C8B-B14F-4D97-AF65-F5344CB8AC3E}">
+        <p14:creationId xmlns:p14="http://schemas.microsoft.com/office/powerpoint/2010/main" val="1853096729"/>
+      </p:ext>
+    </p:extLst>
+  </p:cSld>
+  <p:clrMapOvr>
+    <a:masterClrMapping/>
+  </p:clrMapOvr>
+  <p:timing>
+    <p:tnLst>
+      <p:par>
+        <p:cTn id="1" dur="indefinite" restart="never" nodeType="tmRoot"/>
+      </p:par>
+    </p:tnLst>
+  </p:timing>
+</p:sldLayout>
+</file>
+
+<file path=ppt/slideLayouts/slideLayout20.xml><?xml version="1.0" encoding="utf-8"?>
 <p:sldLayout xmlns:a="http://schemas.openxmlformats.org/drawingml/2006/main" xmlns:r="http://schemas.openxmlformats.org/officeDocument/2006/relationships" xmlns:p="http://schemas.openxmlformats.org/presentationml/2006/main" type="blank" preserve="1">
   <p:cSld name="Blank">
     <p:spTree>
@@ -2879,7 +3772,7 @@
 </p:sldLayout>
 </file>
 
-<file path=ppt/slideLayouts/slideLayout19.xml><?xml version="1.0" encoding="utf-8"?>
+<file path=ppt/slideLayouts/slideLayout21.xml><?xml version="1.0" encoding="utf-8"?>
 <p:sldLayout xmlns:a="http://schemas.openxmlformats.org/drawingml/2006/main" xmlns:r="http://schemas.openxmlformats.org/officeDocument/2006/relationships" xmlns:p="http://schemas.openxmlformats.org/presentationml/2006/main" type="objTx" preserve="1">
   <p:cSld name="Content with Caption">
     <p:spTree>
@@ -3091,112 +3984,7 @@
 </p:sldLayout>
 </file>
 
-<file path=ppt/slideLayouts/slideLayout2.xml><?xml version="1.0" encoding="utf-8"?>
-<p:sldLayout xmlns:a="http://schemas.openxmlformats.org/drawingml/2006/main" xmlns:r="http://schemas.openxmlformats.org/officeDocument/2006/relationships" xmlns:p="http://schemas.openxmlformats.org/presentationml/2006/main" type="obj" preserve="1">
-  <p:cSld name="Title and Content">
-    <p:spTree>
-      <p:nvGrpSpPr>
-        <p:cNvPr id="1" name=""/>
-        <p:cNvGrpSpPr/>
-        <p:nvPr/>
-      </p:nvGrpSpPr>
-      <p:grpSpPr>
-        <a:xfrm>
-          <a:off x="0" y="0"/>
-          <a:ext cx="0" cy="0"/>
-          <a:chOff x="0" y="0"/>
-          <a:chExt cx="0" cy="0"/>
-        </a:xfrm>
-      </p:grpSpPr>
-      <p:sp>
-        <p:nvSpPr>
-          <p:cNvPr id="2" name="Title 1"/>
-          <p:cNvSpPr>
-            <a:spLocks noGrp="1"/>
-          </p:cNvSpPr>
-          <p:nvPr>
-            <p:ph type="title"/>
-          </p:nvPr>
-        </p:nvSpPr>
-        <p:spPr/>
-        <p:txBody>
-          <a:bodyPr/>
-          <a:lstStyle/>
-          <a:p>
-            <a:r>
-              <a:rPr lang="en-US" smtClean="0"/>
-              <a:t>Click to edit Master title style</a:t>
-            </a:r>
-            <a:endParaRPr lang="da-DK"/>
-          </a:p>
-        </p:txBody>
-      </p:sp>
-      <p:sp>
-        <p:nvSpPr>
-          <p:cNvPr id="3" name="Content Placeholder 2"/>
-          <p:cNvSpPr>
-            <a:spLocks noGrp="1"/>
-          </p:cNvSpPr>
-          <p:nvPr>
-            <p:ph idx="1"/>
-          </p:nvPr>
-        </p:nvSpPr>
-        <p:spPr/>
-        <p:txBody>
-          <a:bodyPr/>
-          <a:lstStyle/>
-          <a:p>
-            <a:pPr lvl="0"/>
-            <a:r>
-              <a:rPr lang="en-US" smtClean="0"/>
-              <a:t>Edit Master text styles</a:t>
-            </a:r>
-          </a:p>
-          <a:p>
-            <a:pPr lvl="1"/>
-            <a:r>
-              <a:rPr lang="en-US" smtClean="0"/>
-              <a:t>Second level</a:t>
-            </a:r>
-          </a:p>
-          <a:p>
-            <a:pPr lvl="2"/>
-            <a:r>
-              <a:rPr lang="en-US" smtClean="0"/>
-              <a:t>Third level</a:t>
-            </a:r>
-          </a:p>
-          <a:p>
-            <a:pPr lvl="3"/>
-            <a:r>
-              <a:rPr lang="en-US" smtClean="0"/>
-              <a:t>Fourth level</a:t>
-            </a:r>
-          </a:p>
-          <a:p>
-            <a:pPr lvl="4"/>
-            <a:r>
-              <a:rPr lang="en-US" smtClean="0"/>
-              <a:t>Fifth level</a:t>
-            </a:r>
-            <a:endParaRPr lang="da-DK"/>
-          </a:p>
-        </p:txBody>
-      </p:sp>
-    </p:spTree>
-    <p:extLst>
-      <p:ext uri="{BB962C8B-B14F-4D97-AF65-F5344CB8AC3E}">
-        <p14:creationId xmlns:p14="http://schemas.microsoft.com/office/powerpoint/2010/main" val="1853096729"/>
-      </p:ext>
-    </p:extLst>
-  </p:cSld>
-  <p:clrMapOvr>
-    <a:masterClrMapping/>
-  </p:clrMapOvr>
-</p:sldLayout>
-</file>
-
-<file path=ppt/slideLayouts/slideLayout20.xml><?xml version="1.0" encoding="utf-8"?>
+<file path=ppt/slideLayouts/slideLayout22.xml><?xml version="1.0" encoding="utf-8"?>
 <p:sldLayout xmlns:a="http://schemas.openxmlformats.org/drawingml/2006/main" xmlns:r="http://schemas.openxmlformats.org/officeDocument/2006/relationships" xmlns:p="http://schemas.openxmlformats.org/presentationml/2006/main" type="picTx" preserve="1">
   <p:cSld name="Picture with Caption">
     <p:spTree>
@@ -3385,7 +4173,7 @@
 </p:sldLayout>
 </file>
 
-<file path=ppt/slideLayouts/slideLayout21.xml><?xml version="1.0" encoding="utf-8"?>
+<file path=ppt/slideLayouts/slideLayout23.xml><?xml version="1.0" encoding="utf-8"?>
 <p:sldLayout xmlns:a="http://schemas.openxmlformats.org/drawingml/2006/main" xmlns:r="http://schemas.openxmlformats.org/officeDocument/2006/relationships" xmlns:p="http://schemas.openxmlformats.org/presentationml/2006/main" type="vertTx" preserve="1">
   <p:cSld name="Title and Vertical Text">
     <p:spTree>
@@ -3490,7 +4278,7 @@
 </p:sldLayout>
 </file>
 
-<file path=ppt/slideLayouts/slideLayout22.xml><?xml version="1.0" encoding="utf-8"?>
+<file path=ppt/slideLayouts/slideLayout24.xml><?xml version="1.0" encoding="utf-8"?>
 <p:sldLayout xmlns:a="http://schemas.openxmlformats.org/drawingml/2006/main" xmlns:r="http://schemas.openxmlformats.org/officeDocument/2006/relationships" xmlns:p="http://schemas.openxmlformats.org/presentationml/2006/main" type="vertTitleAndTx" preserve="1">
   <p:cSld name="Vertical Title and Text">
     <p:spTree>
@@ -3729,6 +4517,13 @@
   <p:clrMapOvr>
     <a:masterClrMapping/>
   </p:clrMapOvr>
+  <p:timing>
+    <p:tnLst>
+      <p:par>
+        <p:cTn id="1" dur="indefinite" restart="never" nodeType="tmRoot"/>
+      </p:par>
+    </p:tnLst>
+  </p:timing>
 </p:sldLayout>
 </file>
 
@@ -4983,7 +5778,7 @@
           <p:nvPr/>
         </p:nvPicPr>
         <p:blipFill>
-          <a:blip r:embed="rId13">
+          <a:blip r:embed="rId14">
             <a:extLst>
               <a:ext uri="{28A0092B-C50C-407E-A947-70E740481C1C}">
                 <a14:useLocalDpi xmlns:a14="http://schemas.microsoft.com/office/drawing/2010/main" val="0"/>
@@ -5515,7 +6310,7 @@
                   <a:spcPct val="0"/>
                 </a:spcBef>
               </a:pPr>
-              <a:t>‹#›</a:t>
+              <a:t>‹nr.›</a:t>
             </a:fld>
             <a:endParaRPr lang="da-DK" altLang="en-US" sz="900"/>
           </a:p>
@@ -5698,7 +6493,15 @@
     <p:sldLayoutId id="2147483685" r:id="rId9"/>
     <p:sldLayoutId id="2147483686" r:id="rId10"/>
     <p:sldLayoutId id="2147483687" r:id="rId11"/>
+    <p:sldLayoutId id="2147483701" r:id="rId12"/>
   </p:sldLayoutIdLst>
+  <p:timing>
+    <p:tnLst>
+      <p:par>
+        <p:cTn id="1" dur="indefinite" restart="never" nodeType="tmRoot"/>
+      </p:par>
+    </p:tnLst>
+  </p:timing>
   <p:txStyles>
     <p:titleStyle>
       <a:lvl1pPr algn="l" rtl="0" eaLnBrk="1" fontAlgn="base" hangingPunct="1">
@@ -6262,7 +7065,7 @@
           <p:nvPr/>
         </p:nvPicPr>
         <p:blipFill>
-          <a:blip r:embed="rId13">
+          <a:blip r:embed="rId14">
             <a:extLst>
               <a:ext uri="{28A0092B-C50C-407E-A947-70E740481C1C}">
                 <a14:useLocalDpi xmlns:a14="http://schemas.microsoft.com/office/drawing/2010/main" val="0"/>
@@ -6794,7 +7597,7 @@
                   <a:spcPct val="0"/>
                 </a:spcBef>
               </a:pPr>
-              <a:t>‹#›</a:t>
+              <a:t>‹nr.›</a:t>
             </a:fld>
             <a:endParaRPr lang="da-DK" altLang="en-US" sz="900"/>
           </a:p>
@@ -6968,16 +7771,24 @@
   <p:sldLayoutIdLst>
     <p:sldLayoutId id="2147483699" r:id="rId1"/>
     <p:sldLayoutId id="2147483688" r:id="rId2"/>
-    <p:sldLayoutId id="2147483689" r:id="rId3"/>
-    <p:sldLayoutId id="2147483690" r:id="rId4"/>
-    <p:sldLayoutId id="2147483691" r:id="rId5"/>
-    <p:sldLayoutId id="2147483692" r:id="rId6"/>
-    <p:sldLayoutId id="2147483693" r:id="rId7"/>
-    <p:sldLayoutId id="2147483694" r:id="rId8"/>
-    <p:sldLayoutId id="2147483695" r:id="rId9"/>
-    <p:sldLayoutId id="2147483696" r:id="rId10"/>
-    <p:sldLayoutId id="2147483697" r:id="rId11"/>
+    <p:sldLayoutId id="2147483700" r:id="rId3"/>
+    <p:sldLayoutId id="2147483689" r:id="rId4"/>
+    <p:sldLayoutId id="2147483690" r:id="rId5"/>
+    <p:sldLayoutId id="2147483691" r:id="rId6"/>
+    <p:sldLayoutId id="2147483692" r:id="rId7"/>
+    <p:sldLayoutId id="2147483693" r:id="rId8"/>
+    <p:sldLayoutId id="2147483694" r:id="rId9"/>
+    <p:sldLayoutId id="2147483695" r:id="rId10"/>
+    <p:sldLayoutId id="2147483696" r:id="rId11"/>
+    <p:sldLayoutId id="2147483697" r:id="rId12"/>
   </p:sldLayoutIdLst>
+  <p:timing>
+    <p:tnLst>
+      <p:par>
+        <p:cTn id="1" dur="indefinite" restart="never" nodeType="tmRoot"/>
+      </p:par>
+    </p:tnLst>
+  </p:timing>
   <p:txStyles>
     <p:titleStyle>
       <a:lvl1pPr algn="l" rtl="0" eaLnBrk="0" fontAlgn="base" hangingPunct="0">
@@ -7480,7 +8291,802 @@
 </p:sld>
 </file>
 
-<file path=ppt/slides/slide2.xml><?xml version="1.0" encoding="utf-8"?>
+<file path=ppt/slides/slide10.xml><?xml version="1.0" encoding="utf-8"?>
+<p:sld xmlns:a="http://schemas.openxmlformats.org/drawingml/2006/main" xmlns:r="http://schemas.openxmlformats.org/officeDocument/2006/relationships" xmlns:p="http://schemas.openxmlformats.org/presentationml/2006/main">
+  <p:cSld>
+    <p:spTree>
+      <p:nvGrpSpPr>
+        <p:cNvPr id="1" name=""/>
+        <p:cNvGrpSpPr/>
+        <p:nvPr/>
+      </p:nvGrpSpPr>
+      <p:grpSpPr>
+        <a:xfrm>
+          <a:off x="0" y="0"/>
+          <a:ext cx="0" cy="0"/>
+          <a:chOff x="0" y="0"/>
+          <a:chExt cx="0" cy="0"/>
+        </a:xfrm>
+      </p:grpSpPr>
+      <p:grpSp>
+        <p:nvGrpSpPr>
+          <p:cNvPr id="24" name="Group 23"/>
+          <p:cNvGrpSpPr/>
+          <p:nvPr/>
+        </p:nvGrpSpPr>
+        <p:grpSpPr>
+          <a:xfrm>
+            <a:off x="3810000" y="4169566"/>
+            <a:ext cx="1511761" cy="1552508"/>
+            <a:chOff x="3822239" y="2819400"/>
+            <a:chExt cx="1511761" cy="1552508"/>
+          </a:xfrm>
+        </p:grpSpPr>
+        <p:pic>
+          <p:nvPicPr>
+            <p:cNvPr id="26" name="Picture 2"/>
+            <p:cNvPicPr>
+              <a:picLocks noChangeAspect="1" noChangeArrowheads="1"/>
+            </p:cNvPicPr>
+            <p:nvPr/>
+          </p:nvPicPr>
+          <p:blipFill>
+            <a:blip r:embed="rId3">
+              <a:extLst>
+                <a:ext uri="{28A0092B-C50C-407E-A947-70E740481C1C}">
+                  <a14:useLocalDpi xmlns:a14="http://schemas.microsoft.com/office/drawing/2010/main" val="0"/>
+                </a:ext>
+              </a:extLst>
+            </a:blip>
+            <a:srcRect/>
+            <a:stretch>
+              <a:fillRect/>
+            </a:stretch>
+          </p:blipFill>
+          <p:spPr bwMode="auto">
+            <a:xfrm>
+              <a:off x="4031790" y="2819400"/>
+              <a:ext cx="1133475" cy="1323975"/>
+            </a:xfrm>
+            <a:prstGeom prst="rect">
+              <a:avLst/>
+            </a:prstGeom>
+            <a:noFill/>
+            <a:ln>
+              <a:noFill/>
+            </a:ln>
+            <a:extLst>
+              <a:ext uri="{909E8E84-426E-40DD-AFC4-6F175D3DCCD1}">
+                <a14:hiddenFill xmlns:a14="http://schemas.microsoft.com/office/drawing/2010/main">
+                  <a:solidFill>
+                    <a:schemeClr val="accent1"/>
+                  </a:solidFill>
+                </a14:hiddenFill>
+              </a:ext>
+              <a:ext uri="{91240B29-F687-4F45-9708-019B960494DF}">
+                <a14:hiddenLine xmlns:a14="http://schemas.microsoft.com/office/drawing/2010/main" w="9525">
+                  <a:solidFill>
+                    <a:schemeClr val="tx1"/>
+                  </a:solidFill>
+                  <a:miter lim="800000"/>
+                  <a:headEnd/>
+                  <a:tailEnd/>
+                </a14:hiddenLine>
+              </a:ext>
+            </a:extLst>
+          </p:spPr>
+        </p:pic>
+        <p:sp>
+          <p:nvSpPr>
+            <p:cNvPr id="27" name="Rectangle 26"/>
+            <p:cNvSpPr/>
+            <p:nvPr/>
+          </p:nvSpPr>
+          <p:spPr>
+            <a:xfrm>
+              <a:off x="3822239" y="4033354"/>
+              <a:ext cx="1511761" cy="338554"/>
+            </a:xfrm>
+            <a:prstGeom prst="rect">
+              <a:avLst/>
+            </a:prstGeom>
+          </p:spPr>
+          <p:txBody>
+            <a:bodyPr wrap="none">
+              <a:spAutoFit/>
+            </a:bodyPr>
+            <a:lstStyle/>
+            <a:p>
+              <a:r>
+                <a:rPr lang="en-US" dirty="0" smtClean="0">
+                  <a:solidFill>
+                    <a:schemeClr val="tx1">
+                      <a:lumMod val="75000"/>
+                      <a:lumOff val="25000"/>
+                    </a:schemeClr>
+                  </a:solidFill>
+                </a:rPr>
+                <a:t>Perforce P4D</a:t>
+              </a:r>
+              <a:endParaRPr lang="en-US" dirty="0">
+                <a:solidFill>
+                  <a:schemeClr val="tx1">
+                    <a:lumMod val="75000"/>
+                    <a:lumOff val="25000"/>
+                  </a:schemeClr>
+                </a:solidFill>
+                <a:effectLst/>
+              </a:endParaRPr>
+            </a:p>
+          </p:txBody>
+        </p:sp>
+      </p:grpSp>
+      <p:sp>
+        <p:nvSpPr>
+          <p:cNvPr id="2" name="Title 1"/>
+          <p:cNvSpPr>
+            <a:spLocks noGrp="1"/>
+          </p:cNvSpPr>
+          <p:nvPr>
+            <p:ph type="title"/>
+          </p:nvPr>
+        </p:nvSpPr>
+        <p:spPr/>
+        <p:txBody>
+          <a:bodyPr/>
+          <a:lstStyle/>
+          <a:p>
+            <a:r>
+              <a:rPr lang="en-US" dirty="0" smtClean="0"/>
+              <a:t/>
+            </a:r>
+            <a:br>
+              <a:rPr lang="en-US" dirty="0" smtClean="0"/>
+            </a:br>
+            <a:r>
+              <a:rPr lang="en-US" dirty="0" smtClean="0"/>
+              <a:t>Workshop 5</a:t>
+            </a:r>
+            <a:br>
+              <a:rPr lang="en-US" dirty="0" smtClean="0"/>
+            </a:br>
+            <a:r>
+              <a:rPr lang="en-US" dirty="0" smtClean="0"/>
+              <a:t>Data management using Perforce</a:t>
+            </a:r>
+            <a:endParaRPr lang="en-US" dirty="0"/>
+          </a:p>
+        </p:txBody>
+      </p:sp>
+      <p:grpSp>
+        <p:nvGrpSpPr>
+          <p:cNvPr id="12" name="Group 11"/>
+          <p:cNvGrpSpPr/>
+          <p:nvPr/>
+        </p:nvGrpSpPr>
+        <p:grpSpPr>
+          <a:xfrm>
+            <a:off x="6759049" y="3162333"/>
+            <a:ext cx="1763240" cy="1333467"/>
+            <a:chOff x="3718955" y="4896438"/>
+            <a:chExt cx="1763240" cy="1333467"/>
+          </a:xfrm>
+        </p:grpSpPr>
+        <p:pic>
+          <p:nvPicPr>
+            <p:cNvPr id="2054" name="Picture 6"/>
+            <p:cNvPicPr>
+              <a:picLocks noChangeAspect="1" noChangeArrowheads="1"/>
+            </p:cNvPicPr>
+            <p:nvPr/>
+          </p:nvPicPr>
+          <p:blipFill>
+            <a:blip r:embed="rId4">
+              <a:extLst>
+                <a:ext uri="{28A0092B-C50C-407E-A947-70E740481C1C}">
+                  <a14:useLocalDpi xmlns:a14="http://schemas.microsoft.com/office/drawing/2010/main" val="0"/>
+                </a:ext>
+              </a:extLst>
+            </a:blip>
+            <a:srcRect/>
+            <a:stretch>
+              <a:fillRect/>
+            </a:stretch>
+          </p:blipFill>
+          <p:spPr bwMode="auto">
+            <a:xfrm>
+              <a:off x="4114800" y="4896438"/>
+              <a:ext cx="971550" cy="914400"/>
+            </a:xfrm>
+            <a:prstGeom prst="rect">
+              <a:avLst/>
+            </a:prstGeom>
+            <a:noFill/>
+            <a:ln>
+              <a:noFill/>
+            </a:ln>
+            <a:extLst>
+              <a:ext uri="{909E8E84-426E-40DD-AFC4-6F175D3DCCD1}">
+                <a14:hiddenFill xmlns:a14="http://schemas.microsoft.com/office/drawing/2010/main">
+                  <a:solidFill>
+                    <a:schemeClr val="accent1"/>
+                  </a:solidFill>
+                </a14:hiddenFill>
+              </a:ext>
+              <a:ext uri="{91240B29-F687-4F45-9708-019B960494DF}">
+                <a14:hiddenLine xmlns:a14="http://schemas.microsoft.com/office/drawing/2010/main" w="9525">
+                  <a:solidFill>
+                    <a:schemeClr val="tx1"/>
+                  </a:solidFill>
+                  <a:miter lim="800000"/>
+                  <a:headEnd/>
+                  <a:tailEnd/>
+                </a14:hiddenLine>
+              </a:ext>
+            </a:extLst>
+          </p:spPr>
+        </p:pic>
+        <p:sp>
+          <p:nvSpPr>
+            <p:cNvPr id="7" name="Rectangle 6"/>
+            <p:cNvSpPr/>
+            <p:nvPr/>
+          </p:nvSpPr>
+          <p:spPr>
+            <a:xfrm>
+              <a:off x="3718955" y="5891351"/>
+              <a:ext cx="1763240" cy="338554"/>
+            </a:xfrm>
+            <a:prstGeom prst="rect">
+              <a:avLst/>
+            </a:prstGeom>
+          </p:spPr>
+          <p:txBody>
+            <a:bodyPr wrap="none">
+              <a:spAutoFit/>
+            </a:bodyPr>
+            <a:lstStyle/>
+            <a:p>
+              <a:r>
+                <a:rPr lang="en-US" dirty="0" smtClean="0">
+                  <a:solidFill>
+                    <a:schemeClr val="tx1">
+                      <a:lumMod val="75000"/>
+                      <a:lumOff val="25000"/>
+                    </a:schemeClr>
+                  </a:solidFill>
+                </a:rPr>
+                <a:t>Version </a:t>
+              </a:r>
+              <a:r>
+                <a:rPr lang="en-US" dirty="0">
+                  <a:solidFill>
+                    <a:schemeClr val="tx1">
+                      <a:lumMod val="75000"/>
+                      <a:lumOff val="25000"/>
+                    </a:schemeClr>
+                  </a:solidFill>
+                </a:rPr>
+                <a:t>Control</a:t>
+              </a:r>
+              <a:endParaRPr lang="en-US" dirty="0">
+                <a:solidFill>
+                  <a:schemeClr val="tx1">
+                    <a:lumMod val="75000"/>
+                    <a:lumOff val="25000"/>
+                  </a:schemeClr>
+                </a:solidFill>
+                <a:effectLst/>
+              </a:endParaRPr>
+            </a:p>
+          </p:txBody>
+        </p:sp>
+      </p:grpSp>
+      <p:grpSp>
+        <p:nvGrpSpPr>
+          <p:cNvPr id="13" name="Group 12"/>
+          <p:cNvGrpSpPr/>
+          <p:nvPr/>
+        </p:nvGrpSpPr>
+        <p:grpSpPr>
+          <a:xfrm>
+            <a:off x="3958865" y="1507827"/>
+            <a:ext cx="1218603" cy="1159737"/>
+            <a:chOff x="6939560" y="3095624"/>
+            <a:chExt cx="1218603" cy="1159737"/>
+          </a:xfrm>
+          <a:noFill/>
+          <a:effectLst>
+            <a:outerShdw blurRad="50800" dist="50800" dir="5400000" sx="1000" sy="1000" algn="ctr" rotWithShape="0">
+              <a:srgbClr val="000000">
+                <a:alpha val="90000"/>
+              </a:srgbClr>
+            </a:outerShdw>
+            <a:reflection endPos="0" dist="50800" dir="5400000" sy="-100000" algn="bl" rotWithShape="0"/>
+          </a:effectLst>
+        </p:grpSpPr>
+        <p:pic>
+          <p:nvPicPr>
+            <p:cNvPr id="2060" name="Picture 12" descr="http://www.perforce.com/sites/all/themes/perforce/images/why-perforce-hybrid.png"/>
+            <p:cNvPicPr>
+              <a:picLocks noChangeAspect="1" noChangeArrowheads="1"/>
+            </p:cNvPicPr>
+            <p:nvPr/>
+          </p:nvPicPr>
+          <p:blipFill>
+            <a:blip r:embed="rId5">
+              <a:extLst>
+                <a:ext uri="{28A0092B-C50C-407E-A947-70E740481C1C}">
+                  <a14:useLocalDpi xmlns:a14="http://schemas.microsoft.com/office/drawing/2010/main" val="0"/>
+                </a:ext>
+              </a:extLst>
+            </a:blip>
+            <a:srcRect/>
+            <a:stretch>
+              <a:fillRect/>
+            </a:stretch>
+          </p:blipFill>
+          <p:spPr bwMode="auto">
+            <a:xfrm>
+              <a:off x="7010400" y="3095624"/>
+              <a:ext cx="1000125" cy="771525"/>
+            </a:xfrm>
+            <a:prstGeom prst="rect">
+              <a:avLst/>
+            </a:prstGeom>
+            <a:grpFill/>
+            <a:extLst/>
+          </p:spPr>
+        </p:pic>
+        <p:sp>
+          <p:nvSpPr>
+            <p:cNvPr id="21" name="Rectangle 20"/>
+            <p:cNvSpPr/>
+            <p:nvPr/>
+          </p:nvSpPr>
+          <p:spPr>
+            <a:xfrm>
+              <a:off x="6939560" y="3916807"/>
+              <a:ext cx="1218603" cy="338554"/>
+            </a:xfrm>
+            <a:prstGeom prst="rect">
+              <a:avLst/>
+            </a:prstGeom>
+            <a:grpFill/>
+          </p:spPr>
+          <p:txBody>
+            <a:bodyPr wrap="none">
+              <a:spAutoFit/>
+            </a:bodyPr>
+            <a:lstStyle/>
+            <a:p>
+              <a:r>
+                <a:rPr lang="en-US" dirty="0" err="1" smtClean="0">
+                  <a:solidFill>
+                    <a:schemeClr val="tx1">
+                      <a:lumMod val="75000"/>
+                      <a:lumOff val="25000"/>
+                    </a:schemeClr>
+                  </a:solidFill>
+                </a:rPr>
+                <a:t>Git</a:t>
+              </a:r>
+              <a:r>
+                <a:rPr lang="en-US" dirty="0" smtClean="0">
+                  <a:solidFill>
+                    <a:schemeClr val="tx1">
+                      <a:lumMod val="75000"/>
+                      <a:lumOff val="25000"/>
+                    </a:schemeClr>
+                  </a:solidFill>
+                </a:rPr>
+                <a:t> Fusion</a:t>
+              </a:r>
+              <a:endParaRPr lang="en-US" dirty="0">
+                <a:solidFill>
+                  <a:schemeClr val="tx1">
+                    <a:lumMod val="75000"/>
+                    <a:lumOff val="25000"/>
+                  </a:schemeClr>
+                </a:solidFill>
+                <a:effectLst/>
+              </a:endParaRPr>
+            </a:p>
+          </p:txBody>
+        </p:sp>
+      </p:grpSp>
+      <p:grpSp>
+        <p:nvGrpSpPr>
+          <p:cNvPr id="10" name="Group 9"/>
+          <p:cNvGrpSpPr/>
+          <p:nvPr/>
+        </p:nvGrpSpPr>
+        <p:grpSpPr>
+          <a:xfrm>
+            <a:off x="434675" y="3378574"/>
+            <a:ext cx="1817164" cy="1452979"/>
+            <a:chOff x="3663418" y="1143000"/>
+            <a:chExt cx="1817164" cy="1452979"/>
+          </a:xfrm>
+          <a:noFill/>
+          <a:effectLst>
+            <a:outerShdw blurRad="50800" dist="50800" dir="5400000" sx="1000" sy="1000" algn="ctr" rotWithShape="0">
+              <a:srgbClr val="000000">
+                <a:alpha val="90000"/>
+              </a:srgbClr>
+            </a:outerShdw>
+            <a:reflection endPos="0" dist="50800" dir="5400000" sy="-100000" algn="bl" rotWithShape="0"/>
+          </a:effectLst>
+        </p:grpSpPr>
+        <p:pic>
+          <p:nvPicPr>
+            <p:cNvPr id="2056" name="Picture 8"/>
+            <p:cNvPicPr>
+              <a:picLocks noChangeAspect="1" noChangeArrowheads="1"/>
+            </p:cNvPicPr>
+            <p:nvPr/>
+          </p:nvPicPr>
+          <p:blipFill>
+            <a:blip r:embed="rId6">
+              <a:extLst>
+                <a:ext uri="{28A0092B-C50C-407E-A947-70E740481C1C}">
+                  <a14:useLocalDpi xmlns:a14="http://schemas.microsoft.com/office/drawing/2010/main" val="0"/>
+                </a:ext>
+              </a:extLst>
+            </a:blip>
+            <a:srcRect/>
+            <a:stretch>
+              <a:fillRect/>
+            </a:stretch>
+          </p:blipFill>
+          <p:spPr bwMode="auto">
+            <a:xfrm>
+              <a:off x="4171950" y="1143000"/>
+              <a:ext cx="857250" cy="1114425"/>
+            </a:xfrm>
+            <a:prstGeom prst="rect">
+              <a:avLst/>
+            </a:prstGeom>
+            <a:grpFill/>
+            <a:ln>
+              <a:noFill/>
+            </a:ln>
+            <a:extLst>
+              <a:ext uri="{91240B29-F687-4F45-9708-019B960494DF}">
+                <a14:hiddenLine xmlns:a14="http://schemas.microsoft.com/office/drawing/2010/main" w="9525">
+                  <a:solidFill>
+                    <a:schemeClr val="tx1"/>
+                  </a:solidFill>
+                  <a:miter lim="800000"/>
+                  <a:headEnd/>
+                  <a:tailEnd/>
+                </a14:hiddenLine>
+              </a:ext>
+            </a:extLst>
+          </p:spPr>
+        </p:pic>
+        <p:sp>
+          <p:nvSpPr>
+            <p:cNvPr id="22" name="Rectangle 21"/>
+            <p:cNvSpPr/>
+            <p:nvPr/>
+          </p:nvSpPr>
+          <p:spPr>
+            <a:xfrm>
+              <a:off x="3663418" y="2257425"/>
+              <a:ext cx="1817164" cy="338554"/>
+            </a:xfrm>
+            <a:prstGeom prst="rect">
+              <a:avLst/>
+            </a:prstGeom>
+            <a:grpFill/>
+          </p:spPr>
+          <p:txBody>
+            <a:bodyPr wrap="none">
+              <a:spAutoFit/>
+            </a:bodyPr>
+            <a:lstStyle/>
+            <a:p>
+              <a:r>
+                <a:rPr lang="en-US" dirty="0" smtClean="0">
+                  <a:solidFill>
+                    <a:schemeClr val="tx1">
+                      <a:lumMod val="75000"/>
+                      <a:lumOff val="25000"/>
+                    </a:schemeClr>
+                  </a:solidFill>
+                </a:rPr>
+                <a:t>Perforce Swarm</a:t>
+              </a:r>
+              <a:endParaRPr lang="en-US" dirty="0">
+                <a:solidFill>
+                  <a:schemeClr val="tx1">
+                    <a:lumMod val="75000"/>
+                    <a:lumOff val="25000"/>
+                  </a:schemeClr>
+                </a:solidFill>
+                <a:effectLst/>
+              </a:endParaRPr>
+            </a:p>
+          </p:txBody>
+        </p:sp>
+      </p:grpSp>
+      <p:sp>
+        <p:nvSpPr>
+          <p:cNvPr id="23" name="Flowchart: Magnetic Disk 22"/>
+          <p:cNvSpPr/>
+          <p:nvPr/>
+        </p:nvSpPr>
+        <p:spPr bwMode="auto">
+          <a:xfrm>
+            <a:off x="3352800" y="3352800"/>
+            <a:ext cx="2405620" cy="2590800"/>
+          </a:xfrm>
+          <a:prstGeom prst="flowChartMagneticDisk">
+            <a:avLst/>
+          </a:prstGeom>
+          <a:solidFill>
+            <a:schemeClr val="accent1">
+              <a:alpha val="4000"/>
+            </a:schemeClr>
+          </a:solidFill>
+          <a:ln w="9525" cap="flat" cmpd="sng" algn="ctr">
+            <a:solidFill>
+              <a:schemeClr val="tx1"/>
+            </a:solidFill>
+            <a:prstDash val="solid"/>
+            <a:round/>
+            <a:headEnd type="none" w="med" len="med"/>
+            <a:tailEnd type="none" w="med" len="med"/>
+          </a:ln>
+          <a:effectLst/>
+          <a:extLst/>
+        </p:spPr>
+        <p:txBody>
+          <a:bodyPr vert="horz" wrap="square" lIns="0" tIns="0" rIns="0" bIns="0" numCol="1" rtlCol="0" anchor="t" anchorCtr="0" compatLnSpc="1">
+            <a:prstTxWarp prst="textNoShape">
+              <a:avLst/>
+            </a:prstTxWarp>
+          </a:bodyPr>
+          <a:lstStyle/>
+          <a:p>
+            <a:pPr marL="0" marR="0" indent="0" algn="l" defTabSz="914400" rtl="0" eaLnBrk="1" fontAlgn="base" latinLnBrk="0" hangingPunct="1">
+              <a:lnSpc>
+                <a:spcPct val="100000"/>
+              </a:lnSpc>
+              <a:spcBef>
+                <a:spcPct val="50000"/>
+              </a:spcBef>
+              <a:spcAft>
+                <a:spcPct val="0"/>
+              </a:spcAft>
+              <a:buClrTx/>
+              <a:buSzTx/>
+              <a:buFontTx/>
+              <a:buNone/>
+              <a:tabLst/>
+            </a:pPr>
+            <a:endParaRPr kumimoji="0" lang="en-US" sz="1600" b="0" i="0" u="none" strike="noStrike" cap="none" normalizeH="0" baseline="0" smtClean="0">
+              <a:ln>
+                <a:noFill/>
+              </a:ln>
+              <a:solidFill>
+                <a:schemeClr val="tx1"/>
+              </a:solidFill>
+              <a:effectLst/>
+              <a:latin typeface="Verdana" pitchFamily="34" charset="0"/>
+              <a:ea typeface="ＭＳ Ｐゴシック" pitchFamily="-80" charset="-128"/>
+            </a:endParaRPr>
+          </a:p>
+        </p:txBody>
+      </p:sp>
+      <p:sp>
+        <p:nvSpPr>
+          <p:cNvPr id="16" name="Rectangle 15"/>
+          <p:cNvSpPr/>
+          <p:nvPr/>
+        </p:nvSpPr>
+        <p:spPr>
+          <a:xfrm>
+            <a:off x="3396377" y="6003627"/>
+            <a:ext cx="2285819" cy="338554"/>
+          </a:xfrm>
+          <a:prstGeom prst="rect">
+            <a:avLst/>
+          </a:prstGeom>
+        </p:spPr>
+        <p:txBody>
+          <a:bodyPr wrap="none">
+            <a:spAutoFit/>
+          </a:bodyPr>
+          <a:lstStyle/>
+          <a:p>
+            <a:r>
+              <a:rPr lang="en-US" dirty="0">
+                <a:solidFill>
+                  <a:schemeClr val="tx1">
+                    <a:lumMod val="75000"/>
+                    <a:lumOff val="25000"/>
+                  </a:schemeClr>
+                </a:solidFill>
+              </a:rPr>
+              <a:t>ZFS storage </a:t>
+            </a:r>
+            <a:r>
+              <a:rPr lang="en-US" dirty="0" smtClean="0">
+                <a:solidFill>
+                  <a:schemeClr val="tx1">
+                    <a:lumMod val="75000"/>
+                    <a:lumOff val="25000"/>
+                  </a:schemeClr>
+                </a:solidFill>
+              </a:rPr>
+              <a:t>(72 TB)</a:t>
+            </a:r>
+            <a:endParaRPr lang="en-US" dirty="0">
+              <a:solidFill>
+                <a:schemeClr val="tx1">
+                  <a:lumMod val="75000"/>
+                  <a:lumOff val="25000"/>
+                </a:schemeClr>
+              </a:solidFill>
+              <a:effectLst/>
+            </a:endParaRPr>
+          </a:p>
+        </p:txBody>
+      </p:sp>
+      <p:sp>
+        <p:nvSpPr>
+          <p:cNvPr id="3" name="AutoShape 2" descr="Redgate logo"/>
+          <p:cNvSpPr>
+            <a:spLocks noChangeAspect="1" noChangeArrowheads="1"/>
+          </p:cNvSpPr>
+          <p:nvPr/>
+        </p:nvSpPr>
+        <p:spPr bwMode="auto">
+          <a:xfrm>
+            <a:off x="155575" y="-144463"/>
+            <a:ext cx="304800" cy="304801"/>
+          </a:xfrm>
+          <a:prstGeom prst="rect">
+            <a:avLst/>
+          </a:prstGeom>
+          <a:noFill/>
+          <a:extLst>
+            <a:ext uri="{909E8E84-426E-40DD-AFC4-6F175D3DCCD1}">
+              <a14:hiddenFill xmlns:a14="http://schemas.microsoft.com/office/drawing/2010/main">
+                <a:solidFill>
+                  <a:srgbClr val="FFFFFF"/>
+                </a:solidFill>
+              </a14:hiddenFill>
+            </a:ext>
+          </a:extLst>
+        </p:spPr>
+        <p:txBody>
+          <a:bodyPr vert="horz" wrap="square" lIns="91440" tIns="45720" rIns="91440" bIns="45720" numCol="1" anchor="t" anchorCtr="0" compatLnSpc="1">
+            <a:prstTxWarp prst="textNoShape">
+              <a:avLst/>
+            </a:prstTxWarp>
+          </a:bodyPr>
+          <a:lstStyle/>
+          <a:p>
+            <a:endParaRPr lang="en-US"/>
+          </a:p>
+        </p:txBody>
+      </p:sp>
+      <p:sp>
+        <p:nvSpPr>
+          <p:cNvPr id="4" name="AutoShape 4" descr="Redgate logo"/>
+          <p:cNvSpPr>
+            <a:spLocks noChangeAspect="1" noChangeArrowheads="1"/>
+          </p:cNvSpPr>
+          <p:nvPr/>
+        </p:nvSpPr>
+        <p:spPr bwMode="auto">
+          <a:xfrm>
+            <a:off x="307975" y="7937"/>
+            <a:ext cx="304800" cy="304801"/>
+          </a:xfrm>
+          <a:prstGeom prst="rect">
+            <a:avLst/>
+          </a:prstGeom>
+          <a:noFill/>
+          <a:extLst>
+            <a:ext uri="{909E8E84-426E-40DD-AFC4-6F175D3DCCD1}">
+              <a14:hiddenFill xmlns:a14="http://schemas.microsoft.com/office/drawing/2010/main">
+                <a:solidFill>
+                  <a:srgbClr val="FFFFFF"/>
+                </a:solidFill>
+              </a14:hiddenFill>
+            </a:ext>
+          </a:extLst>
+        </p:spPr>
+        <p:txBody>
+          <a:bodyPr vert="horz" wrap="square" lIns="91440" tIns="45720" rIns="91440" bIns="45720" numCol="1" anchor="t" anchorCtr="0" compatLnSpc="1">
+            <a:prstTxWarp prst="textNoShape">
+              <a:avLst/>
+            </a:prstTxWarp>
+          </a:bodyPr>
+          <a:lstStyle/>
+          <a:p>
+            <a:endParaRPr lang="en-US"/>
+          </a:p>
+        </p:txBody>
+      </p:sp>
+      <p:sp>
+        <p:nvSpPr>
+          <p:cNvPr id="5" name="AutoShape 6" descr="Redgate logo">
+            <a:hlinkClick r:id="rId7" tooltip="Go to home page"/>
+          </p:cNvPr>
+          <p:cNvSpPr>
+            <a:spLocks noChangeAspect="1" noChangeArrowheads="1"/>
+          </p:cNvSpPr>
+          <p:nvPr/>
+        </p:nvSpPr>
+        <p:spPr bwMode="auto">
+          <a:xfrm>
+            <a:off x="127000" y="-144463"/>
+            <a:ext cx="304800" cy="304801"/>
+          </a:xfrm>
+          <a:prstGeom prst="rect">
+            <a:avLst/>
+          </a:prstGeom>
+          <a:noFill/>
+          <a:extLst>
+            <a:ext uri="{909E8E84-426E-40DD-AFC4-6F175D3DCCD1}">
+              <a14:hiddenFill xmlns:a14="http://schemas.microsoft.com/office/drawing/2010/main">
+                <a:solidFill>
+                  <a:srgbClr val="FFFFFF"/>
+                </a:solidFill>
+              </a14:hiddenFill>
+            </a:ext>
+          </a:extLst>
+        </p:spPr>
+        <p:txBody>
+          <a:bodyPr vert="horz" wrap="square" lIns="91440" tIns="45720" rIns="91440" bIns="45720" numCol="1" anchor="t" anchorCtr="0" compatLnSpc="1">
+            <a:prstTxWarp prst="textNoShape">
+              <a:avLst/>
+            </a:prstTxWarp>
+          </a:bodyPr>
+          <a:lstStyle/>
+          <a:p>
+            <a:endParaRPr lang="en-US"/>
+          </a:p>
+        </p:txBody>
+      </p:sp>
+    </p:spTree>
+    <p:extLst>
+      <p:ext uri="{BB962C8B-B14F-4D97-AF65-F5344CB8AC3E}">
+        <p14:creationId xmlns:p14="http://schemas.microsoft.com/office/powerpoint/2010/main" val="4038916671"/>
+      </p:ext>
+    </p:extLst>
+  </p:cSld>
+  <p:clrMapOvr>
+    <a:masterClrMapping/>
+  </p:clrMapOvr>
+  <mc:AlternateContent xmlns:mc="http://schemas.openxmlformats.org/markup-compatibility/2006" xmlns:p14="http://schemas.microsoft.com/office/powerpoint/2010/main">
+    <mc:Choice Requires="p14">
+      <p:transition spd="med" p14:dur="700">
+        <p:fade/>
+      </p:transition>
+    </mc:Choice>
+    <mc:Fallback xmlns="">
+      <p:transition spd="med">
+        <p:fade/>
+      </p:transition>
+    </mc:Fallback>
+  </mc:AlternateContent>
+  <p:timing>
+    <p:tnLst>
+      <p:par>
+        <p:cTn id="1" dur="indefinite" restart="never" nodeType="tmRoot"/>
+      </p:par>
+    </p:tnLst>
+  </p:timing>
+</p:sld>
+</file>
+
+<file path=ppt/slides/slide11.xml><?xml version="1.0" encoding="utf-8"?>
 <p:sld xmlns:a="http://schemas.openxmlformats.org/drawingml/2006/main" xmlns:r="http://schemas.openxmlformats.org/officeDocument/2006/relationships" xmlns:p="http://schemas.openxmlformats.org/presentationml/2006/main">
   <p:cSld>
     <p:spTree>
@@ -7499,7 +9105,7 @@
       </p:grpSpPr>
       <p:sp>
         <p:nvSpPr>
-          <p:cNvPr id="2" name="Title 1"/>
+          <p:cNvPr id="2" name="Titel 1"/>
           <p:cNvSpPr>
             <a:spLocks noGrp="1"/>
           </p:cNvSpPr>
@@ -7512,20 +9118,20 @@
           <a:bodyPr/>
           <a:lstStyle/>
           <a:p>
-            <a:r>
-              <a:rPr lang="en-US" b="0" dirty="0"/>
-              <a:t>Getting Started - Installing </a:t>
-            </a:r>
-            <a:r>
-              <a:rPr lang="en-US" b="0" dirty="0" err="1"/>
-              <a:t>Git</a:t>
-            </a:r>
-            <a:r>
-              <a:rPr lang="en-US" b="0" dirty="0"/>
+            <a:pPr algn="ctr"/>
+            <a:r>
+              <a:rPr lang="en-US" dirty="0" smtClean="0"/>
+              <a:t>Material covered</a:t>
+            </a:r>
+            <a:br>
+              <a:rPr lang="en-US" dirty="0" smtClean="0"/>
+            </a:br>
+            <a:r>
+              <a:rPr lang="en-US" dirty="0"/>
               <a:t/>
             </a:r>
             <a:br>
-              <a:rPr lang="en-US" b="0" dirty="0"/>
+              <a:rPr lang="en-US" dirty="0"/>
             </a:br>
             <a:endParaRPr lang="en-US" dirty="0"/>
           </a:p>
@@ -7533,7 +9139,1135 @@
       </p:sp>
       <p:sp>
         <p:nvSpPr>
-          <p:cNvPr id="3" name="Content Placeholder 2"/>
+          <p:cNvPr id="3" name="Pladsholder til indhold 2"/>
+          <p:cNvSpPr>
+            <a:spLocks noGrp="1"/>
+          </p:cNvSpPr>
+          <p:nvPr>
+            <p:ph idx="1"/>
+          </p:nvPr>
+        </p:nvSpPr>
+        <p:spPr>
+          <a:xfrm>
+            <a:off x="609600" y="1143000"/>
+            <a:ext cx="7772400" cy="4343400"/>
+          </a:xfrm>
+        </p:spPr>
+        <p:txBody>
+          <a:bodyPr>
+            <a:normAutofit fontScale="55000" lnSpcReduction="20000"/>
+          </a:bodyPr>
+          <a:lstStyle/>
+          <a:p>
+            <a:r>
+              <a:rPr lang="en-US" sz="3600" dirty="0" smtClean="0"/>
+              <a:t>Chapter 1 – Getting </a:t>
+            </a:r>
+            <a:r>
+              <a:rPr lang="en-US" sz="3600" dirty="0" smtClean="0"/>
+              <a:t>Started</a:t>
+            </a:r>
+          </a:p>
+          <a:p>
+            <a:endParaRPr lang="en-US" sz="3600" dirty="0" smtClean="0"/>
+          </a:p>
+          <a:p>
+            <a:r>
+              <a:rPr lang="en-US" sz="3600" dirty="0" smtClean="0"/>
+              <a:t>Chapter 2 – </a:t>
+            </a:r>
+            <a:r>
+              <a:rPr lang="en-US" sz="3600" dirty="0" err="1" smtClean="0"/>
+              <a:t>Git</a:t>
+            </a:r>
+            <a:r>
+              <a:rPr lang="en-US" sz="3600" dirty="0" smtClean="0"/>
+              <a:t> </a:t>
+            </a:r>
+            <a:r>
+              <a:rPr lang="en-US" sz="3600" dirty="0" smtClean="0"/>
+              <a:t>Basics</a:t>
+            </a:r>
+          </a:p>
+          <a:p>
+            <a:endParaRPr lang="en-US" sz="3600" dirty="0" smtClean="0"/>
+          </a:p>
+          <a:p>
+            <a:r>
+              <a:rPr lang="en-US" sz="3600" dirty="0" smtClean="0"/>
+              <a:t>Chapter 3 – </a:t>
+            </a:r>
+            <a:r>
+              <a:rPr lang="en-US" sz="3600" dirty="0" err="1" smtClean="0"/>
+              <a:t>Git</a:t>
+            </a:r>
+            <a:r>
+              <a:rPr lang="en-US" sz="3600" dirty="0" smtClean="0"/>
+              <a:t> </a:t>
+            </a:r>
+            <a:r>
+              <a:rPr lang="en-US" sz="3600" dirty="0" smtClean="0"/>
+              <a:t>Branching</a:t>
+            </a:r>
+          </a:p>
+          <a:p>
+            <a:endParaRPr lang="en-US" sz="3600" dirty="0" smtClean="0"/>
+          </a:p>
+          <a:p>
+            <a:r>
+              <a:rPr lang="en-US" sz="3600" dirty="0" smtClean="0"/>
+              <a:t>Chapter 4.1 - </a:t>
+            </a:r>
+            <a:r>
+              <a:rPr lang="en-US" sz="3600" dirty="0" err="1" smtClean="0"/>
+              <a:t>Git</a:t>
+            </a:r>
+            <a:r>
+              <a:rPr lang="en-US" sz="3600" dirty="0" smtClean="0"/>
+              <a:t> on the server – the </a:t>
+            </a:r>
+            <a:r>
+              <a:rPr lang="en-US" sz="3600" dirty="0" smtClean="0"/>
+              <a:t>protocols</a:t>
+            </a:r>
+          </a:p>
+          <a:p>
+            <a:endParaRPr lang="en-US" sz="3600" dirty="0" smtClean="0"/>
+          </a:p>
+          <a:p>
+            <a:r>
+              <a:rPr lang="en-US" sz="3600" dirty="0" smtClean="0"/>
+              <a:t>Chapter 4.3 - Generating Your SSH Public </a:t>
+            </a:r>
+            <a:r>
+              <a:rPr lang="en-US" sz="3600" dirty="0" smtClean="0"/>
+              <a:t>Key</a:t>
+            </a:r>
+          </a:p>
+          <a:p>
+            <a:endParaRPr lang="en-US" sz="3600" dirty="0" smtClean="0"/>
+          </a:p>
+          <a:p>
+            <a:r>
+              <a:rPr lang="en-US" sz="3600" dirty="0" smtClean="0"/>
+              <a:t>Chapter 7.11 – </a:t>
+            </a:r>
+            <a:r>
+              <a:rPr lang="en-US" sz="3600" dirty="0" smtClean="0"/>
+              <a:t>Submodules</a:t>
+            </a:r>
+          </a:p>
+          <a:p>
+            <a:endParaRPr lang="en-US" sz="3600" dirty="0"/>
+          </a:p>
+          <a:p>
+            <a:r>
+              <a:rPr lang="en-US" sz="3600" dirty="0" smtClean="0"/>
+              <a:t>The book is 574 pages long, we will cover roughly 100 pages</a:t>
+            </a:r>
+          </a:p>
+          <a:p>
+            <a:endParaRPr lang="en-US" sz="3600" dirty="0" smtClean="0"/>
+          </a:p>
+          <a:p>
+            <a:endParaRPr lang="en-US" sz="3600" dirty="0"/>
+          </a:p>
+        </p:txBody>
+      </p:sp>
+      <p:pic>
+        <p:nvPicPr>
+          <p:cNvPr id="4" name="Picture 2" descr="X:\Documents\Presentations\Big Data figs\gitbook\progit2\book\cover.png"/>
+          <p:cNvPicPr>
+            <a:picLocks noChangeAspect="1" noChangeArrowheads="1"/>
+          </p:cNvPicPr>
+          <p:nvPr/>
+        </p:nvPicPr>
+        <p:blipFill>
+          <a:blip r:embed="rId2" cstate="print">
+            <a:extLst>
+              <a:ext uri="{28A0092B-C50C-407E-A947-70E740481C1C}">
+                <a14:useLocalDpi xmlns:a14="http://schemas.microsoft.com/office/drawing/2010/main" val="0"/>
+              </a:ext>
+            </a:extLst>
+          </a:blip>
+          <a:srcRect/>
+          <a:stretch>
+            <a:fillRect/>
+          </a:stretch>
+        </p:blipFill>
+        <p:spPr bwMode="auto">
+          <a:xfrm>
+            <a:off x="6248400" y="609600"/>
+            <a:ext cx="1752600" cy="2313307"/>
+          </a:xfrm>
+          <a:prstGeom prst="rect">
+            <a:avLst/>
+          </a:prstGeom>
+          <a:noFill/>
+          <a:extLst>
+            <a:ext uri="{909E8E84-426E-40DD-AFC4-6F175D3DCCD1}">
+              <a14:hiddenFill xmlns:a14="http://schemas.microsoft.com/office/drawing/2010/main">
+                <a:solidFill>
+                  <a:srgbClr val="FFFFFF"/>
+                </a:solidFill>
+              </a14:hiddenFill>
+            </a:ext>
+          </a:extLst>
+        </p:spPr>
+      </p:pic>
+      <p:sp>
+        <p:nvSpPr>
+          <p:cNvPr id="5" name="TextBox 5"/>
+          <p:cNvSpPr txBox="1"/>
+          <p:nvPr/>
+        </p:nvSpPr>
+        <p:spPr>
+          <a:xfrm>
+            <a:off x="607382" y="5793808"/>
+            <a:ext cx="7774618" cy="307777"/>
+          </a:xfrm>
+          <a:prstGeom prst="rect">
+            <a:avLst/>
+          </a:prstGeom>
+          <a:solidFill>
+            <a:schemeClr val="accent1"/>
+          </a:solidFill>
+        </p:spPr>
+        <p:txBody>
+          <a:bodyPr wrap="square" rtlCol="0">
+            <a:spAutoFit/>
+          </a:bodyPr>
+          <a:lstStyle/>
+          <a:p>
+            <a:r>
+              <a:rPr lang="en-US" sz="1400" dirty="0"/>
+              <a:t>https://git-scm.com/book/en/v2</a:t>
+            </a:r>
+            <a:endParaRPr lang="en-US" sz="1400" dirty="0"/>
+          </a:p>
+        </p:txBody>
+      </p:sp>
+    </p:spTree>
+    <p:extLst>
+      <p:ext uri="{BB962C8B-B14F-4D97-AF65-F5344CB8AC3E}">
+        <p14:creationId xmlns:p14="http://schemas.microsoft.com/office/powerpoint/2010/main" val="3010808176"/>
+      </p:ext>
+    </p:extLst>
+  </p:cSld>
+  <p:clrMapOvr>
+    <a:masterClrMapping/>
+  </p:clrMapOvr>
+  <p:timing>
+    <p:tnLst>
+      <p:par>
+        <p:cTn id="1" dur="indefinite" restart="never" nodeType="tmRoot"/>
+      </p:par>
+    </p:tnLst>
+  </p:timing>
+</p:sld>
+</file>
+
+<file path=ppt/slides/slide12.xml><?xml version="1.0" encoding="utf-8"?>
+<p:sld xmlns:a="http://schemas.openxmlformats.org/drawingml/2006/main" xmlns:r="http://schemas.openxmlformats.org/officeDocument/2006/relationships" xmlns:p="http://schemas.openxmlformats.org/presentationml/2006/main">
+  <p:cSld>
+    <p:spTree>
+      <p:nvGrpSpPr>
+        <p:cNvPr id="1" name=""/>
+        <p:cNvGrpSpPr/>
+        <p:nvPr/>
+      </p:nvGrpSpPr>
+      <p:grpSpPr>
+        <a:xfrm>
+          <a:off x="0" y="0"/>
+          <a:ext cx="0" cy="0"/>
+          <a:chOff x="0" y="0"/>
+          <a:chExt cx="0" cy="0"/>
+        </a:xfrm>
+      </p:grpSpPr>
+      <p:sp>
+        <p:nvSpPr>
+          <p:cNvPr id="2" name="Titel 1"/>
+          <p:cNvSpPr>
+            <a:spLocks noGrp="1"/>
+          </p:cNvSpPr>
+          <p:nvPr>
+            <p:ph type="title"/>
+          </p:nvPr>
+        </p:nvSpPr>
+        <p:spPr/>
+        <p:txBody>
+          <a:bodyPr/>
+          <a:lstStyle/>
+          <a:p>
+            <a:pPr algn="ctr"/>
+            <a:r>
+              <a:rPr lang="en-US" dirty="0" smtClean="0"/>
+              <a:t>Installing </a:t>
+            </a:r>
+            <a:r>
+              <a:rPr lang="en-US" dirty="0" err="1" smtClean="0"/>
+              <a:t>git</a:t>
+            </a:r>
+            <a:r>
+              <a:rPr lang="en-US" dirty="0" smtClean="0"/>
+              <a:t/>
+            </a:r>
+            <a:br>
+              <a:rPr lang="en-US" dirty="0" smtClean="0"/>
+            </a:br>
+            <a:r>
+              <a:rPr lang="en-US" dirty="0" smtClean="0"/>
+              <a:t/>
+            </a:r>
+            <a:br>
+              <a:rPr lang="en-US" dirty="0" smtClean="0"/>
+            </a:br>
+            <a:endParaRPr lang="en-US" dirty="0"/>
+          </a:p>
+        </p:txBody>
+      </p:sp>
+      <p:pic>
+        <p:nvPicPr>
+          <p:cNvPr id="6" name="Billede 5"/>
+          <p:cNvPicPr>
+            <a:picLocks noChangeAspect="1"/>
+          </p:cNvPicPr>
+          <p:nvPr/>
+        </p:nvPicPr>
+        <p:blipFill>
+          <a:blip r:embed="rId2"/>
+          <a:stretch>
+            <a:fillRect/>
+          </a:stretch>
+        </p:blipFill>
+        <p:spPr>
+          <a:xfrm>
+            <a:off x="609600" y="990600"/>
+            <a:ext cx="7772400" cy="4724400"/>
+          </a:xfrm>
+          <a:prstGeom prst="rect">
+            <a:avLst/>
+          </a:prstGeom>
+        </p:spPr>
+      </p:pic>
+      <p:sp>
+        <p:nvSpPr>
+          <p:cNvPr id="8" name="TextBox 5"/>
+          <p:cNvSpPr txBox="1"/>
+          <p:nvPr/>
+        </p:nvSpPr>
+        <p:spPr>
+          <a:xfrm>
+            <a:off x="607382" y="5793808"/>
+            <a:ext cx="7774618" cy="307777"/>
+          </a:xfrm>
+          <a:prstGeom prst="rect">
+            <a:avLst/>
+          </a:prstGeom>
+          <a:solidFill>
+            <a:schemeClr val="accent1"/>
+          </a:solidFill>
+        </p:spPr>
+        <p:txBody>
+          <a:bodyPr wrap="square" rtlCol="0">
+            <a:spAutoFit/>
+          </a:bodyPr>
+          <a:lstStyle/>
+          <a:p>
+            <a:r>
+              <a:rPr lang="en-US" sz="1400" dirty="0"/>
+              <a:t>http://git-scm.com/downloads</a:t>
+            </a:r>
+            <a:endParaRPr lang="en-US" sz="1400" dirty="0"/>
+          </a:p>
+        </p:txBody>
+      </p:sp>
+      <p:sp>
+        <p:nvSpPr>
+          <p:cNvPr id="10" name="Double Bracket 3"/>
+          <p:cNvSpPr/>
+          <p:nvPr/>
+        </p:nvSpPr>
+        <p:spPr bwMode="auto">
+          <a:xfrm>
+            <a:off x="2833053" y="4114800"/>
+            <a:ext cx="5472747" cy="1600200"/>
+          </a:xfrm>
+          <a:prstGeom prst="bracketPair">
+            <a:avLst/>
+          </a:prstGeom>
+          <a:solidFill>
+            <a:schemeClr val="accent1">
+              <a:alpha val="90000"/>
+            </a:schemeClr>
+          </a:solidFill>
+          <a:ln w="38100" cap="flat" cmpd="sng" algn="ctr">
+            <a:solidFill>
+              <a:schemeClr val="tx1"/>
+            </a:solidFill>
+            <a:prstDash val="solid"/>
+            <a:bevel/>
+            <a:headEnd type="none" w="med" len="med"/>
+            <a:tailEnd type="none" w="med" len="med"/>
+          </a:ln>
+          <a:effectLst/>
+          <a:extLst/>
+        </p:spPr>
+        <p:txBody>
+          <a:bodyPr vert="horz" wrap="square" lIns="274320" tIns="0" rIns="274320" bIns="0" numCol="1" rtlCol="0" anchor="ctr" anchorCtr="0" compatLnSpc="1">
+            <a:prstTxWarp prst="textNoShape">
+              <a:avLst/>
+            </a:prstTxWarp>
+          </a:bodyPr>
+          <a:lstStyle/>
+          <a:p>
+            <a:pPr algn="ctr"/>
+            <a:r>
+              <a:rPr lang="en-US" sz="1400" b="1" dirty="0" smtClean="0"/>
+              <a:t>Windows users: choose these options when installing:</a:t>
+            </a:r>
+          </a:p>
+          <a:p>
+            <a:pPr algn="ctr"/>
+            <a:r>
+              <a:rPr lang="en-US" sz="1400" b="1" dirty="0" smtClean="0">
+                <a:ea typeface="ＭＳ Ｐゴシック" pitchFamily="-80" charset="-128"/>
+              </a:rPr>
+              <a:t>“Use </a:t>
+            </a:r>
+            <a:r>
+              <a:rPr lang="en-US" sz="1400" b="1" dirty="0" err="1" smtClean="0">
+                <a:ea typeface="ＭＳ Ｐゴシック" pitchFamily="-80" charset="-128"/>
+              </a:rPr>
+              <a:t>Git</a:t>
+            </a:r>
+            <a:r>
+              <a:rPr lang="en-US" sz="1400" b="1" dirty="0" smtClean="0">
+                <a:ea typeface="ＭＳ Ｐゴシック" pitchFamily="-80" charset="-128"/>
+              </a:rPr>
+              <a:t> </a:t>
+            </a:r>
+            <a:r>
+              <a:rPr lang="en-US" sz="1400" b="1" dirty="0">
+                <a:ea typeface="ＭＳ Ｐゴシック" pitchFamily="-80" charset="-128"/>
+              </a:rPr>
+              <a:t>from the Windows command </a:t>
+            </a:r>
+            <a:r>
+              <a:rPr lang="en-US" sz="1400" b="1" dirty="0" smtClean="0">
+                <a:ea typeface="ＭＳ Ｐゴシック" pitchFamily="-80" charset="-128"/>
+              </a:rPr>
+              <a:t>prompt”</a:t>
+            </a:r>
+            <a:endParaRPr lang="en-US" sz="1400" b="1" dirty="0">
+              <a:ea typeface="ＭＳ Ｐゴシック" pitchFamily="-80" charset="-128"/>
+            </a:endParaRPr>
+          </a:p>
+          <a:p>
+            <a:pPr algn="ctr"/>
+            <a:r>
+              <a:rPr lang="en-US" sz="1400" b="1" dirty="0">
+                <a:ea typeface="ＭＳ Ｐゴシック" pitchFamily="-80" charset="-128"/>
+              </a:rPr>
+              <a:t>Otherwise use default settings.</a:t>
+            </a:r>
+          </a:p>
+          <a:p>
+            <a:pPr algn="ctr"/>
+            <a:endParaRPr kumimoji="0" lang="en-US" sz="1400" b="1" i="0" u="none" strike="noStrike" cap="none" normalizeH="0" baseline="0" dirty="0" smtClean="0">
+              <a:ln>
+                <a:noFill/>
+              </a:ln>
+              <a:solidFill>
+                <a:schemeClr val="tx1"/>
+              </a:solidFill>
+              <a:effectLst/>
+              <a:ea typeface="ＭＳ Ｐゴシック" pitchFamily="-80" charset="-128"/>
+            </a:endParaRPr>
+          </a:p>
+        </p:txBody>
+      </p:sp>
+    </p:spTree>
+    <p:extLst>
+      <p:ext uri="{BB962C8B-B14F-4D97-AF65-F5344CB8AC3E}">
+        <p14:creationId xmlns:p14="http://schemas.microsoft.com/office/powerpoint/2010/main" val="1419178050"/>
+      </p:ext>
+    </p:extLst>
+  </p:cSld>
+  <p:clrMapOvr>
+    <a:masterClrMapping/>
+  </p:clrMapOvr>
+  <p:timing>
+    <p:tnLst>
+      <p:par>
+        <p:cTn id="1" dur="indefinite" restart="never" nodeType="tmRoot"/>
+      </p:par>
+    </p:tnLst>
+  </p:timing>
+</p:sld>
+</file>
+
+<file path=ppt/slides/slide13.xml><?xml version="1.0" encoding="utf-8"?>
+<p:sld xmlns:a="http://schemas.openxmlformats.org/drawingml/2006/main" xmlns:r="http://schemas.openxmlformats.org/officeDocument/2006/relationships" xmlns:p="http://schemas.openxmlformats.org/presentationml/2006/main">
+  <p:cSld>
+    <p:spTree>
+      <p:nvGrpSpPr>
+        <p:cNvPr id="1" name=""/>
+        <p:cNvGrpSpPr/>
+        <p:nvPr/>
+      </p:nvGrpSpPr>
+      <p:grpSpPr>
+        <a:xfrm>
+          <a:off x="0" y="0"/>
+          <a:ext cx="0" cy="0"/>
+          <a:chOff x="0" y="0"/>
+          <a:chExt cx="0" cy="0"/>
+        </a:xfrm>
+      </p:grpSpPr>
+      <p:sp>
+        <p:nvSpPr>
+          <p:cNvPr id="5" name="Pladsholder til indhold 2"/>
+          <p:cNvSpPr>
+            <a:spLocks noGrp="1"/>
+          </p:cNvSpPr>
+          <p:nvPr>
+            <p:ph idx="1"/>
+          </p:nvPr>
+        </p:nvSpPr>
+        <p:spPr>
+          <a:xfrm>
+            <a:off x="609600" y="1600200"/>
+            <a:ext cx="7772400" cy="4565650"/>
+          </a:xfrm>
+          <a:solidFill>
+            <a:srgbClr val="E6E6E6"/>
+          </a:solidFill>
+        </p:spPr>
+        <p:txBody>
+          <a:bodyPr>
+            <a:normAutofit fontScale="92500" lnSpcReduction="10000"/>
+          </a:bodyPr>
+          <a:lstStyle/>
+          <a:p>
+            <a:pPr marL="0" indent="0">
+              <a:buNone/>
+            </a:pPr>
+            <a:r>
+              <a:rPr lang="en-US" sz="1400" dirty="0" err="1">
+                <a:solidFill>
+                  <a:srgbClr val="00BF00"/>
+                </a:solidFill>
+                <a:latin typeface="Lucida Console" panose="020B0609040504020204" pitchFamily="49" charset="0"/>
+              </a:rPr>
+              <a:t>tommysl@tommysl-PC</a:t>
+            </a:r>
+            <a:r>
+              <a:rPr lang="en-US" sz="1400" dirty="0">
+                <a:solidFill>
+                  <a:srgbClr val="00BF00"/>
+                </a:solidFill>
+                <a:latin typeface="Lucida Console" panose="020B0609040504020204" pitchFamily="49" charset="0"/>
+              </a:rPr>
+              <a:t> </a:t>
+            </a:r>
+            <a:r>
+              <a:rPr lang="en-US" sz="1400" dirty="0">
+                <a:solidFill>
+                  <a:srgbClr val="BF00BF"/>
+                </a:solidFill>
+                <a:latin typeface="Lucida Console" panose="020B0609040504020204" pitchFamily="49" charset="0"/>
+              </a:rPr>
+              <a:t>MINGW64 </a:t>
+            </a:r>
+            <a:r>
+              <a:rPr lang="en-US" sz="1400" dirty="0">
+                <a:solidFill>
+                  <a:srgbClr val="BFBF00"/>
+                </a:solidFill>
+                <a:latin typeface="Lucida Console" panose="020B0609040504020204" pitchFamily="49" charset="0"/>
+              </a:rPr>
+              <a:t>/e/DTU/courses/</a:t>
+            </a:r>
+            <a:r>
+              <a:rPr lang="en-US" sz="1400" dirty="0" err="1">
+                <a:solidFill>
+                  <a:srgbClr val="BFBF00"/>
+                </a:solidFill>
+                <a:latin typeface="Lucida Console" panose="020B0609040504020204" pitchFamily="49" charset="0"/>
+              </a:rPr>
+              <a:t>ResearchSoftwareTools</a:t>
+            </a:r>
+            <a:r>
+              <a:rPr lang="en-US" sz="1400" dirty="0">
+                <a:solidFill>
+                  <a:srgbClr val="BFBF00"/>
+                </a:solidFill>
+                <a:latin typeface="Lucida Console" panose="020B0609040504020204" pitchFamily="49" charset="0"/>
+              </a:rPr>
+              <a:t>/ws4_version_control_git</a:t>
+            </a:r>
+            <a:r>
+              <a:rPr lang="en-US" sz="1400" dirty="0">
+                <a:solidFill>
+                  <a:srgbClr val="00BFBF"/>
+                </a:solidFill>
+                <a:latin typeface="Lucida Console" panose="020B0609040504020204" pitchFamily="49" charset="0"/>
+              </a:rPr>
+              <a:t> (master)</a:t>
+            </a:r>
+          </a:p>
+          <a:p>
+            <a:pPr marL="0" indent="0">
+              <a:buNone/>
+            </a:pPr>
+            <a:r>
+              <a:rPr lang="en-US" sz="1400" b="1" dirty="0">
+                <a:solidFill>
+                  <a:srgbClr val="008A3E"/>
+                </a:solidFill>
+                <a:latin typeface="Lucida Console" panose="020B0609040504020204" pitchFamily="49" charset="0"/>
+              </a:rPr>
+              <a:t>$ </a:t>
+            </a:r>
+            <a:r>
+              <a:rPr lang="en-US" sz="1400" dirty="0" smtClean="0">
+                <a:solidFill>
+                  <a:prstClr val="black"/>
+                </a:solidFill>
+                <a:latin typeface="Lucida Console" panose="020B0609040504020204" pitchFamily="49" charset="0"/>
+              </a:rPr>
+              <a:t>cd “exercise directory”</a:t>
+            </a:r>
+          </a:p>
+          <a:p>
+            <a:pPr marL="0" indent="0">
+              <a:buNone/>
+            </a:pPr>
+            <a:r>
+              <a:rPr lang="en-US" sz="1400" b="1" dirty="0" smtClean="0">
+                <a:solidFill>
+                  <a:srgbClr val="008A3E"/>
+                </a:solidFill>
+                <a:latin typeface="Lucida Console" panose="020B0609040504020204" pitchFamily="49" charset="0"/>
+              </a:rPr>
+              <a:t>$</a:t>
+            </a:r>
+            <a:r>
+              <a:rPr lang="en-US" sz="1400" b="1" dirty="0" smtClean="0">
+                <a:latin typeface="Lucida Console" panose="020B0609040504020204" pitchFamily="49" charset="0"/>
+              </a:rPr>
+              <a:t> </a:t>
+            </a:r>
+            <a:r>
+              <a:rPr lang="en-US" sz="1400" dirty="0" err="1" smtClean="0">
+                <a:latin typeface="Lucida Console" panose="020B0609040504020204" pitchFamily="49" charset="0"/>
+              </a:rPr>
+              <a:t>git</a:t>
+            </a:r>
+            <a:r>
+              <a:rPr lang="en-US" sz="1400" dirty="0" smtClean="0">
+                <a:latin typeface="Lucida Console" panose="020B0609040504020204" pitchFamily="49" charset="0"/>
+              </a:rPr>
+              <a:t> </a:t>
+            </a:r>
+            <a:r>
+              <a:rPr lang="en-US" sz="1400" dirty="0">
+                <a:latin typeface="Lucida Console" panose="020B0609040504020204" pitchFamily="49" charset="0"/>
+              </a:rPr>
+              <a:t>clone https://github.com/tsal-dtu/ws4_version_control_git.git</a:t>
+            </a:r>
+          </a:p>
+          <a:p>
+            <a:pPr marL="0" indent="0">
+              <a:buNone/>
+            </a:pPr>
+            <a:r>
+              <a:rPr lang="en-US" sz="1400" dirty="0">
+                <a:latin typeface="Lucida Console" panose="020B0609040504020204" pitchFamily="49" charset="0"/>
+              </a:rPr>
+              <a:t>Cloning into 'ws4_version_control_git'...</a:t>
+            </a:r>
+          </a:p>
+          <a:p>
+            <a:pPr marL="0" indent="0">
+              <a:buNone/>
+            </a:pPr>
+            <a:r>
+              <a:rPr lang="en-US" sz="1400" dirty="0">
+                <a:latin typeface="Lucida Console" panose="020B0609040504020204" pitchFamily="49" charset="0"/>
+              </a:rPr>
+              <a:t>remote: Counting objects: 14, done.</a:t>
+            </a:r>
+          </a:p>
+          <a:p>
+            <a:pPr marL="0" indent="0">
+              <a:buNone/>
+            </a:pPr>
+            <a:r>
+              <a:rPr lang="en-US" sz="1400" dirty="0">
+                <a:latin typeface="Lucida Console" panose="020B0609040504020204" pitchFamily="49" charset="0"/>
+              </a:rPr>
+              <a:t>remote: Compressing objects: 100% (12/12), done.</a:t>
+            </a:r>
+          </a:p>
+          <a:p>
+            <a:pPr marL="0" indent="0">
+              <a:buNone/>
+            </a:pPr>
+            <a:r>
+              <a:rPr lang="en-US" sz="1400" dirty="0">
+                <a:latin typeface="Lucida Console" panose="020B0609040504020204" pitchFamily="49" charset="0"/>
+              </a:rPr>
+              <a:t>remote: Total 14 (delta 1), reused 14 (delta 1), pack-reused 0</a:t>
+            </a:r>
+          </a:p>
+          <a:p>
+            <a:pPr marL="0" indent="0">
+              <a:buNone/>
+            </a:pPr>
+            <a:r>
+              <a:rPr lang="en-US" sz="1400" dirty="0">
+                <a:latin typeface="Lucida Console" panose="020B0609040504020204" pitchFamily="49" charset="0"/>
+              </a:rPr>
+              <a:t>Unpacking objects: 100% (14/14), done.</a:t>
+            </a:r>
+          </a:p>
+          <a:p>
+            <a:pPr marL="0" indent="0">
+              <a:buNone/>
+            </a:pPr>
+            <a:r>
+              <a:rPr lang="en-US" sz="1400" dirty="0">
+                <a:latin typeface="Lucida Console" panose="020B0609040504020204" pitchFamily="49" charset="0"/>
+              </a:rPr>
+              <a:t>Checking connectivity... done</a:t>
+            </a:r>
+            <a:r>
+              <a:rPr lang="en-US" sz="1400" dirty="0" smtClean="0">
+                <a:latin typeface="Lucida Console" panose="020B0609040504020204" pitchFamily="49" charset="0"/>
+              </a:rPr>
+              <a:t>.</a:t>
+            </a:r>
+          </a:p>
+          <a:p>
+            <a:pPr marL="0" indent="0">
+              <a:buNone/>
+            </a:pPr>
+            <a:endParaRPr lang="en-US" sz="1400" b="1" dirty="0" smtClean="0">
+              <a:solidFill>
+                <a:srgbClr val="008A3E"/>
+              </a:solidFill>
+              <a:latin typeface="Lucida Console" panose="020B0609040504020204" pitchFamily="49" charset="0"/>
+            </a:endParaRPr>
+          </a:p>
+          <a:p>
+            <a:pPr marL="0" indent="0">
+              <a:buNone/>
+            </a:pPr>
+            <a:r>
+              <a:rPr lang="en-US" sz="1400" b="1" dirty="0" smtClean="0">
+                <a:solidFill>
+                  <a:srgbClr val="008A3E"/>
+                </a:solidFill>
+                <a:latin typeface="Lucida Console" panose="020B0609040504020204" pitchFamily="49" charset="0"/>
+              </a:rPr>
+              <a:t>$</a:t>
+            </a:r>
+            <a:r>
+              <a:rPr lang="en-US" sz="1400" b="1" dirty="0" smtClean="0">
+                <a:latin typeface="Lucida Console" panose="020B0609040504020204" pitchFamily="49" charset="0"/>
+              </a:rPr>
+              <a:t> </a:t>
+            </a:r>
+            <a:r>
+              <a:rPr lang="en-US" sz="1400" dirty="0" smtClean="0">
+                <a:solidFill>
+                  <a:prstClr val="black"/>
+                </a:solidFill>
+                <a:latin typeface="Lucida Console" panose="020B0609040504020204" pitchFamily="49" charset="0"/>
+              </a:rPr>
+              <a:t>ls </a:t>
+            </a:r>
+            <a:r>
+              <a:rPr lang="en-US" sz="1400" dirty="0">
+                <a:solidFill>
+                  <a:prstClr val="black"/>
+                </a:solidFill>
+                <a:latin typeface="Lucida Console" panose="020B0609040504020204" pitchFamily="49" charset="0"/>
+              </a:rPr>
+              <a:t>-l</a:t>
+            </a:r>
+          </a:p>
+          <a:p>
+            <a:pPr marL="0" indent="0">
+              <a:buNone/>
+            </a:pPr>
+            <a:r>
+              <a:rPr lang="en-US" sz="1400" dirty="0">
+                <a:solidFill>
+                  <a:prstClr val="black"/>
+                </a:solidFill>
+                <a:latin typeface="Lucida Console" panose="020B0609040504020204" pitchFamily="49" charset="0"/>
+              </a:rPr>
+              <a:t>total 0</a:t>
+            </a:r>
+          </a:p>
+          <a:p>
+            <a:pPr marL="0" indent="0">
+              <a:buNone/>
+            </a:pPr>
+            <a:r>
+              <a:rPr lang="en-US" sz="1400" dirty="0" err="1">
+                <a:solidFill>
+                  <a:prstClr val="black"/>
+                </a:solidFill>
+                <a:latin typeface="Lucida Console" panose="020B0609040504020204" pitchFamily="49" charset="0"/>
+              </a:rPr>
+              <a:t>drwxr</a:t>
+            </a:r>
+            <a:r>
+              <a:rPr lang="en-US" sz="1400" dirty="0">
+                <a:solidFill>
+                  <a:prstClr val="black"/>
+                </a:solidFill>
+                <a:latin typeface="Lucida Console" panose="020B0609040504020204" pitchFamily="49" charset="0"/>
+              </a:rPr>
+              <a:t>-</a:t>
+            </a:r>
+            <a:r>
+              <a:rPr lang="en-US" sz="1400" dirty="0" err="1">
+                <a:solidFill>
+                  <a:prstClr val="black"/>
+                </a:solidFill>
+                <a:latin typeface="Lucida Console" panose="020B0609040504020204" pitchFamily="49" charset="0"/>
+              </a:rPr>
+              <a:t>xr</a:t>
+            </a:r>
+            <a:r>
+              <a:rPr lang="en-US" sz="1400" dirty="0">
+                <a:solidFill>
+                  <a:prstClr val="black"/>
+                </a:solidFill>
+                <a:latin typeface="Lucida Console" panose="020B0609040504020204" pitchFamily="49" charset="0"/>
+              </a:rPr>
+              <a:t>-x 1 tommysl 197121 0 Nov 15 12:02 </a:t>
+            </a:r>
+            <a:r>
+              <a:rPr lang="en-US" sz="1400" dirty="0">
+                <a:solidFill>
+                  <a:srgbClr val="6060FF"/>
+                </a:solidFill>
+                <a:latin typeface="Lucida Console" panose="020B0609040504020204" pitchFamily="49" charset="0"/>
+              </a:rPr>
+              <a:t>ws4_version_control_git</a:t>
+            </a:r>
+            <a:r>
+              <a:rPr lang="en-US" sz="1400" dirty="0">
+                <a:solidFill>
+                  <a:prstClr val="black"/>
+                </a:solidFill>
+                <a:latin typeface="Lucida Console" panose="020B0609040504020204" pitchFamily="49" charset="0"/>
+              </a:rPr>
+              <a:t>/</a:t>
+            </a:r>
+          </a:p>
+          <a:p>
+            <a:pPr marL="0" indent="0">
+              <a:buNone/>
+            </a:pPr>
+            <a:endParaRPr lang="en-US" sz="1400" dirty="0" smtClean="0"/>
+          </a:p>
+          <a:p>
+            <a:pPr marL="0" indent="0">
+              <a:buNone/>
+            </a:pPr>
+            <a:r>
+              <a:rPr lang="en-US" sz="1400" b="1" dirty="0">
+                <a:solidFill>
+                  <a:srgbClr val="008A3E"/>
+                </a:solidFill>
+                <a:latin typeface="Lucida Console" panose="020B0609040504020204" pitchFamily="49" charset="0"/>
+              </a:rPr>
+              <a:t>$</a:t>
+            </a:r>
+            <a:r>
+              <a:rPr lang="en-US" sz="1400" b="1" dirty="0">
+                <a:latin typeface="Lucida Console" panose="020B0609040504020204" pitchFamily="49" charset="0"/>
+              </a:rPr>
+              <a:t> </a:t>
+            </a:r>
+            <a:r>
+              <a:rPr lang="en-US" sz="1400" dirty="0">
+                <a:solidFill>
+                  <a:prstClr val="black"/>
+                </a:solidFill>
+                <a:latin typeface="Lucida Console" panose="020B0609040504020204" pitchFamily="49" charset="0"/>
+              </a:rPr>
+              <a:t>cd </a:t>
+            </a:r>
+            <a:r>
+              <a:rPr lang="en-US" sz="1400" dirty="0" smtClean="0">
+                <a:solidFill>
+                  <a:prstClr val="black"/>
+                </a:solidFill>
+                <a:latin typeface="Lucida Console" panose="020B0609040504020204" pitchFamily="49" charset="0"/>
+              </a:rPr>
+              <a:t>ws4_version_control_git</a:t>
+            </a:r>
+            <a:endParaRPr lang="en-US" sz="1400" dirty="0">
+              <a:solidFill>
+                <a:prstClr val="black"/>
+              </a:solidFill>
+              <a:latin typeface="Lucida Console" panose="020B0609040504020204" pitchFamily="49" charset="0"/>
+            </a:endParaRPr>
+          </a:p>
+          <a:p>
+            <a:pPr marL="0" indent="0">
+              <a:buNone/>
+            </a:pPr>
+            <a:r>
+              <a:rPr lang="en-US" sz="1400" b="1" dirty="0" smtClean="0">
+                <a:solidFill>
+                  <a:srgbClr val="008A3E"/>
+                </a:solidFill>
+                <a:latin typeface="Lucida Console" panose="020B0609040504020204" pitchFamily="49" charset="0"/>
+              </a:rPr>
+              <a:t>$</a:t>
+            </a:r>
+            <a:r>
+              <a:rPr lang="en-US" sz="1400" b="1" dirty="0" smtClean="0">
+                <a:latin typeface="Lucida Console" panose="020B0609040504020204" pitchFamily="49" charset="0"/>
+              </a:rPr>
+              <a:t> </a:t>
+            </a:r>
+            <a:r>
+              <a:rPr lang="en-US" sz="1400" dirty="0" smtClean="0">
+                <a:solidFill>
+                  <a:prstClr val="black"/>
+                </a:solidFill>
+                <a:latin typeface="Lucida Console" panose="020B0609040504020204" pitchFamily="49" charset="0"/>
+              </a:rPr>
+              <a:t>ls </a:t>
+            </a:r>
+            <a:r>
+              <a:rPr lang="en-US" sz="1400" dirty="0">
+                <a:solidFill>
+                  <a:prstClr val="black"/>
+                </a:solidFill>
+                <a:latin typeface="Lucida Console" panose="020B0609040504020204" pitchFamily="49" charset="0"/>
+              </a:rPr>
+              <a:t>-l</a:t>
+            </a:r>
+          </a:p>
+          <a:p>
+            <a:pPr marL="0" indent="0">
+              <a:buNone/>
+            </a:pPr>
+            <a:r>
+              <a:rPr lang="en-US" sz="1400" dirty="0">
+                <a:solidFill>
+                  <a:prstClr val="black"/>
+                </a:solidFill>
+                <a:latin typeface="Lucida Console" panose="020B0609040504020204" pitchFamily="49" charset="0"/>
+              </a:rPr>
+              <a:t>total 460</a:t>
+            </a:r>
+          </a:p>
+          <a:p>
+            <a:pPr marL="0" indent="0">
+              <a:buNone/>
+            </a:pPr>
+            <a:r>
+              <a:rPr lang="en-US" sz="1400" dirty="0" err="1">
+                <a:solidFill>
+                  <a:prstClr val="black"/>
+                </a:solidFill>
+                <a:latin typeface="Lucida Console" panose="020B0609040504020204" pitchFamily="49" charset="0"/>
+              </a:rPr>
+              <a:t>drwxr</a:t>
+            </a:r>
+            <a:r>
+              <a:rPr lang="en-US" sz="1400" dirty="0">
+                <a:solidFill>
+                  <a:prstClr val="black"/>
+                </a:solidFill>
+                <a:latin typeface="Lucida Console" panose="020B0609040504020204" pitchFamily="49" charset="0"/>
+              </a:rPr>
+              <a:t>-</a:t>
+            </a:r>
+            <a:r>
+              <a:rPr lang="en-US" sz="1400" dirty="0" err="1">
+                <a:solidFill>
+                  <a:prstClr val="black"/>
+                </a:solidFill>
+                <a:latin typeface="Lucida Console" panose="020B0609040504020204" pitchFamily="49" charset="0"/>
+              </a:rPr>
+              <a:t>xr</a:t>
+            </a:r>
+            <a:r>
+              <a:rPr lang="en-US" sz="1400" dirty="0">
+                <a:solidFill>
+                  <a:prstClr val="black"/>
+                </a:solidFill>
+                <a:latin typeface="Lucida Console" panose="020B0609040504020204" pitchFamily="49" charset="0"/>
+              </a:rPr>
+              <a:t>-x 1 tommysl 197121      0 Nov 15 12:02 </a:t>
+            </a:r>
+            <a:r>
+              <a:rPr lang="en-US" sz="1400" dirty="0">
+                <a:solidFill>
+                  <a:srgbClr val="6060FF"/>
+                </a:solidFill>
+                <a:latin typeface="Lucida Console" panose="020B0609040504020204" pitchFamily="49" charset="0"/>
+              </a:rPr>
+              <a:t>latex</a:t>
+            </a:r>
+            <a:r>
+              <a:rPr lang="en-US" sz="1400" dirty="0">
+                <a:solidFill>
+                  <a:prstClr val="black"/>
+                </a:solidFill>
+                <a:latin typeface="Lucida Console" panose="020B0609040504020204" pitchFamily="49" charset="0"/>
+              </a:rPr>
+              <a:t>/</a:t>
+            </a:r>
+          </a:p>
+          <a:p>
+            <a:pPr marL="0" indent="0">
+              <a:buNone/>
+            </a:pPr>
+            <a:r>
+              <a:rPr lang="pt-BR" sz="1400" dirty="0">
+                <a:solidFill>
+                  <a:prstClr val="black"/>
+                </a:solidFill>
+                <a:latin typeface="Lucida Console" panose="020B0609040504020204" pitchFamily="49" charset="0"/>
+              </a:rPr>
+              <a:t>-rw-r--r-- 1 tommysl 197121 470824 Nov 15 12:02 </a:t>
+            </a:r>
+            <a:r>
+              <a:rPr lang="pt-BR" sz="1400" dirty="0" smtClean="0">
+                <a:solidFill>
+                  <a:prstClr val="black"/>
+                </a:solidFill>
+                <a:latin typeface="Lucida Console" panose="020B0609040504020204" pitchFamily="49" charset="0"/>
+              </a:rPr>
+              <a:t>version_control_git.pptx</a:t>
+            </a:r>
+            <a:endParaRPr lang="en-US" sz="1400" dirty="0" smtClean="0">
+              <a:solidFill>
+                <a:prstClr val="black"/>
+              </a:solidFill>
+              <a:latin typeface="Lucida Console" panose="020B0609040504020204" pitchFamily="49" charset="0"/>
+            </a:endParaRPr>
+          </a:p>
+        </p:txBody>
+      </p:sp>
+      <p:sp>
+        <p:nvSpPr>
+          <p:cNvPr id="2" name="Titel 1"/>
+          <p:cNvSpPr>
+            <a:spLocks noGrp="1"/>
+          </p:cNvSpPr>
+          <p:nvPr>
+            <p:ph type="title"/>
+          </p:nvPr>
+        </p:nvSpPr>
+        <p:spPr/>
+        <p:txBody>
+          <a:bodyPr/>
+          <a:lstStyle/>
+          <a:p>
+            <a:r>
+              <a:rPr lang="en-US" dirty="0" smtClean="0"/>
+              <a:t>Getting files … the </a:t>
+            </a:r>
+            <a:r>
+              <a:rPr lang="en-US" dirty="0" err="1" smtClean="0"/>
+              <a:t>git</a:t>
+            </a:r>
+            <a:r>
+              <a:rPr lang="en-US" dirty="0" smtClean="0"/>
+              <a:t> way</a:t>
+            </a:r>
+            <a:endParaRPr lang="en-US" dirty="0"/>
+          </a:p>
+        </p:txBody>
+      </p:sp>
+    </p:spTree>
+    <p:extLst>
+      <p:ext uri="{BB962C8B-B14F-4D97-AF65-F5344CB8AC3E}">
+        <p14:creationId xmlns:p14="http://schemas.microsoft.com/office/powerpoint/2010/main" val="1121443193"/>
+      </p:ext>
+    </p:extLst>
+  </p:cSld>
+  <p:clrMapOvr>
+    <a:masterClrMapping/>
+  </p:clrMapOvr>
+  <p:timing>
+    <p:tnLst>
+      <p:par>
+        <p:cTn id="1" dur="indefinite" restart="never" nodeType="tmRoot"/>
+      </p:par>
+    </p:tnLst>
+  </p:timing>
+</p:sld>
+</file>
+
+<file path=ppt/slides/slide14.xml><?xml version="1.0" encoding="utf-8"?>
+<p:sld xmlns:a="http://schemas.openxmlformats.org/drawingml/2006/main" xmlns:r="http://schemas.openxmlformats.org/officeDocument/2006/relationships" xmlns:p="http://schemas.openxmlformats.org/presentationml/2006/main">
+  <p:cSld>
+    <p:spTree>
+      <p:nvGrpSpPr>
+        <p:cNvPr id="1" name=""/>
+        <p:cNvGrpSpPr/>
+        <p:nvPr/>
+      </p:nvGrpSpPr>
+      <p:grpSpPr>
+        <a:xfrm>
+          <a:off x="0" y="0"/>
+          <a:ext cx="0" cy="0"/>
+          <a:chOff x="0" y="0"/>
+          <a:chExt cx="0" cy="0"/>
+        </a:xfrm>
+      </p:grpSpPr>
+      <p:sp>
+        <p:nvSpPr>
+          <p:cNvPr id="2" name="Titel 1"/>
+          <p:cNvSpPr>
+            <a:spLocks noGrp="1"/>
+          </p:cNvSpPr>
+          <p:nvPr>
+            <p:ph type="title"/>
+          </p:nvPr>
+        </p:nvSpPr>
+        <p:spPr/>
+        <p:txBody>
+          <a:bodyPr/>
+          <a:lstStyle/>
+          <a:p>
+            <a:pPr algn="ctr"/>
+            <a:r>
+              <a:rPr lang="en-US" dirty="0" smtClean="0"/>
+              <a:t>Exercise material is very brief</a:t>
+            </a:r>
+            <a:br>
+              <a:rPr lang="en-US" dirty="0" smtClean="0"/>
+            </a:br>
+            <a:r>
+              <a:rPr lang="en-US" dirty="0" smtClean="0"/>
+              <a:t>google issues or use the book</a:t>
+            </a:r>
+            <a:br>
+              <a:rPr lang="en-US" dirty="0" smtClean="0"/>
+            </a:br>
+            <a:endParaRPr lang="en-US" dirty="0"/>
+          </a:p>
+        </p:txBody>
+      </p:sp>
+      <p:sp>
+        <p:nvSpPr>
+          <p:cNvPr id="3" name="Pladsholder til indhold 2"/>
           <p:cNvSpPr>
             <a:spLocks noGrp="1"/>
           </p:cNvSpPr>
@@ -7546,54 +10280,87 @@
           <a:bodyPr/>
           <a:lstStyle/>
           <a:p>
-            <a:pPr marL="0" indent="0" algn="ctr">
-              <a:buNone/>
-            </a:pPr>
-            <a:r>
-              <a:rPr lang="en-US" dirty="0" smtClean="0">
-                <a:hlinkClick r:id="rId2"/>
-              </a:rPr>
-              <a:t>https://git-scm.com/book/en/v2/Getting-Started-Installing-Git</a:t>
-            </a:r>
-            <a:endParaRPr lang="en-US" dirty="0" smtClean="0"/>
-          </a:p>
-          <a:p>
-            <a:pPr marL="0" indent="0">
-              <a:buNone/>
-            </a:pPr>
-            <a:endParaRPr lang="en-US" dirty="0"/>
-          </a:p>
-          <a:p>
-            <a:pPr marL="0" indent="0">
-              <a:buNone/>
-            </a:pPr>
-            <a:r>
-              <a:rPr lang="en-US" dirty="0" smtClean="0"/>
-              <a:t>Linux: </a:t>
-            </a:r>
-          </a:p>
-          <a:p>
-            <a:pPr marL="0" indent="0">
-              <a:buNone/>
-            </a:pPr>
-            <a:endParaRPr lang="en-US" dirty="0"/>
+            <a:endParaRPr lang="en-US"/>
           </a:p>
         </p:txBody>
       </p:sp>
+      <p:sp>
+        <p:nvSpPr>
+          <p:cNvPr id="4" name="TextBox 5"/>
+          <p:cNvSpPr txBox="1"/>
+          <p:nvPr/>
+        </p:nvSpPr>
+        <p:spPr>
+          <a:xfrm>
+            <a:off x="607382" y="5793808"/>
+            <a:ext cx="7774618" cy="523220"/>
+          </a:xfrm>
+          <a:prstGeom prst="rect">
+            <a:avLst/>
+          </a:prstGeom>
+          <a:solidFill>
+            <a:schemeClr val="accent1"/>
+          </a:solidFill>
+        </p:spPr>
+        <p:txBody>
+          <a:bodyPr wrap="square" rtlCol="0">
+            <a:spAutoFit/>
+          </a:bodyPr>
+          <a:lstStyle/>
+          <a:p>
+            <a:r>
+              <a:rPr lang="en-US" sz="1400" dirty="0"/>
+              <a:t>http://www.theallium.com/engineering/computer-programming-to-be-officially-renamed-googling-stackoverflow/</a:t>
+            </a:r>
+            <a:endParaRPr lang="en-US" sz="1400" dirty="0"/>
+          </a:p>
+        </p:txBody>
+      </p:sp>
+      <p:pic>
+        <p:nvPicPr>
+          <p:cNvPr id="5" name="Billede 4"/>
+          <p:cNvPicPr>
+            <a:picLocks noChangeAspect="1"/>
+          </p:cNvPicPr>
+          <p:nvPr/>
+        </p:nvPicPr>
+        <p:blipFill>
+          <a:blip r:embed="rId2"/>
+          <a:stretch>
+            <a:fillRect/>
+          </a:stretch>
+        </p:blipFill>
+        <p:spPr>
+          <a:xfrm>
+            <a:off x="607382" y="1600200"/>
+            <a:ext cx="7774618" cy="4109387"/>
+          </a:xfrm>
+          <a:prstGeom prst="rect">
+            <a:avLst/>
+          </a:prstGeom>
+        </p:spPr>
+      </p:pic>
     </p:spTree>
     <p:extLst>
       <p:ext uri="{BB962C8B-B14F-4D97-AF65-F5344CB8AC3E}">
-        <p14:creationId xmlns:p14="http://schemas.microsoft.com/office/powerpoint/2010/main" val="2103429209"/>
+        <p14:creationId xmlns:p14="http://schemas.microsoft.com/office/powerpoint/2010/main" val="3710142366"/>
       </p:ext>
     </p:extLst>
   </p:cSld>
   <p:clrMapOvr>
     <a:masterClrMapping/>
   </p:clrMapOvr>
+  <p:timing>
+    <p:tnLst>
+      <p:par>
+        <p:cTn id="1" dur="indefinite" restart="never" nodeType="tmRoot"/>
+      </p:par>
+    </p:tnLst>
+  </p:timing>
 </p:sld>
 </file>
 
-<file path=ppt/slides/slide3.xml><?xml version="1.0" encoding="utf-8"?>
+<file path=ppt/slides/slide15.xml><?xml version="1.0" encoding="utf-8"?>
 <p:sld xmlns:a="http://schemas.openxmlformats.org/drawingml/2006/main" xmlns:r="http://schemas.openxmlformats.org/officeDocument/2006/relationships" xmlns:p="http://schemas.openxmlformats.org/presentationml/2006/main">
   <p:cSld>
     <p:spTree>
@@ -7668,88 +10435,17 @@
   <p:clrMapOvr>
     <a:masterClrMapping/>
   </p:clrMapOvr>
+  <p:timing>
+    <p:tnLst>
+      <p:par>
+        <p:cTn id="1" dur="indefinite" restart="never" nodeType="tmRoot"/>
+      </p:par>
+    </p:tnLst>
+  </p:timing>
 </p:sld>
 </file>
 
-<file path=ppt/slides/slide4.xml><?xml version="1.0" encoding="utf-8"?>
-<p:sld xmlns:a="http://schemas.openxmlformats.org/drawingml/2006/main" xmlns:r="http://schemas.openxmlformats.org/officeDocument/2006/relationships" xmlns:p="http://schemas.openxmlformats.org/presentationml/2006/main">
-  <p:cSld>
-    <p:spTree>
-      <p:nvGrpSpPr>
-        <p:cNvPr id="1" name=""/>
-        <p:cNvGrpSpPr/>
-        <p:nvPr/>
-      </p:nvGrpSpPr>
-      <p:grpSpPr>
-        <a:xfrm>
-          <a:off x="0" y="0"/>
-          <a:ext cx="0" cy="0"/>
-          <a:chOff x="0" y="0"/>
-          <a:chExt cx="0" cy="0"/>
-        </a:xfrm>
-      </p:grpSpPr>
-      <p:sp>
-        <p:nvSpPr>
-          <p:cNvPr id="2" name="Title 1"/>
-          <p:cNvSpPr>
-            <a:spLocks noGrp="1"/>
-          </p:cNvSpPr>
-          <p:nvPr>
-            <p:ph type="title"/>
-          </p:nvPr>
-        </p:nvSpPr>
-        <p:spPr/>
-        <p:txBody>
-          <a:bodyPr/>
-          <a:lstStyle/>
-          <a:p>
-            <a:endParaRPr lang="en-US"/>
-          </a:p>
-        </p:txBody>
-      </p:sp>
-      <p:pic>
-        <p:nvPicPr>
-          <p:cNvPr id="4" name="Content Placeholder 3"/>
-          <p:cNvPicPr>
-            <a:picLocks noGrp="1" noChangeAspect="1"/>
-          </p:cNvPicPr>
-          <p:nvPr>
-            <p:ph idx="1"/>
-          </p:nvPr>
-        </p:nvPicPr>
-        <p:blipFill>
-          <a:blip r:embed="rId2">
-            <a:extLst>
-              <a:ext uri="{28A0092B-C50C-407E-A947-70E740481C1C}">
-                <a14:useLocalDpi xmlns:a14="http://schemas.microsoft.com/office/drawing/2010/main" val="0"/>
-              </a:ext>
-            </a:extLst>
-          </a:blip>
-          <a:stretch>
-            <a:fillRect/>
-          </a:stretch>
-        </p:blipFill>
-        <p:spPr>
-          <a:xfrm>
-            <a:off x="1211160" y="1600200"/>
-            <a:ext cx="6569280" cy="4565650"/>
-          </a:xfrm>
-        </p:spPr>
-      </p:pic>
-    </p:spTree>
-    <p:extLst>
-      <p:ext uri="{BB962C8B-B14F-4D97-AF65-F5344CB8AC3E}">
-        <p14:creationId xmlns:p14="http://schemas.microsoft.com/office/powerpoint/2010/main" val="3352837385"/>
-      </p:ext>
-    </p:extLst>
-  </p:cSld>
-  <p:clrMapOvr>
-    <a:masterClrMapping/>
-  </p:clrMapOvr>
-</p:sld>
-</file>
-
-<file path=ppt/slides/slide5.xml><?xml version="1.0" encoding="utf-8"?>
+<file path=ppt/slides/slide16.xml><?xml version="1.0" encoding="utf-8"?>
 <p:sld xmlns:a="http://schemas.openxmlformats.org/drawingml/2006/main" xmlns:r="http://schemas.openxmlformats.org/officeDocument/2006/relationships" xmlns:p="http://schemas.openxmlformats.org/presentationml/2006/main">
   <p:cSld>
     <p:spTree>
@@ -7824,10 +10520,17 @@
   <p:clrMapOvr>
     <a:masterClrMapping/>
   </p:clrMapOvr>
+  <p:timing>
+    <p:tnLst>
+      <p:par>
+        <p:cTn id="1" dur="indefinite" restart="never" nodeType="tmRoot"/>
+      </p:par>
+    </p:tnLst>
+  </p:timing>
 </p:sld>
 </file>
 
-<file path=ppt/slides/slide6.xml><?xml version="1.0" encoding="utf-8"?>
+<file path=ppt/slides/slide17.xml><?xml version="1.0" encoding="utf-8"?>
 <p:sld xmlns:a="http://schemas.openxmlformats.org/drawingml/2006/main" xmlns:r="http://schemas.openxmlformats.org/officeDocument/2006/relationships" xmlns:p="http://schemas.openxmlformats.org/presentationml/2006/main">
   <p:cSld>
     <p:spTree>
@@ -7902,10 +10605,17 @@
   <p:clrMapOvr>
     <a:masterClrMapping/>
   </p:clrMapOvr>
+  <p:timing>
+    <p:tnLst>
+      <p:par>
+        <p:cTn id="1" dur="indefinite" restart="never" nodeType="tmRoot"/>
+      </p:par>
+    </p:tnLst>
+  </p:timing>
 </p:sld>
 </file>
 
-<file path=ppt/slides/slide7.xml><?xml version="1.0" encoding="utf-8"?>
+<file path=ppt/slides/slide18.xml><?xml version="1.0" encoding="utf-8"?>
 <p:sld xmlns:a="http://schemas.openxmlformats.org/drawingml/2006/main" xmlns:r="http://schemas.openxmlformats.org/officeDocument/2006/relationships" xmlns:p="http://schemas.openxmlformats.org/presentationml/2006/main">
   <p:cSld>
     <p:spTree>
@@ -7980,10 +10690,17 @@
   <p:clrMapOvr>
     <a:masterClrMapping/>
   </p:clrMapOvr>
+  <p:timing>
+    <p:tnLst>
+      <p:par>
+        <p:cTn id="1" dur="indefinite" restart="never" nodeType="tmRoot"/>
+      </p:par>
+    </p:tnLst>
+  </p:timing>
 </p:sld>
 </file>
 
-<file path=ppt/slides/slide8.xml><?xml version="1.0" encoding="utf-8"?>
+<file path=ppt/slides/slide19.xml><?xml version="1.0" encoding="utf-8"?>
 <p:sld xmlns:a="http://schemas.openxmlformats.org/drawingml/2006/main" xmlns:r="http://schemas.openxmlformats.org/officeDocument/2006/relationships" xmlns:p="http://schemas.openxmlformats.org/presentationml/2006/main">
   <p:cSld>
     <p:spTree>
@@ -8058,10 +10775,894 @@
   <p:clrMapOvr>
     <a:masterClrMapping/>
   </p:clrMapOvr>
+  <p:timing>
+    <p:tnLst>
+      <p:par>
+        <p:cTn id="1" dur="indefinite" restart="never" nodeType="tmRoot"/>
+      </p:par>
+    </p:tnLst>
+  </p:timing>
 </p:sld>
 </file>
 
-<file path=ppt/slides/slide9.xml><?xml version="1.0" encoding="utf-8"?>
+<file path=ppt/slides/slide2.xml><?xml version="1.0" encoding="utf-8"?>
+<p:sld xmlns:a="http://schemas.openxmlformats.org/drawingml/2006/main" xmlns:r="http://schemas.openxmlformats.org/officeDocument/2006/relationships" xmlns:p="http://schemas.openxmlformats.org/presentationml/2006/main">
+  <p:cSld>
+    <p:spTree>
+      <p:nvGrpSpPr>
+        <p:cNvPr id="1" name=""/>
+        <p:cNvGrpSpPr/>
+        <p:nvPr/>
+      </p:nvGrpSpPr>
+      <p:grpSpPr>
+        <a:xfrm>
+          <a:off x="0" y="0"/>
+          <a:ext cx="0" cy="0"/>
+          <a:chOff x="0" y="0"/>
+          <a:chExt cx="0" cy="0"/>
+        </a:xfrm>
+      </p:grpSpPr>
+      <p:sp>
+        <p:nvSpPr>
+          <p:cNvPr id="2" name="Titel 1"/>
+          <p:cNvSpPr>
+            <a:spLocks noGrp="1"/>
+          </p:cNvSpPr>
+          <p:nvPr>
+            <p:ph type="title"/>
+          </p:nvPr>
+        </p:nvSpPr>
+        <p:spPr/>
+        <p:txBody>
+          <a:bodyPr/>
+          <a:lstStyle/>
+          <a:p>
+            <a:r>
+              <a:rPr lang="en-US" dirty="0" smtClean="0"/>
+              <a:t>Learning objectives for today</a:t>
+            </a:r>
+            <a:endParaRPr lang="en-US" dirty="0"/>
+          </a:p>
+        </p:txBody>
+      </p:sp>
+      <p:sp>
+        <p:nvSpPr>
+          <p:cNvPr id="3" name="Pladsholder til indhold 2"/>
+          <p:cNvSpPr>
+            <a:spLocks noGrp="1"/>
+          </p:cNvSpPr>
+          <p:nvPr>
+            <p:ph idx="1"/>
+          </p:nvPr>
+        </p:nvSpPr>
+        <p:spPr/>
+        <p:txBody>
+          <a:bodyPr/>
+          <a:lstStyle/>
+          <a:p>
+            <a:r>
+              <a:rPr lang="en-US" dirty="0" smtClean="0"/>
+              <a:t>Understand what is gained by using a versioning control system.</a:t>
+            </a:r>
+          </a:p>
+          <a:p>
+            <a:endParaRPr lang="en-US" dirty="0"/>
+          </a:p>
+          <a:p>
+            <a:r>
+              <a:rPr lang="en-US" dirty="0" smtClean="0"/>
+              <a:t>Understand </a:t>
+            </a:r>
+            <a:r>
+              <a:rPr lang="en-US" dirty="0" smtClean="0"/>
+              <a:t>main concepts of a version control </a:t>
+            </a:r>
+            <a:r>
+              <a:rPr lang="en-US" dirty="0" smtClean="0"/>
+              <a:t>system such as versioning, commits, branches and merging.</a:t>
+            </a:r>
+            <a:endParaRPr lang="en-US" dirty="0" smtClean="0"/>
+          </a:p>
+          <a:p>
+            <a:endParaRPr lang="en-US" dirty="0"/>
+          </a:p>
+          <a:p>
+            <a:r>
+              <a:rPr lang="en-US" dirty="0" smtClean="0"/>
+              <a:t>Understand the basic </a:t>
+            </a:r>
+            <a:r>
+              <a:rPr lang="en-US" dirty="0" smtClean="0"/>
+              <a:t>differences of </a:t>
+            </a:r>
+            <a:r>
+              <a:rPr lang="en-US" dirty="0" err="1" smtClean="0"/>
+              <a:t>git</a:t>
+            </a:r>
+            <a:r>
+              <a:rPr lang="en-US" dirty="0" smtClean="0"/>
+              <a:t>, and how it compares to Perforce and </a:t>
+            </a:r>
+            <a:r>
+              <a:rPr lang="en-US" dirty="0" smtClean="0"/>
+              <a:t>Subversion.</a:t>
+            </a:r>
+            <a:endParaRPr lang="en-US" dirty="0" smtClean="0"/>
+          </a:p>
+          <a:p>
+            <a:endParaRPr lang="en-US" dirty="0"/>
+          </a:p>
+          <a:p>
+            <a:r>
+              <a:rPr lang="en-US" dirty="0" smtClean="0"/>
+              <a:t>Be able to set up a </a:t>
+            </a:r>
+            <a:r>
+              <a:rPr lang="en-US" dirty="0" err="1" smtClean="0"/>
+              <a:t>git</a:t>
+            </a:r>
+            <a:r>
+              <a:rPr lang="en-US" dirty="0" smtClean="0"/>
+              <a:t> </a:t>
+            </a:r>
+            <a:r>
+              <a:rPr lang="en-US" dirty="0" smtClean="0"/>
+              <a:t>environment, both locally and using remote servers.</a:t>
+            </a:r>
+          </a:p>
+          <a:p>
+            <a:endParaRPr lang="en-US" dirty="0"/>
+          </a:p>
+          <a:p>
+            <a:r>
+              <a:rPr lang="en-US" dirty="0" smtClean="0"/>
+              <a:t>Will be able to work with clones, commits, merging, rebasing in </a:t>
+            </a:r>
+            <a:r>
+              <a:rPr lang="en-US" dirty="0" err="1" smtClean="0"/>
+              <a:t>git</a:t>
+            </a:r>
+            <a:r>
+              <a:rPr lang="en-US" dirty="0" smtClean="0"/>
+              <a:t>.</a:t>
+            </a:r>
+            <a:endParaRPr lang="en-US" dirty="0" smtClean="0"/>
+          </a:p>
+          <a:p>
+            <a:endParaRPr lang="en-US" dirty="0"/>
+          </a:p>
+          <a:p>
+            <a:r>
+              <a:rPr lang="en-US" dirty="0" smtClean="0"/>
+              <a:t>Can read a </a:t>
+            </a:r>
+            <a:r>
+              <a:rPr lang="en-US" dirty="0" err="1" smtClean="0"/>
+              <a:t>github</a:t>
+            </a:r>
+            <a:r>
+              <a:rPr lang="en-US" dirty="0" smtClean="0"/>
+              <a:t> website.</a:t>
+            </a:r>
+            <a:endParaRPr lang="en-US" dirty="0" smtClean="0"/>
+          </a:p>
+          <a:p>
+            <a:endParaRPr lang="en-US" dirty="0"/>
+          </a:p>
+          <a:p>
+            <a:endParaRPr lang="en-US" dirty="0"/>
+          </a:p>
+        </p:txBody>
+      </p:sp>
+    </p:spTree>
+    <p:extLst>
+      <p:ext uri="{BB962C8B-B14F-4D97-AF65-F5344CB8AC3E}">
+        <p14:creationId xmlns:p14="http://schemas.microsoft.com/office/powerpoint/2010/main" val="756785594"/>
+      </p:ext>
+    </p:extLst>
+  </p:cSld>
+  <p:clrMapOvr>
+    <a:masterClrMapping/>
+  </p:clrMapOvr>
+  <p:timing>
+    <p:tnLst>
+      <p:par>
+        <p:cTn id="1" dur="indefinite" restart="never" nodeType="tmRoot"/>
+      </p:par>
+    </p:tnLst>
+  </p:timing>
+</p:sld>
+</file>
+
+<file path=ppt/slides/slide20.xml><?xml version="1.0" encoding="utf-8"?>
+<p:sld xmlns:a="http://schemas.openxmlformats.org/drawingml/2006/main" xmlns:r="http://schemas.openxmlformats.org/officeDocument/2006/relationships" xmlns:p="http://schemas.openxmlformats.org/presentationml/2006/main">
+  <p:cSld>
+    <p:spTree>
+      <p:nvGrpSpPr>
+        <p:cNvPr id="1" name=""/>
+        <p:cNvGrpSpPr/>
+        <p:nvPr/>
+      </p:nvGrpSpPr>
+      <p:grpSpPr>
+        <a:xfrm>
+          <a:off x="0" y="0"/>
+          <a:ext cx="0" cy="0"/>
+          <a:chOff x="0" y="0"/>
+          <a:chExt cx="0" cy="0"/>
+        </a:xfrm>
+      </p:grpSpPr>
+      <p:sp>
+        <p:nvSpPr>
+          <p:cNvPr id="2" name="Titel 1"/>
+          <p:cNvSpPr>
+            <a:spLocks noGrp="1"/>
+          </p:cNvSpPr>
+          <p:nvPr>
+            <p:ph type="title"/>
+          </p:nvPr>
+        </p:nvSpPr>
+        <p:spPr/>
+        <p:txBody>
+          <a:bodyPr/>
+          <a:lstStyle/>
+          <a:p>
+            <a:endParaRPr lang="en-US" dirty="0"/>
+          </a:p>
+        </p:txBody>
+      </p:sp>
+      <p:sp>
+        <p:nvSpPr>
+          <p:cNvPr id="5" name="Pladsholder til indhold 2"/>
+          <p:cNvSpPr>
+            <a:spLocks noGrp="1"/>
+          </p:cNvSpPr>
+          <p:nvPr>
+            <p:ph idx="1"/>
+          </p:nvPr>
+        </p:nvSpPr>
+        <p:spPr>
+          <a:xfrm>
+            <a:off x="609600" y="1600200"/>
+            <a:ext cx="7772400" cy="4565650"/>
+          </a:xfrm>
+          <a:solidFill>
+            <a:srgbClr val="E6E6E6"/>
+          </a:solidFill>
+        </p:spPr>
+        <p:txBody>
+          <a:bodyPr>
+            <a:normAutofit fontScale="55000" lnSpcReduction="20000"/>
+          </a:bodyPr>
+          <a:lstStyle/>
+          <a:p>
+            <a:pPr marL="0" indent="0">
+              <a:buNone/>
+            </a:pPr>
+            <a:r>
+              <a:rPr lang="en-US" sz="2000" dirty="0" err="1">
+                <a:solidFill>
+                  <a:srgbClr val="00BF00"/>
+                </a:solidFill>
+                <a:latin typeface="Lucida Console" panose="020B0609040504020204" pitchFamily="49" charset="0"/>
+              </a:rPr>
+              <a:t>tommysl@tommysl-PC</a:t>
+            </a:r>
+            <a:r>
+              <a:rPr lang="en-US" sz="2000" dirty="0">
+                <a:solidFill>
+                  <a:srgbClr val="00BF00"/>
+                </a:solidFill>
+                <a:latin typeface="Lucida Console" panose="020B0609040504020204" pitchFamily="49" charset="0"/>
+              </a:rPr>
+              <a:t> </a:t>
+            </a:r>
+            <a:r>
+              <a:rPr lang="en-US" sz="2000" dirty="0">
+                <a:solidFill>
+                  <a:srgbClr val="BF00BF"/>
+                </a:solidFill>
+                <a:latin typeface="Lucida Console" panose="020B0609040504020204" pitchFamily="49" charset="0"/>
+              </a:rPr>
+              <a:t>MINGW64 </a:t>
+            </a:r>
+            <a:r>
+              <a:rPr lang="en-US" sz="2000" dirty="0">
+                <a:solidFill>
+                  <a:srgbClr val="BFBF00"/>
+                </a:solidFill>
+                <a:latin typeface="Lucida Console" panose="020B0609040504020204" pitchFamily="49" charset="0"/>
+              </a:rPr>
+              <a:t>/e/DTU/courses/</a:t>
+            </a:r>
+            <a:r>
+              <a:rPr lang="en-US" sz="2000" dirty="0" err="1">
+                <a:solidFill>
+                  <a:srgbClr val="BFBF00"/>
+                </a:solidFill>
+                <a:latin typeface="Lucida Console" panose="020B0609040504020204" pitchFamily="49" charset="0"/>
+              </a:rPr>
+              <a:t>ResearchSoftwareTools</a:t>
+            </a:r>
+            <a:r>
+              <a:rPr lang="en-US" sz="2000" dirty="0">
+                <a:solidFill>
+                  <a:srgbClr val="BFBF00"/>
+                </a:solidFill>
+                <a:latin typeface="Lucida Console" panose="020B0609040504020204" pitchFamily="49" charset="0"/>
+              </a:rPr>
+              <a:t>/ws4_version_control_git</a:t>
+            </a:r>
+            <a:r>
+              <a:rPr lang="en-US" sz="2000" dirty="0">
+                <a:solidFill>
+                  <a:srgbClr val="00BFBF"/>
+                </a:solidFill>
+                <a:latin typeface="Lucida Console" panose="020B0609040504020204" pitchFamily="49" charset="0"/>
+              </a:rPr>
+              <a:t> (master)</a:t>
+            </a:r>
+          </a:p>
+          <a:p>
+            <a:pPr marL="0" indent="0">
+              <a:buNone/>
+            </a:pPr>
+            <a:r>
+              <a:rPr lang="en-US" sz="2000" b="1" dirty="0">
+                <a:solidFill>
+                  <a:srgbClr val="008A3E"/>
+                </a:solidFill>
+                <a:latin typeface="Lucida Console" panose="020B0609040504020204" pitchFamily="49" charset="0"/>
+              </a:rPr>
+              <a:t>$ </a:t>
+            </a:r>
+            <a:r>
+              <a:rPr lang="en-US" sz="2000" dirty="0" err="1">
+                <a:solidFill>
+                  <a:prstClr val="black"/>
+                </a:solidFill>
+                <a:latin typeface="Lucida Console" panose="020B0609040504020204" pitchFamily="49" charset="0"/>
+              </a:rPr>
+              <a:t>git</a:t>
+            </a:r>
+            <a:r>
+              <a:rPr lang="en-US" sz="2000" dirty="0">
+                <a:solidFill>
+                  <a:prstClr val="black"/>
+                </a:solidFill>
+                <a:latin typeface="Lucida Console" panose="020B0609040504020204" pitchFamily="49" charset="0"/>
+              </a:rPr>
+              <a:t> status</a:t>
+            </a:r>
+          </a:p>
+          <a:p>
+            <a:pPr marL="0" indent="0">
+              <a:buNone/>
+            </a:pPr>
+            <a:r>
+              <a:rPr lang="en-US" sz="2000" dirty="0">
+                <a:solidFill>
+                  <a:prstClr val="black"/>
+                </a:solidFill>
+                <a:latin typeface="Lucida Console" panose="020B0609040504020204" pitchFamily="49" charset="0"/>
+              </a:rPr>
+              <a:t>warning: LF will be replaced by CRLF in latex/</a:t>
+            </a:r>
+            <a:r>
+              <a:rPr lang="en-US" sz="2000" dirty="0" err="1">
+                <a:solidFill>
+                  <a:prstClr val="black"/>
+                </a:solidFill>
+                <a:latin typeface="Lucida Console" panose="020B0609040504020204" pitchFamily="49" charset="0"/>
+              </a:rPr>
+              <a:t>version_control_git.tex</a:t>
+            </a:r>
+            <a:r>
+              <a:rPr lang="en-US" sz="2000" dirty="0">
+                <a:solidFill>
+                  <a:prstClr val="black"/>
+                </a:solidFill>
+                <a:latin typeface="Lucida Console" panose="020B0609040504020204" pitchFamily="49" charset="0"/>
+              </a:rPr>
+              <a:t>.</a:t>
+            </a:r>
+          </a:p>
+          <a:p>
+            <a:pPr marL="0" indent="0">
+              <a:buNone/>
+            </a:pPr>
+            <a:r>
+              <a:rPr lang="en-US" sz="2000" dirty="0">
+                <a:solidFill>
+                  <a:prstClr val="black"/>
+                </a:solidFill>
+                <a:latin typeface="Lucida Console" panose="020B0609040504020204" pitchFamily="49" charset="0"/>
+              </a:rPr>
+              <a:t>The file will have its original line endings in your working directory.</a:t>
+            </a:r>
+          </a:p>
+          <a:p>
+            <a:pPr marL="0" indent="0">
+              <a:buNone/>
+            </a:pPr>
+            <a:r>
+              <a:rPr lang="en-US" sz="2000" dirty="0">
+                <a:solidFill>
+                  <a:prstClr val="black"/>
+                </a:solidFill>
+                <a:latin typeface="Lucida Console" panose="020B0609040504020204" pitchFamily="49" charset="0"/>
+              </a:rPr>
+              <a:t>On branch master</a:t>
+            </a:r>
+          </a:p>
+          <a:p>
+            <a:pPr marL="0" indent="0">
+              <a:buNone/>
+            </a:pPr>
+            <a:r>
+              <a:rPr lang="en-US" sz="2000" dirty="0">
+                <a:solidFill>
+                  <a:prstClr val="black"/>
+                </a:solidFill>
+                <a:latin typeface="Lucida Console" panose="020B0609040504020204" pitchFamily="49" charset="0"/>
+              </a:rPr>
+              <a:t>Changes to be committed:</a:t>
+            </a:r>
+          </a:p>
+          <a:p>
+            <a:pPr marL="0" indent="0">
+              <a:buNone/>
+            </a:pPr>
+            <a:r>
+              <a:rPr lang="en-US" sz="2000" dirty="0">
+                <a:solidFill>
+                  <a:prstClr val="black"/>
+                </a:solidFill>
+                <a:latin typeface="Lucida Console" panose="020B0609040504020204" pitchFamily="49" charset="0"/>
+              </a:rPr>
+              <a:t>  (use "</a:t>
+            </a:r>
+            <a:r>
+              <a:rPr lang="en-US" sz="2000" dirty="0" err="1">
+                <a:solidFill>
+                  <a:prstClr val="black"/>
+                </a:solidFill>
+                <a:latin typeface="Lucida Console" panose="020B0609040504020204" pitchFamily="49" charset="0"/>
+              </a:rPr>
+              <a:t>git</a:t>
+            </a:r>
+            <a:r>
+              <a:rPr lang="en-US" sz="2000" dirty="0">
+                <a:solidFill>
+                  <a:prstClr val="black"/>
+                </a:solidFill>
+                <a:latin typeface="Lucida Console" panose="020B0609040504020204" pitchFamily="49" charset="0"/>
+              </a:rPr>
+              <a:t> reset HEAD &lt;file&gt;..." to </a:t>
+            </a:r>
+            <a:r>
+              <a:rPr lang="en-US" sz="2000" dirty="0" err="1">
+                <a:solidFill>
+                  <a:prstClr val="black"/>
+                </a:solidFill>
+                <a:latin typeface="Lucida Console" panose="020B0609040504020204" pitchFamily="49" charset="0"/>
+              </a:rPr>
+              <a:t>unstage</a:t>
+            </a:r>
+            <a:r>
+              <a:rPr lang="en-US" sz="2000" dirty="0">
+                <a:solidFill>
+                  <a:prstClr val="black"/>
+                </a:solidFill>
+                <a:latin typeface="Lucida Console" panose="020B0609040504020204" pitchFamily="49" charset="0"/>
+              </a:rPr>
+              <a:t>)</a:t>
+            </a:r>
+          </a:p>
+          <a:p>
+            <a:pPr marL="0" indent="0">
+              <a:buNone/>
+            </a:pPr>
+            <a:endParaRPr lang="en-US" sz="2000" dirty="0">
+              <a:solidFill>
+                <a:prstClr val="black"/>
+              </a:solidFill>
+              <a:latin typeface="Lucida Console" panose="020B0609040504020204" pitchFamily="49" charset="0"/>
+            </a:endParaRPr>
+          </a:p>
+          <a:p>
+            <a:pPr marL="0" indent="0">
+              <a:buNone/>
+            </a:pPr>
+            <a:r>
+              <a:rPr lang="en-US" sz="2000" dirty="0">
+                <a:solidFill>
+                  <a:prstClr val="black"/>
+                </a:solidFill>
+                <a:latin typeface="Lucida Console" panose="020B0609040504020204" pitchFamily="49" charset="0"/>
+              </a:rPr>
+              <a:t>        </a:t>
+            </a:r>
+            <a:r>
+              <a:rPr lang="en-US" sz="2000" dirty="0">
+                <a:solidFill>
+                  <a:srgbClr val="00BF00"/>
+                </a:solidFill>
+                <a:latin typeface="Lucida Console" panose="020B0609040504020204" pitchFamily="49" charset="0"/>
+              </a:rPr>
+              <a:t>modified:   latex/</a:t>
+            </a:r>
+            <a:r>
+              <a:rPr lang="en-US" sz="2000" dirty="0" err="1">
+                <a:solidFill>
+                  <a:srgbClr val="00BF00"/>
+                </a:solidFill>
+                <a:latin typeface="Lucida Console" panose="020B0609040504020204" pitchFamily="49" charset="0"/>
+              </a:rPr>
+              <a:t>version_control_git.tex</a:t>
+            </a:r>
+            <a:endParaRPr lang="en-US" sz="2000" dirty="0">
+              <a:solidFill>
+                <a:srgbClr val="00BF00"/>
+              </a:solidFill>
+              <a:latin typeface="Lucida Console" panose="020B0609040504020204" pitchFamily="49" charset="0"/>
+            </a:endParaRPr>
+          </a:p>
+          <a:p>
+            <a:pPr marL="0" indent="0">
+              <a:buNone/>
+            </a:pPr>
+            <a:endParaRPr lang="en-US" sz="2000" dirty="0">
+              <a:solidFill>
+                <a:srgbClr val="00BF00"/>
+              </a:solidFill>
+              <a:latin typeface="Lucida Console" panose="020B0609040504020204" pitchFamily="49" charset="0"/>
+            </a:endParaRPr>
+          </a:p>
+          <a:p>
+            <a:pPr marL="0" indent="0">
+              <a:buNone/>
+            </a:pPr>
+            <a:r>
+              <a:rPr lang="en-US" sz="2000" dirty="0">
+                <a:solidFill>
+                  <a:prstClr val="black"/>
+                </a:solidFill>
+                <a:latin typeface="Lucida Console" panose="020B0609040504020204" pitchFamily="49" charset="0"/>
+              </a:rPr>
+              <a:t>Changes not staged for commit:</a:t>
+            </a:r>
+          </a:p>
+          <a:p>
+            <a:pPr marL="0" indent="0">
+              <a:buNone/>
+            </a:pPr>
+            <a:r>
+              <a:rPr lang="en-US" sz="2000" dirty="0">
+                <a:solidFill>
+                  <a:prstClr val="black"/>
+                </a:solidFill>
+                <a:latin typeface="Lucida Console" panose="020B0609040504020204" pitchFamily="49" charset="0"/>
+              </a:rPr>
+              <a:t>  (use "</a:t>
+            </a:r>
+            <a:r>
+              <a:rPr lang="en-US" sz="2000" dirty="0" err="1">
+                <a:solidFill>
+                  <a:prstClr val="black"/>
+                </a:solidFill>
+                <a:latin typeface="Lucida Console" panose="020B0609040504020204" pitchFamily="49" charset="0"/>
+              </a:rPr>
+              <a:t>git</a:t>
+            </a:r>
+            <a:r>
+              <a:rPr lang="en-US" sz="2000" dirty="0">
+                <a:solidFill>
+                  <a:prstClr val="black"/>
+                </a:solidFill>
+                <a:latin typeface="Lucida Console" panose="020B0609040504020204" pitchFamily="49" charset="0"/>
+              </a:rPr>
+              <a:t> add &lt;file&gt;..." to update what will be committed)</a:t>
+            </a:r>
+          </a:p>
+          <a:p>
+            <a:pPr marL="0" indent="0">
+              <a:buNone/>
+            </a:pPr>
+            <a:r>
+              <a:rPr lang="en-US" sz="2000" dirty="0">
+                <a:solidFill>
+                  <a:prstClr val="black"/>
+                </a:solidFill>
+                <a:latin typeface="Lucida Console" panose="020B0609040504020204" pitchFamily="49" charset="0"/>
+              </a:rPr>
+              <a:t>  (use "</a:t>
+            </a:r>
+            <a:r>
+              <a:rPr lang="en-US" sz="2000" dirty="0" err="1">
+                <a:solidFill>
+                  <a:prstClr val="black"/>
+                </a:solidFill>
+                <a:latin typeface="Lucida Console" panose="020B0609040504020204" pitchFamily="49" charset="0"/>
+              </a:rPr>
+              <a:t>git</a:t>
+            </a:r>
+            <a:r>
+              <a:rPr lang="en-US" sz="2000" dirty="0">
+                <a:solidFill>
+                  <a:prstClr val="black"/>
+                </a:solidFill>
+                <a:latin typeface="Lucida Console" panose="020B0609040504020204" pitchFamily="49" charset="0"/>
+              </a:rPr>
+              <a:t> checkout -- &lt;file&gt;..." to discard changes in working directory)</a:t>
+            </a:r>
+          </a:p>
+          <a:p>
+            <a:pPr marL="0" indent="0">
+              <a:buNone/>
+            </a:pPr>
+            <a:endParaRPr lang="en-US" sz="2000" dirty="0">
+              <a:solidFill>
+                <a:prstClr val="black"/>
+              </a:solidFill>
+              <a:latin typeface="Lucida Console" panose="020B0609040504020204" pitchFamily="49" charset="0"/>
+            </a:endParaRPr>
+          </a:p>
+          <a:p>
+            <a:pPr marL="0" indent="0">
+              <a:buNone/>
+            </a:pPr>
+            <a:r>
+              <a:rPr lang="en-US" sz="2000" dirty="0">
+                <a:solidFill>
+                  <a:prstClr val="black"/>
+                </a:solidFill>
+                <a:latin typeface="Lucida Console" panose="020B0609040504020204" pitchFamily="49" charset="0"/>
+              </a:rPr>
+              <a:t>        </a:t>
+            </a:r>
+            <a:r>
+              <a:rPr lang="en-US" sz="2000" dirty="0">
+                <a:solidFill>
+                  <a:srgbClr val="BF0000"/>
+                </a:solidFill>
+                <a:latin typeface="Lucida Console" panose="020B0609040504020204" pitchFamily="49" charset="0"/>
+              </a:rPr>
+              <a:t>modified:   latex/</a:t>
+            </a:r>
+            <a:r>
+              <a:rPr lang="en-US" sz="2000" dirty="0" err="1">
+                <a:solidFill>
+                  <a:srgbClr val="BF0000"/>
+                </a:solidFill>
+                <a:latin typeface="Lucida Console" panose="020B0609040504020204" pitchFamily="49" charset="0"/>
+              </a:rPr>
+              <a:t>Makefile</a:t>
+            </a:r>
+            <a:endParaRPr lang="en-US" sz="2000" dirty="0">
+              <a:solidFill>
+                <a:srgbClr val="BF0000"/>
+              </a:solidFill>
+              <a:latin typeface="Lucida Console" panose="020B0609040504020204" pitchFamily="49" charset="0"/>
+            </a:endParaRPr>
+          </a:p>
+          <a:p>
+            <a:pPr marL="0" indent="0">
+              <a:buNone/>
+            </a:pPr>
+            <a:endParaRPr lang="en-US" sz="2000" dirty="0">
+              <a:solidFill>
+                <a:srgbClr val="BF0000"/>
+              </a:solidFill>
+              <a:latin typeface="Lucida Console" panose="020B0609040504020204" pitchFamily="49" charset="0"/>
+            </a:endParaRPr>
+          </a:p>
+          <a:p>
+            <a:pPr marL="0" indent="0">
+              <a:buNone/>
+            </a:pPr>
+            <a:r>
+              <a:rPr lang="en-US" sz="2000" dirty="0">
+                <a:solidFill>
+                  <a:prstClr val="black"/>
+                </a:solidFill>
+                <a:latin typeface="Lucida Console" panose="020B0609040504020204" pitchFamily="49" charset="0"/>
+              </a:rPr>
+              <a:t>Untracked files:</a:t>
+            </a:r>
+          </a:p>
+          <a:p>
+            <a:pPr marL="0" indent="0">
+              <a:buNone/>
+            </a:pPr>
+            <a:r>
+              <a:rPr lang="en-US" sz="2000" dirty="0">
+                <a:solidFill>
+                  <a:prstClr val="black"/>
+                </a:solidFill>
+                <a:latin typeface="Lucida Console" panose="020B0609040504020204" pitchFamily="49" charset="0"/>
+              </a:rPr>
+              <a:t>  (use "</a:t>
+            </a:r>
+            <a:r>
+              <a:rPr lang="en-US" sz="2000" dirty="0" err="1">
+                <a:solidFill>
+                  <a:prstClr val="black"/>
+                </a:solidFill>
+                <a:latin typeface="Lucida Console" panose="020B0609040504020204" pitchFamily="49" charset="0"/>
+              </a:rPr>
+              <a:t>git</a:t>
+            </a:r>
+            <a:r>
+              <a:rPr lang="en-US" sz="2000" dirty="0">
+                <a:solidFill>
+                  <a:prstClr val="black"/>
+                </a:solidFill>
+                <a:latin typeface="Lucida Console" panose="020B0609040504020204" pitchFamily="49" charset="0"/>
+              </a:rPr>
+              <a:t> add &lt;file&gt;..." to include in what will be committed)</a:t>
+            </a:r>
+          </a:p>
+          <a:p>
+            <a:pPr marL="0" indent="0">
+              <a:buNone/>
+            </a:pPr>
+            <a:endParaRPr lang="en-US" sz="2000" dirty="0">
+              <a:solidFill>
+                <a:prstClr val="black"/>
+              </a:solidFill>
+              <a:latin typeface="Lucida Console" panose="020B0609040504020204" pitchFamily="49" charset="0"/>
+            </a:endParaRPr>
+          </a:p>
+          <a:p>
+            <a:pPr marL="0" indent="0">
+              <a:buNone/>
+            </a:pPr>
+            <a:r>
+              <a:rPr lang="en-US" sz="2000" dirty="0">
+                <a:solidFill>
+                  <a:prstClr val="black"/>
+                </a:solidFill>
+                <a:latin typeface="Lucida Console" panose="020B0609040504020204" pitchFamily="49" charset="0"/>
+              </a:rPr>
+              <a:t>        </a:t>
+            </a:r>
+            <a:r>
+              <a:rPr lang="en-US" sz="2000" dirty="0">
+                <a:solidFill>
+                  <a:srgbClr val="BF0000"/>
+                </a:solidFill>
+                <a:latin typeface="Lucida Console" panose="020B0609040504020204" pitchFamily="49" charset="0"/>
+              </a:rPr>
+              <a:t>License</a:t>
+            </a:r>
+          </a:p>
+          <a:p>
+            <a:pPr marL="0" indent="0">
+              <a:buNone/>
+            </a:pPr>
+            <a:r>
+              <a:rPr lang="en-US" sz="2000" dirty="0">
+                <a:solidFill>
+                  <a:prstClr val="black"/>
+                </a:solidFill>
+                <a:latin typeface="Lucida Console" panose="020B0609040504020204" pitchFamily="49" charset="0"/>
+              </a:rPr>
+              <a:t>        </a:t>
+            </a:r>
+            <a:r>
+              <a:rPr lang="en-US" sz="2000" dirty="0">
+                <a:solidFill>
+                  <a:srgbClr val="BF0000"/>
+                </a:solidFill>
+                <a:latin typeface="Lucida Console" panose="020B0609040504020204" pitchFamily="49" charset="0"/>
+              </a:rPr>
+              <a:t>book/</a:t>
+            </a:r>
+          </a:p>
+          <a:p>
+            <a:pPr marL="0" indent="0">
+              <a:buNone/>
+            </a:pPr>
+            <a:r>
+              <a:rPr lang="en-US" sz="2000" dirty="0">
+                <a:solidFill>
+                  <a:prstClr val="black"/>
+                </a:solidFill>
+                <a:latin typeface="Lucida Console" panose="020B0609040504020204" pitchFamily="49" charset="0"/>
+              </a:rPr>
+              <a:t>        </a:t>
+            </a:r>
+            <a:r>
+              <a:rPr lang="en-US" sz="2000" dirty="0">
+                <a:solidFill>
+                  <a:srgbClr val="BF0000"/>
+                </a:solidFill>
+                <a:latin typeface="Lucida Console" panose="020B0609040504020204" pitchFamily="49" charset="0"/>
+              </a:rPr>
+              <a:t>latex/</a:t>
+            </a:r>
+            <a:r>
+              <a:rPr lang="en-US" sz="2000" dirty="0" err="1">
+                <a:solidFill>
+                  <a:srgbClr val="BF0000"/>
+                </a:solidFill>
+                <a:latin typeface="Lucida Console" panose="020B0609040504020204" pitchFamily="49" charset="0"/>
+              </a:rPr>
+              <a:t>Makefile.advanced</a:t>
+            </a:r>
+            <a:endParaRPr lang="en-US" sz="2000" dirty="0">
+              <a:solidFill>
+                <a:srgbClr val="BF0000"/>
+              </a:solidFill>
+              <a:latin typeface="Lucida Console" panose="020B0609040504020204" pitchFamily="49" charset="0"/>
+            </a:endParaRPr>
+          </a:p>
+          <a:p>
+            <a:pPr marL="0" indent="0">
+              <a:buNone/>
+            </a:pPr>
+            <a:r>
+              <a:rPr lang="en-US" sz="2000" dirty="0" smtClean="0">
+                <a:solidFill>
+                  <a:srgbClr val="BF0000"/>
+                </a:solidFill>
+                <a:latin typeface="Lucida Console" panose="020B0609040504020204" pitchFamily="49" charset="0"/>
+              </a:rPr>
+              <a:t>latex/version_control_git.pdf</a:t>
+            </a:r>
+            <a:endParaRPr lang="en-US" sz="2000" dirty="0">
+              <a:solidFill>
+                <a:srgbClr val="BF0000"/>
+              </a:solidFill>
+              <a:latin typeface="Lucida Console" panose="020B0609040504020204" pitchFamily="49" charset="0"/>
+            </a:endParaRPr>
+          </a:p>
+          <a:p>
+            <a:pPr marL="0" indent="0">
+              <a:buNone/>
+            </a:pPr>
+            <a:r>
+              <a:rPr lang="en-US" sz="2000" dirty="0">
+                <a:solidFill>
+                  <a:prstClr val="black"/>
+                </a:solidFill>
+                <a:latin typeface="Lucida Console" panose="020B0609040504020204" pitchFamily="49" charset="0"/>
+              </a:rPr>
+              <a:t>        </a:t>
+            </a:r>
+            <a:r>
+              <a:rPr lang="en-US" sz="2000" dirty="0">
+                <a:solidFill>
+                  <a:srgbClr val="BF0000"/>
+                </a:solidFill>
+                <a:latin typeface="Lucida Console" panose="020B0609040504020204" pitchFamily="49" charset="0"/>
+              </a:rPr>
+              <a:t>refs/</a:t>
+            </a:r>
+          </a:p>
+        </p:txBody>
+      </p:sp>
+    </p:spTree>
+    <p:extLst>
+      <p:ext uri="{BB962C8B-B14F-4D97-AF65-F5344CB8AC3E}">
+        <p14:creationId xmlns:p14="http://schemas.microsoft.com/office/powerpoint/2010/main" val="4032758559"/>
+      </p:ext>
+    </p:extLst>
+  </p:cSld>
+  <p:clrMapOvr>
+    <a:masterClrMapping/>
+  </p:clrMapOvr>
+  <p:timing>
+    <p:tnLst>
+      <p:par>
+        <p:cTn id="1" dur="indefinite" restart="never" nodeType="tmRoot"/>
+      </p:par>
+    </p:tnLst>
+  </p:timing>
+</p:sld>
+</file>
+
+<file path=ppt/slides/slide21.xml><?xml version="1.0" encoding="utf-8"?>
 <p:sld xmlns:a="http://schemas.openxmlformats.org/drawingml/2006/main" xmlns:r="http://schemas.openxmlformats.org/officeDocument/2006/relationships" xmlns:p="http://schemas.openxmlformats.org/presentationml/2006/main">
   <p:cSld>
     <p:spTree>
@@ -8093,7 +11694,15 @@
           <a:bodyPr/>
           <a:lstStyle/>
           <a:p>
-            <a:endParaRPr lang="en-US"/>
+            <a:r>
+              <a:rPr lang="en-US" dirty="0" err="1" smtClean="0"/>
+              <a:t>Git</a:t>
+            </a:r>
+            <a:r>
+              <a:rPr lang="en-US" dirty="0" smtClean="0"/>
+              <a:t> diff</a:t>
+            </a:r>
+            <a:endParaRPr lang="en-US" dirty="0"/>
           </a:p>
         </p:txBody>
       </p:sp>
@@ -8121,21 +11730,5053 @@
         </p:blipFill>
         <p:spPr>
           <a:xfrm>
-            <a:off x="685800" y="1782762"/>
-            <a:ext cx="7620000" cy="4200525"/>
+            <a:off x="685800" y="2311400"/>
+            <a:ext cx="7620000" cy="3143250"/>
+          </a:xfrm>
+        </p:spPr>
+      </p:pic>
+      <p:sp>
+        <p:nvSpPr>
+          <p:cNvPr id="3" name="Tekstfelt 2"/>
+          <p:cNvSpPr txBox="1"/>
+          <p:nvPr/>
+        </p:nvSpPr>
+        <p:spPr>
+          <a:xfrm>
+            <a:off x="5671775" y="4345742"/>
+            <a:ext cx="849913" cy="338554"/>
+          </a:xfrm>
+          <a:prstGeom prst="rect">
+            <a:avLst/>
+          </a:prstGeom>
+          <a:noFill/>
+        </p:spPr>
+        <p:txBody>
+          <a:bodyPr wrap="none" rtlCol="0">
+            <a:spAutoFit/>
+          </a:bodyPr>
+          <a:lstStyle/>
+          <a:p>
+            <a:r>
+              <a:rPr lang="en-US" dirty="0" err="1"/>
+              <a:t>g</a:t>
+            </a:r>
+            <a:r>
+              <a:rPr lang="en-US" dirty="0" err="1" smtClean="0"/>
+              <a:t>it</a:t>
+            </a:r>
+            <a:r>
+              <a:rPr lang="en-US" dirty="0" smtClean="0"/>
+              <a:t> diff</a:t>
+            </a:r>
+            <a:endParaRPr lang="en-US" dirty="0"/>
+          </a:p>
+        </p:txBody>
+      </p:sp>
+      <p:sp>
+        <p:nvSpPr>
+          <p:cNvPr id="5" name="Tekstfelt 4"/>
+          <p:cNvSpPr txBox="1"/>
+          <p:nvPr/>
+        </p:nvSpPr>
+        <p:spPr>
+          <a:xfrm>
+            <a:off x="4724400" y="5285373"/>
+            <a:ext cx="1797287" cy="338554"/>
+          </a:xfrm>
+          <a:prstGeom prst="rect">
+            <a:avLst/>
+          </a:prstGeom>
+          <a:noFill/>
+        </p:spPr>
+        <p:txBody>
+          <a:bodyPr wrap="none" rtlCol="0">
+            <a:spAutoFit/>
+          </a:bodyPr>
+          <a:lstStyle/>
+          <a:p>
+            <a:r>
+              <a:rPr lang="en-US" dirty="0" err="1" smtClean="0"/>
+              <a:t>git</a:t>
+            </a:r>
+            <a:r>
+              <a:rPr lang="en-US" dirty="0" smtClean="0"/>
+              <a:t> diff --staged</a:t>
+            </a:r>
+            <a:endParaRPr lang="en-US" dirty="0"/>
+          </a:p>
+        </p:txBody>
+      </p:sp>
+      <p:sp>
+        <p:nvSpPr>
+          <p:cNvPr id="6" name="Tekstfelt 5"/>
+          <p:cNvSpPr txBox="1"/>
+          <p:nvPr/>
+        </p:nvSpPr>
+        <p:spPr>
+          <a:xfrm>
+            <a:off x="3477934" y="4022396"/>
+            <a:ext cx="1425390" cy="338554"/>
+          </a:xfrm>
+          <a:prstGeom prst="rect">
+            <a:avLst/>
+          </a:prstGeom>
+          <a:noFill/>
+        </p:spPr>
+        <p:txBody>
+          <a:bodyPr wrap="none" rtlCol="0">
+            <a:spAutoFit/>
+          </a:bodyPr>
+          <a:lstStyle/>
+          <a:p>
+            <a:r>
+              <a:rPr lang="en-US" dirty="0" err="1" smtClean="0"/>
+              <a:t>git</a:t>
+            </a:r>
+            <a:r>
+              <a:rPr lang="en-US" dirty="0" smtClean="0"/>
+              <a:t> diff head</a:t>
+            </a:r>
+            <a:endParaRPr lang="en-US" dirty="0"/>
+          </a:p>
+        </p:txBody>
+      </p:sp>
+    </p:spTree>
+    <p:extLst>
+      <p:ext uri="{BB962C8B-B14F-4D97-AF65-F5344CB8AC3E}">
+        <p14:creationId xmlns:p14="http://schemas.microsoft.com/office/powerpoint/2010/main" val="1849992014"/>
+      </p:ext>
+    </p:extLst>
+  </p:cSld>
+  <p:clrMapOvr>
+    <a:masterClrMapping/>
+  </p:clrMapOvr>
+  <p:timing>
+    <p:tnLst>
+      <p:par>
+        <p:cTn id="1" dur="indefinite" restart="never" nodeType="tmRoot"/>
+      </p:par>
+    </p:tnLst>
+  </p:timing>
+</p:sld>
+</file>
+
+<file path=ppt/slides/slide22.xml><?xml version="1.0" encoding="utf-8"?>
+<p:sld xmlns:a="http://schemas.openxmlformats.org/drawingml/2006/main" xmlns:r="http://schemas.openxmlformats.org/officeDocument/2006/relationships" xmlns:p="http://schemas.openxmlformats.org/presentationml/2006/main">
+  <p:cSld>
+    <p:spTree>
+      <p:nvGrpSpPr>
+        <p:cNvPr id="1" name=""/>
+        <p:cNvGrpSpPr/>
+        <p:nvPr/>
+      </p:nvGrpSpPr>
+      <p:grpSpPr>
+        <a:xfrm>
+          <a:off x="0" y="0"/>
+          <a:ext cx="0" cy="0"/>
+          <a:chOff x="0" y="0"/>
+          <a:chExt cx="0" cy="0"/>
+        </a:xfrm>
+      </p:grpSpPr>
+      <p:sp>
+        <p:nvSpPr>
+          <p:cNvPr id="2" name="Titel 1"/>
+          <p:cNvSpPr>
+            <a:spLocks noGrp="1"/>
+          </p:cNvSpPr>
+          <p:nvPr>
+            <p:ph type="title"/>
+          </p:nvPr>
+        </p:nvSpPr>
+        <p:spPr/>
+        <p:txBody>
+          <a:bodyPr/>
+          <a:lstStyle/>
+          <a:p>
+            <a:r>
+              <a:rPr lang="en-US" dirty="0" err="1" smtClean="0"/>
+              <a:t>Git</a:t>
+            </a:r>
+            <a:r>
+              <a:rPr lang="en-US" dirty="0" smtClean="0"/>
+              <a:t> </a:t>
+            </a:r>
+            <a:r>
+              <a:rPr lang="en-US" dirty="0" err="1" smtClean="0"/>
+              <a:t>rm</a:t>
+            </a:r>
+            <a:endParaRPr lang="en-US" dirty="0"/>
+          </a:p>
+        </p:txBody>
+      </p:sp>
+      <p:sp>
+        <p:nvSpPr>
+          <p:cNvPr id="6" name="Pladsholder til indhold 2"/>
+          <p:cNvSpPr>
+            <a:spLocks noGrp="1"/>
+          </p:cNvSpPr>
+          <p:nvPr>
+            <p:ph idx="1"/>
+          </p:nvPr>
+        </p:nvSpPr>
+        <p:spPr>
+          <a:solidFill>
+            <a:srgbClr val="E6E6E6"/>
+          </a:solidFill>
+        </p:spPr>
+        <p:txBody>
+          <a:bodyPr>
+            <a:normAutofit lnSpcReduction="10000"/>
+          </a:bodyPr>
+          <a:lstStyle/>
+          <a:p>
+            <a:pPr marL="0" indent="0">
+              <a:buNone/>
+            </a:pPr>
+            <a:r>
+              <a:rPr lang="en-US" sz="2000" dirty="0" smtClean="0">
+                <a:solidFill>
+                  <a:prstClr val="black"/>
+                </a:solidFill>
+                <a:latin typeface="Lucida Console" panose="020B0609040504020204" pitchFamily="49" charset="0"/>
+              </a:rPr>
+              <a:t>Removing files are done with</a:t>
+            </a:r>
+          </a:p>
+          <a:p>
+            <a:pPr marL="0" indent="0">
+              <a:buNone/>
+            </a:pPr>
+            <a:r>
+              <a:rPr lang="en-US" sz="2000" b="1" dirty="0" smtClean="0">
+                <a:solidFill>
+                  <a:srgbClr val="008A3E"/>
+                </a:solidFill>
+                <a:latin typeface="Lucida Console" panose="020B0609040504020204" pitchFamily="49" charset="0"/>
+              </a:rPr>
+              <a:t>$ </a:t>
+            </a:r>
+            <a:r>
+              <a:rPr lang="en-US" sz="2000" dirty="0" err="1">
+                <a:solidFill>
+                  <a:prstClr val="black"/>
+                </a:solidFill>
+                <a:latin typeface="Lucida Console" panose="020B0609040504020204" pitchFamily="49" charset="0"/>
+              </a:rPr>
+              <a:t>git</a:t>
+            </a:r>
+            <a:r>
+              <a:rPr lang="en-US" sz="2000" dirty="0">
+                <a:solidFill>
+                  <a:prstClr val="black"/>
+                </a:solidFill>
+                <a:latin typeface="Lucida Console" panose="020B0609040504020204" pitchFamily="49" charset="0"/>
+              </a:rPr>
+              <a:t> </a:t>
+            </a:r>
+            <a:r>
+              <a:rPr lang="en-US" sz="2000" dirty="0" err="1" smtClean="0">
+                <a:solidFill>
+                  <a:prstClr val="black"/>
+                </a:solidFill>
+                <a:latin typeface="Lucida Console" panose="020B0609040504020204" pitchFamily="49" charset="0"/>
+              </a:rPr>
+              <a:t>rm</a:t>
+            </a:r>
+            <a:r>
+              <a:rPr lang="en-US" sz="2000" dirty="0" smtClean="0">
+                <a:solidFill>
+                  <a:prstClr val="black"/>
+                </a:solidFill>
+                <a:latin typeface="Lucida Console" panose="020B0609040504020204" pitchFamily="49" charset="0"/>
+              </a:rPr>
+              <a:t> License</a:t>
+            </a:r>
+          </a:p>
+          <a:p>
+            <a:pPr marL="0" indent="0">
+              <a:buNone/>
+            </a:pPr>
+            <a:r>
+              <a:rPr lang="en-US" sz="2000" dirty="0" err="1" smtClean="0">
+                <a:solidFill>
+                  <a:prstClr val="black"/>
+                </a:solidFill>
+                <a:latin typeface="Lucida Console" panose="020B0609040504020204" pitchFamily="49" charset="0"/>
+              </a:rPr>
+              <a:t>rm</a:t>
+            </a:r>
+            <a:r>
+              <a:rPr lang="en-US" sz="2000" dirty="0" smtClean="0">
+                <a:solidFill>
+                  <a:prstClr val="black"/>
+                </a:solidFill>
+                <a:latin typeface="Lucida Console" panose="020B0609040504020204" pitchFamily="49" charset="0"/>
+              </a:rPr>
+              <a:t> ‘License’</a:t>
+            </a:r>
+          </a:p>
+          <a:p>
+            <a:pPr marL="0" indent="0">
+              <a:buNone/>
+            </a:pPr>
+            <a:endParaRPr lang="en-US" sz="2000" dirty="0">
+              <a:solidFill>
+                <a:prstClr val="black"/>
+              </a:solidFill>
+              <a:latin typeface="Lucida Console" panose="020B0609040504020204" pitchFamily="49" charset="0"/>
+            </a:endParaRPr>
+          </a:p>
+          <a:p>
+            <a:pPr marL="0" indent="0">
+              <a:buNone/>
+            </a:pPr>
+            <a:r>
+              <a:rPr lang="en-US" sz="2000" dirty="0">
+                <a:solidFill>
+                  <a:prstClr val="black"/>
+                </a:solidFill>
+                <a:latin typeface="Lucida Console" panose="020B0609040504020204" pitchFamily="49" charset="0"/>
+              </a:rPr>
+              <a:t>$ </a:t>
+            </a:r>
+            <a:r>
+              <a:rPr lang="en-US" sz="2000" dirty="0" err="1">
+                <a:solidFill>
+                  <a:prstClr val="black"/>
+                </a:solidFill>
+                <a:latin typeface="Lucida Console" panose="020B0609040504020204" pitchFamily="49" charset="0"/>
+              </a:rPr>
+              <a:t>git</a:t>
+            </a:r>
+            <a:r>
+              <a:rPr lang="en-US" sz="2000" dirty="0">
+                <a:solidFill>
+                  <a:prstClr val="black"/>
+                </a:solidFill>
+                <a:latin typeface="Lucida Console" panose="020B0609040504020204" pitchFamily="49" charset="0"/>
+              </a:rPr>
+              <a:t> status</a:t>
+            </a:r>
+          </a:p>
+          <a:p>
+            <a:pPr marL="0" indent="0">
+              <a:buNone/>
+            </a:pPr>
+            <a:r>
+              <a:rPr lang="en-US" sz="2000" dirty="0">
+                <a:solidFill>
+                  <a:prstClr val="black"/>
+                </a:solidFill>
+                <a:latin typeface="Lucida Console" panose="020B0609040504020204" pitchFamily="49" charset="0"/>
+              </a:rPr>
+              <a:t>On branch master</a:t>
+            </a:r>
+          </a:p>
+          <a:p>
+            <a:pPr marL="0" indent="0">
+              <a:buNone/>
+            </a:pPr>
+            <a:r>
+              <a:rPr lang="en-US" sz="2000" dirty="0">
+                <a:solidFill>
+                  <a:prstClr val="black"/>
+                </a:solidFill>
+                <a:latin typeface="Lucida Console" panose="020B0609040504020204" pitchFamily="49" charset="0"/>
+              </a:rPr>
+              <a:t>Changes to be committed:</a:t>
+            </a:r>
+          </a:p>
+          <a:p>
+            <a:pPr marL="0" indent="0">
+              <a:buNone/>
+            </a:pPr>
+            <a:r>
+              <a:rPr lang="en-US" sz="2000" dirty="0">
+                <a:solidFill>
+                  <a:prstClr val="black"/>
+                </a:solidFill>
+                <a:latin typeface="Lucida Console" panose="020B0609040504020204" pitchFamily="49" charset="0"/>
+              </a:rPr>
+              <a:t>  (use "</a:t>
+            </a:r>
+            <a:r>
+              <a:rPr lang="en-US" sz="2000" dirty="0" err="1">
+                <a:solidFill>
+                  <a:prstClr val="black"/>
+                </a:solidFill>
+                <a:latin typeface="Lucida Console" panose="020B0609040504020204" pitchFamily="49" charset="0"/>
+              </a:rPr>
+              <a:t>git</a:t>
+            </a:r>
+            <a:r>
+              <a:rPr lang="en-US" sz="2000" dirty="0">
+                <a:solidFill>
+                  <a:prstClr val="black"/>
+                </a:solidFill>
+                <a:latin typeface="Lucida Console" panose="020B0609040504020204" pitchFamily="49" charset="0"/>
+              </a:rPr>
+              <a:t> reset HEAD &lt;file&gt;..." to </a:t>
+            </a:r>
+            <a:r>
+              <a:rPr lang="en-US" sz="2000" dirty="0" err="1">
+                <a:solidFill>
+                  <a:prstClr val="black"/>
+                </a:solidFill>
+                <a:latin typeface="Lucida Console" panose="020B0609040504020204" pitchFamily="49" charset="0"/>
+              </a:rPr>
+              <a:t>unstage</a:t>
+            </a:r>
+            <a:r>
+              <a:rPr lang="en-US" sz="2000" dirty="0">
+                <a:solidFill>
+                  <a:prstClr val="black"/>
+                </a:solidFill>
+                <a:latin typeface="Lucida Console" panose="020B0609040504020204" pitchFamily="49" charset="0"/>
+              </a:rPr>
+              <a:t>)</a:t>
+            </a:r>
+          </a:p>
+          <a:p>
+            <a:pPr marL="0" indent="0">
+              <a:buNone/>
+            </a:pPr>
+            <a:endParaRPr lang="en-US" sz="2000" dirty="0">
+              <a:solidFill>
+                <a:prstClr val="black"/>
+              </a:solidFill>
+              <a:latin typeface="Lucida Console" panose="020B0609040504020204" pitchFamily="49" charset="0"/>
+            </a:endParaRPr>
+          </a:p>
+          <a:p>
+            <a:pPr marL="0" indent="0">
+              <a:buNone/>
+            </a:pPr>
+            <a:r>
+              <a:rPr lang="en-US" sz="2000" dirty="0">
+                <a:solidFill>
+                  <a:prstClr val="black"/>
+                </a:solidFill>
+                <a:latin typeface="Lucida Console" panose="020B0609040504020204" pitchFamily="49" charset="0"/>
+              </a:rPr>
+              <a:t>        </a:t>
+            </a:r>
+            <a:r>
+              <a:rPr lang="en-US" sz="2000" dirty="0">
+                <a:solidFill>
+                  <a:srgbClr val="00BF00"/>
+                </a:solidFill>
+                <a:latin typeface="Lucida Console" panose="020B0609040504020204" pitchFamily="49" charset="0"/>
+              </a:rPr>
+              <a:t>deleted:    License</a:t>
+            </a:r>
+          </a:p>
+          <a:p>
+            <a:pPr marL="0" indent="0">
+              <a:buNone/>
+            </a:pPr>
+            <a:endParaRPr lang="en-US" sz="2000" dirty="0">
+              <a:solidFill>
+                <a:srgbClr val="00BF00"/>
+              </a:solidFill>
+              <a:latin typeface="Lucida Console" panose="020B0609040504020204" pitchFamily="49" charset="0"/>
+            </a:endParaRPr>
+          </a:p>
+          <a:p>
+            <a:pPr marL="0" indent="0">
+              <a:buNone/>
+            </a:pPr>
+            <a:r>
+              <a:rPr lang="en-US" sz="2000" dirty="0">
+                <a:solidFill>
+                  <a:prstClr val="black"/>
+                </a:solidFill>
+                <a:latin typeface="Lucida Console" panose="020B0609040504020204" pitchFamily="49" charset="0"/>
+              </a:rPr>
+              <a:t>Changes not staged for commit:</a:t>
+            </a:r>
+          </a:p>
+          <a:p>
+            <a:pPr marL="0" indent="0">
+              <a:buNone/>
+            </a:pPr>
+            <a:r>
+              <a:rPr lang="en-US" sz="2000" dirty="0" smtClean="0">
+                <a:solidFill>
+                  <a:prstClr val="black"/>
+                </a:solidFill>
+                <a:latin typeface="Lucida Console" panose="020B0609040504020204" pitchFamily="49" charset="0"/>
+              </a:rPr>
+              <a:t>…</a:t>
+            </a:r>
+            <a:endParaRPr lang="en-US" sz="2000" dirty="0"/>
+          </a:p>
+        </p:txBody>
+      </p:sp>
+    </p:spTree>
+    <p:extLst>
+      <p:ext uri="{BB962C8B-B14F-4D97-AF65-F5344CB8AC3E}">
+        <p14:creationId xmlns:p14="http://schemas.microsoft.com/office/powerpoint/2010/main" val="493370533"/>
+      </p:ext>
+    </p:extLst>
+  </p:cSld>
+  <p:clrMapOvr>
+    <a:masterClrMapping/>
+  </p:clrMapOvr>
+  <p:timing>
+    <p:tnLst>
+      <p:par>
+        <p:cTn id="1" dur="indefinite" restart="never" nodeType="tmRoot"/>
+      </p:par>
+    </p:tnLst>
+  </p:timing>
+</p:sld>
+</file>
+
+<file path=ppt/slides/slide23.xml><?xml version="1.0" encoding="utf-8"?>
+<p:sld xmlns:a="http://schemas.openxmlformats.org/drawingml/2006/main" xmlns:r="http://schemas.openxmlformats.org/officeDocument/2006/relationships" xmlns:p="http://schemas.openxmlformats.org/presentationml/2006/main">
+  <p:cSld>
+    <p:spTree>
+      <p:nvGrpSpPr>
+        <p:cNvPr id="1" name=""/>
+        <p:cNvGrpSpPr/>
+        <p:nvPr/>
+      </p:nvGrpSpPr>
+      <p:grpSpPr>
+        <a:xfrm>
+          <a:off x="0" y="0"/>
+          <a:ext cx="0" cy="0"/>
+          <a:chOff x="0" y="0"/>
+          <a:chExt cx="0" cy="0"/>
+        </a:xfrm>
+      </p:grpSpPr>
+      <p:sp>
+        <p:nvSpPr>
+          <p:cNvPr id="2" name="Titel 1"/>
+          <p:cNvSpPr>
+            <a:spLocks noGrp="1"/>
+          </p:cNvSpPr>
+          <p:nvPr>
+            <p:ph type="title"/>
+          </p:nvPr>
+        </p:nvSpPr>
+        <p:spPr/>
+        <p:txBody>
+          <a:bodyPr/>
+          <a:lstStyle/>
+          <a:p>
+            <a:r>
+              <a:rPr lang="en-US" dirty="0" err="1" smtClean="0"/>
+              <a:t>Git</a:t>
+            </a:r>
+            <a:r>
+              <a:rPr lang="en-US" dirty="0" smtClean="0"/>
+              <a:t> log</a:t>
+            </a:r>
+            <a:endParaRPr lang="en-US" dirty="0"/>
+          </a:p>
+        </p:txBody>
+      </p:sp>
+      <p:sp>
+        <p:nvSpPr>
+          <p:cNvPr id="6" name="Pladsholder til indhold 2"/>
+          <p:cNvSpPr>
+            <a:spLocks noGrp="1"/>
+          </p:cNvSpPr>
+          <p:nvPr>
+            <p:ph idx="1"/>
+          </p:nvPr>
+        </p:nvSpPr>
+        <p:spPr>
+          <a:solidFill>
+            <a:srgbClr val="E6E6E6"/>
+          </a:solidFill>
+        </p:spPr>
+        <p:txBody>
+          <a:bodyPr>
+            <a:normAutofit fontScale="92500" lnSpcReduction="20000"/>
+          </a:bodyPr>
+          <a:lstStyle/>
+          <a:p>
+            <a:pPr marL="0" indent="0">
+              <a:buNone/>
+            </a:pPr>
+            <a:r>
+              <a:rPr lang="en-US" sz="2000" dirty="0" smtClean="0">
+                <a:latin typeface="Lucida Console" panose="020B0609040504020204" pitchFamily="49" charset="0"/>
+              </a:rPr>
+              <a:t>To see commit history use</a:t>
+            </a:r>
+            <a:endParaRPr lang="en-US" sz="2000" dirty="0" smtClean="0">
+              <a:latin typeface="Lucida Console" panose="020B0609040504020204" pitchFamily="49" charset="0"/>
+            </a:endParaRPr>
+          </a:p>
+          <a:p>
+            <a:pPr marL="0" indent="0">
+              <a:buNone/>
+            </a:pPr>
+            <a:r>
+              <a:rPr lang="en-US" sz="2000" b="1" dirty="0">
+                <a:solidFill>
+                  <a:srgbClr val="008A3E"/>
+                </a:solidFill>
+                <a:latin typeface="Lucida Console" panose="020B0609040504020204" pitchFamily="49" charset="0"/>
+              </a:rPr>
+              <a:t>$ </a:t>
+            </a:r>
+            <a:r>
+              <a:rPr lang="en-US" sz="2000" dirty="0" err="1" smtClean="0">
+                <a:solidFill>
+                  <a:prstClr val="black"/>
+                </a:solidFill>
+                <a:latin typeface="Lucida Console" panose="020B0609040504020204" pitchFamily="49" charset="0"/>
+              </a:rPr>
+              <a:t>git</a:t>
+            </a:r>
+            <a:r>
+              <a:rPr lang="en-US" sz="2000" dirty="0" smtClean="0">
+                <a:solidFill>
+                  <a:prstClr val="black"/>
+                </a:solidFill>
+                <a:latin typeface="Lucida Console" panose="020B0609040504020204" pitchFamily="49" charset="0"/>
+              </a:rPr>
+              <a:t> </a:t>
+            </a:r>
+            <a:r>
+              <a:rPr lang="en-US" sz="2000" dirty="0">
+                <a:solidFill>
+                  <a:prstClr val="black"/>
+                </a:solidFill>
+                <a:latin typeface="Lucida Console" panose="020B0609040504020204" pitchFamily="49" charset="0"/>
+              </a:rPr>
+              <a:t>log --stat -1</a:t>
+            </a:r>
+          </a:p>
+          <a:p>
+            <a:pPr marL="0" indent="0">
+              <a:buNone/>
+            </a:pPr>
+            <a:r>
+              <a:rPr lang="en-US" sz="2000" dirty="0">
+                <a:solidFill>
+                  <a:srgbClr val="BFBF00"/>
+                </a:solidFill>
+                <a:latin typeface="Lucida Console" panose="020B0609040504020204" pitchFamily="49" charset="0"/>
+              </a:rPr>
+              <a:t>commit 5e99b7da063e9ed615c503384d852a1a281b822a</a:t>
+            </a:r>
+          </a:p>
+          <a:p>
+            <a:pPr marL="0" indent="0">
+              <a:buNone/>
+            </a:pPr>
+            <a:r>
+              <a:rPr lang="en-US" sz="2000" dirty="0">
+                <a:solidFill>
+                  <a:prstClr val="black"/>
+                </a:solidFill>
+                <a:latin typeface="Lucida Console" panose="020B0609040504020204" pitchFamily="49" charset="0"/>
+              </a:rPr>
+              <a:t>Author: Tommy S. Alstrøm &lt;tsal@dtu.dk&gt;</a:t>
+            </a:r>
+          </a:p>
+          <a:p>
+            <a:pPr marL="0" indent="0">
+              <a:buNone/>
+            </a:pPr>
+            <a:r>
+              <a:rPr lang="en-US" sz="2000" dirty="0">
+                <a:solidFill>
+                  <a:prstClr val="black"/>
+                </a:solidFill>
+                <a:latin typeface="Lucida Console" panose="020B0609040504020204" pitchFamily="49" charset="0"/>
+              </a:rPr>
+              <a:t>Date:   Sun Nov 15 14:57:51 2015 +0100</a:t>
+            </a:r>
+          </a:p>
+          <a:p>
+            <a:pPr marL="0" indent="0">
+              <a:buNone/>
+            </a:pPr>
+            <a:endParaRPr lang="en-US" sz="2000" dirty="0">
+              <a:solidFill>
+                <a:prstClr val="black"/>
+              </a:solidFill>
+              <a:latin typeface="Lucida Console" panose="020B0609040504020204" pitchFamily="49" charset="0"/>
+            </a:endParaRPr>
+          </a:p>
+          <a:p>
+            <a:pPr marL="0" indent="0">
+              <a:buNone/>
+            </a:pPr>
+            <a:r>
+              <a:rPr lang="en-US" sz="2000" dirty="0">
+                <a:solidFill>
+                  <a:prstClr val="black"/>
+                </a:solidFill>
+                <a:latin typeface="Lucida Console" panose="020B0609040504020204" pitchFamily="49" charset="0"/>
+              </a:rPr>
+              <a:t>    Updated content of the latex file so this is no longer in bullet form.</a:t>
+            </a:r>
+          </a:p>
+          <a:p>
+            <a:pPr marL="0" indent="0">
+              <a:buNone/>
+            </a:pPr>
+            <a:endParaRPr lang="en-US" sz="2000" dirty="0">
+              <a:solidFill>
+                <a:prstClr val="black"/>
+              </a:solidFill>
+              <a:latin typeface="Lucida Console" panose="020B0609040504020204" pitchFamily="49" charset="0"/>
+            </a:endParaRPr>
+          </a:p>
+          <a:p>
+            <a:pPr marL="0" indent="0">
+              <a:buNone/>
+            </a:pPr>
+            <a:r>
+              <a:rPr lang="en-US" sz="2000" dirty="0">
+                <a:solidFill>
+                  <a:prstClr val="black"/>
+                </a:solidFill>
+                <a:latin typeface="Lucida Console" panose="020B0609040504020204" pitchFamily="49" charset="0"/>
+              </a:rPr>
+              <a:t> latex/</a:t>
+            </a:r>
+            <a:r>
+              <a:rPr lang="en-US" sz="2000" dirty="0" err="1">
+                <a:solidFill>
+                  <a:prstClr val="black"/>
+                </a:solidFill>
+                <a:latin typeface="Lucida Console" panose="020B0609040504020204" pitchFamily="49" charset="0"/>
+              </a:rPr>
+              <a:t>version_control_git.tex</a:t>
+            </a:r>
+            <a:r>
+              <a:rPr lang="en-US" sz="2000" dirty="0">
+                <a:solidFill>
+                  <a:prstClr val="black"/>
+                </a:solidFill>
+                <a:latin typeface="Lucida Console" panose="020B0609040504020204" pitchFamily="49" charset="0"/>
+              </a:rPr>
+              <a:t> | 143 </a:t>
+            </a:r>
+            <a:r>
+              <a:rPr lang="en-US" sz="2000" dirty="0">
+                <a:solidFill>
+                  <a:srgbClr val="00BF00"/>
+                </a:solidFill>
+                <a:latin typeface="Lucida Console" panose="020B0609040504020204" pitchFamily="49" charset="0"/>
+              </a:rPr>
+              <a:t>++++++++++++++++++++++++++++</a:t>
+            </a:r>
+            <a:r>
+              <a:rPr lang="en-US" sz="2000" dirty="0">
+                <a:solidFill>
+                  <a:srgbClr val="BF0000"/>
+                </a:solidFill>
+                <a:latin typeface="Lucida Console" panose="020B0609040504020204" pitchFamily="49" charset="0"/>
+              </a:rPr>
+              <a:t>--------------</a:t>
+            </a:r>
+          </a:p>
+          <a:p>
+            <a:pPr marL="0" indent="0">
+              <a:buNone/>
+            </a:pPr>
+            <a:r>
+              <a:rPr lang="en-US" sz="2000" dirty="0">
+                <a:solidFill>
+                  <a:prstClr val="black"/>
+                </a:solidFill>
+                <a:latin typeface="Lucida Console" panose="020B0609040504020204" pitchFamily="49" charset="0"/>
+              </a:rPr>
+              <a:t> 1 file changed, 95 insertions(+), 48 deletions(-)</a:t>
+            </a:r>
+          </a:p>
+          <a:p>
+            <a:pPr marL="0" indent="0">
+              <a:buNone/>
+            </a:pPr>
+            <a:endParaRPr lang="en-US" sz="2000" dirty="0">
+              <a:solidFill>
+                <a:prstClr val="black"/>
+              </a:solidFill>
+              <a:latin typeface="Lucida Console" panose="020B0609040504020204" pitchFamily="49" charset="0"/>
+            </a:endParaRPr>
+          </a:p>
+          <a:p>
+            <a:pPr marL="0" indent="0">
+              <a:buNone/>
+            </a:pPr>
+            <a:r>
+              <a:rPr lang="en-US" sz="2000" dirty="0" smtClean="0">
+                <a:solidFill>
+                  <a:prstClr val="black"/>
+                </a:solidFill>
+                <a:latin typeface="Lucida Console" panose="020B0609040504020204" pitchFamily="49" charset="0"/>
+              </a:rPr>
+              <a:t>Or launch the visual tool</a:t>
+            </a:r>
+          </a:p>
+          <a:p>
+            <a:pPr marL="0" indent="0">
+              <a:buNone/>
+            </a:pPr>
+            <a:r>
+              <a:rPr lang="en-US" sz="2000" b="1" dirty="0">
+                <a:solidFill>
+                  <a:srgbClr val="008A3E"/>
+                </a:solidFill>
+                <a:latin typeface="Lucida Console" panose="020B0609040504020204" pitchFamily="49" charset="0"/>
+              </a:rPr>
+              <a:t>$ </a:t>
+            </a:r>
+            <a:r>
+              <a:rPr lang="en-US" sz="2000" dirty="0" err="1">
+                <a:solidFill>
+                  <a:prstClr val="black"/>
+                </a:solidFill>
+                <a:latin typeface="Lucida Console" panose="020B0609040504020204" pitchFamily="49" charset="0"/>
+              </a:rPr>
+              <a:t>gitk</a:t>
+            </a:r>
+            <a:r>
+              <a:rPr lang="en-US" sz="2000" dirty="0">
+                <a:solidFill>
+                  <a:prstClr val="black"/>
+                </a:solidFill>
+                <a:latin typeface="Lucida Console" panose="020B0609040504020204" pitchFamily="49" charset="0"/>
+              </a:rPr>
+              <a:t> &amp;</a:t>
+            </a:r>
+          </a:p>
+          <a:p>
+            <a:pPr marL="0" indent="0">
+              <a:buNone/>
+            </a:pPr>
+            <a:endParaRPr lang="en-US" sz="2000" dirty="0">
+              <a:solidFill>
+                <a:prstClr val="black"/>
+              </a:solidFill>
+              <a:latin typeface="Lucida Console" panose="020B0609040504020204" pitchFamily="49" charset="0"/>
+            </a:endParaRPr>
+          </a:p>
+        </p:txBody>
+      </p:sp>
+    </p:spTree>
+    <p:extLst>
+      <p:ext uri="{BB962C8B-B14F-4D97-AF65-F5344CB8AC3E}">
+        <p14:creationId xmlns:p14="http://schemas.microsoft.com/office/powerpoint/2010/main" val="716638804"/>
+      </p:ext>
+    </p:extLst>
+  </p:cSld>
+  <p:clrMapOvr>
+    <a:masterClrMapping/>
+  </p:clrMapOvr>
+  <p:timing>
+    <p:tnLst>
+      <p:par>
+        <p:cTn id="1" dur="indefinite" restart="never" nodeType="tmRoot"/>
+      </p:par>
+    </p:tnLst>
+  </p:timing>
+</p:sld>
+</file>
+
+<file path=ppt/slides/slide24.xml><?xml version="1.0" encoding="utf-8"?>
+<p:sld xmlns:a="http://schemas.openxmlformats.org/drawingml/2006/main" xmlns:r="http://schemas.openxmlformats.org/officeDocument/2006/relationships" xmlns:p="http://schemas.openxmlformats.org/presentationml/2006/main">
+  <p:cSld>
+    <p:spTree>
+      <p:nvGrpSpPr>
+        <p:cNvPr id="1" name=""/>
+        <p:cNvGrpSpPr/>
+        <p:nvPr/>
+      </p:nvGrpSpPr>
+      <p:grpSpPr>
+        <a:xfrm>
+          <a:off x="0" y="0"/>
+          <a:ext cx="0" cy="0"/>
+          <a:chOff x="0" y="0"/>
+          <a:chExt cx="0" cy="0"/>
+        </a:xfrm>
+      </p:grpSpPr>
+      <p:sp>
+        <p:nvSpPr>
+          <p:cNvPr id="2" name="Titel 1"/>
+          <p:cNvSpPr>
+            <a:spLocks noGrp="1"/>
+          </p:cNvSpPr>
+          <p:nvPr>
+            <p:ph type="title"/>
+          </p:nvPr>
+        </p:nvSpPr>
+        <p:spPr/>
+        <p:txBody>
+          <a:bodyPr/>
+          <a:lstStyle/>
+          <a:p>
+            <a:r>
+              <a:rPr lang="en-US" dirty="0" smtClean="0"/>
+              <a:t>Basic branching and merging</a:t>
+            </a:r>
+            <a:endParaRPr lang="en-US" dirty="0"/>
+          </a:p>
+        </p:txBody>
+      </p:sp>
+      <p:pic>
+        <p:nvPicPr>
+          <p:cNvPr id="4" name="Pladsholder til indhold 3"/>
+          <p:cNvPicPr>
+            <a:picLocks noGrp="1" noChangeAspect="1"/>
+          </p:cNvPicPr>
+          <p:nvPr>
+            <p:ph idx="1"/>
+          </p:nvPr>
+        </p:nvPicPr>
+        <p:blipFill>
+          <a:blip r:embed="rId2">
+            <a:extLst>
+              <a:ext uri="{28A0092B-C50C-407E-A947-70E740481C1C}">
+                <a14:useLocalDpi xmlns:a14="http://schemas.microsoft.com/office/drawing/2010/main" val="0"/>
+              </a:ext>
+            </a:extLst>
+          </a:blip>
+          <a:stretch>
+            <a:fillRect/>
+          </a:stretch>
+        </p:blipFill>
+        <p:spPr>
+          <a:xfrm>
+            <a:off x="685800" y="2778125"/>
+            <a:ext cx="7620000" cy="2209800"/>
           </a:xfrm>
         </p:spPr>
       </p:pic>
     </p:spTree>
     <p:extLst>
       <p:ext uri="{BB962C8B-B14F-4D97-AF65-F5344CB8AC3E}">
-        <p14:creationId xmlns:p14="http://schemas.microsoft.com/office/powerpoint/2010/main" val="986332268"/>
+        <p14:creationId xmlns:p14="http://schemas.microsoft.com/office/powerpoint/2010/main" val="436602742"/>
       </p:ext>
     </p:extLst>
   </p:cSld>
   <p:clrMapOvr>
     <a:masterClrMapping/>
   </p:clrMapOvr>
+  <p:timing>
+    <p:tnLst>
+      <p:par>
+        <p:cTn id="1" dur="indefinite" restart="never" nodeType="tmRoot"/>
+      </p:par>
+    </p:tnLst>
+  </p:timing>
+</p:sld>
+</file>
+
+<file path=ppt/slides/slide25.xml><?xml version="1.0" encoding="utf-8"?>
+<p:sld xmlns:a="http://schemas.openxmlformats.org/drawingml/2006/main" xmlns:r="http://schemas.openxmlformats.org/officeDocument/2006/relationships" xmlns:p="http://schemas.openxmlformats.org/presentationml/2006/main">
+  <p:cSld>
+    <p:spTree>
+      <p:nvGrpSpPr>
+        <p:cNvPr id="1" name=""/>
+        <p:cNvGrpSpPr/>
+        <p:nvPr/>
+      </p:nvGrpSpPr>
+      <p:grpSpPr>
+        <a:xfrm>
+          <a:off x="0" y="0"/>
+          <a:ext cx="0" cy="0"/>
+          <a:chOff x="0" y="0"/>
+          <a:chExt cx="0" cy="0"/>
+        </a:xfrm>
+      </p:grpSpPr>
+      <p:sp>
+        <p:nvSpPr>
+          <p:cNvPr id="2" name="Titel 1"/>
+          <p:cNvSpPr>
+            <a:spLocks noGrp="1"/>
+          </p:cNvSpPr>
+          <p:nvPr>
+            <p:ph type="title"/>
+          </p:nvPr>
+        </p:nvSpPr>
+        <p:spPr/>
+        <p:txBody>
+          <a:bodyPr/>
+          <a:lstStyle/>
+          <a:p>
+            <a:r>
+              <a:rPr lang="en-US" dirty="0"/>
+              <a:t>Basic branching and merging</a:t>
+            </a:r>
+          </a:p>
+        </p:txBody>
+      </p:sp>
+      <p:pic>
+        <p:nvPicPr>
+          <p:cNvPr id="4" name="Pladsholder til indhold 3"/>
+          <p:cNvPicPr>
+            <a:picLocks noGrp="1" noChangeAspect="1"/>
+          </p:cNvPicPr>
+          <p:nvPr>
+            <p:ph idx="1"/>
+          </p:nvPr>
+        </p:nvPicPr>
+        <p:blipFill>
+          <a:blip r:embed="rId2">
+            <a:extLst>
+              <a:ext uri="{28A0092B-C50C-407E-A947-70E740481C1C}">
+                <a14:useLocalDpi xmlns:a14="http://schemas.microsoft.com/office/drawing/2010/main" val="0"/>
+              </a:ext>
+            </a:extLst>
+          </a:blip>
+          <a:stretch>
+            <a:fillRect/>
+          </a:stretch>
+        </p:blipFill>
+        <p:spPr>
+          <a:xfrm>
+            <a:off x="685800" y="2025650"/>
+            <a:ext cx="7620000" cy="3714750"/>
+          </a:xfrm>
+        </p:spPr>
+      </p:pic>
+    </p:spTree>
+    <p:extLst>
+      <p:ext uri="{BB962C8B-B14F-4D97-AF65-F5344CB8AC3E}">
+        <p14:creationId xmlns:p14="http://schemas.microsoft.com/office/powerpoint/2010/main" val="432635270"/>
+      </p:ext>
+    </p:extLst>
+  </p:cSld>
+  <p:clrMapOvr>
+    <a:masterClrMapping/>
+  </p:clrMapOvr>
+  <p:timing>
+    <p:tnLst>
+      <p:par>
+        <p:cTn id="1" dur="indefinite" restart="never" nodeType="tmRoot"/>
+      </p:par>
+    </p:tnLst>
+  </p:timing>
+</p:sld>
+</file>
+
+<file path=ppt/slides/slide26.xml><?xml version="1.0" encoding="utf-8"?>
+<p:sld xmlns:a="http://schemas.openxmlformats.org/drawingml/2006/main" xmlns:r="http://schemas.openxmlformats.org/officeDocument/2006/relationships" xmlns:p="http://schemas.openxmlformats.org/presentationml/2006/main">
+  <p:cSld>
+    <p:spTree>
+      <p:nvGrpSpPr>
+        <p:cNvPr id="1" name=""/>
+        <p:cNvGrpSpPr/>
+        <p:nvPr/>
+      </p:nvGrpSpPr>
+      <p:grpSpPr>
+        <a:xfrm>
+          <a:off x="0" y="0"/>
+          <a:ext cx="0" cy="0"/>
+          <a:chOff x="0" y="0"/>
+          <a:chExt cx="0" cy="0"/>
+        </a:xfrm>
+      </p:grpSpPr>
+      <p:sp>
+        <p:nvSpPr>
+          <p:cNvPr id="2" name="Titel 1"/>
+          <p:cNvSpPr>
+            <a:spLocks noGrp="1"/>
+          </p:cNvSpPr>
+          <p:nvPr>
+            <p:ph type="title"/>
+          </p:nvPr>
+        </p:nvSpPr>
+        <p:spPr/>
+        <p:txBody>
+          <a:bodyPr/>
+          <a:lstStyle/>
+          <a:p>
+            <a:r>
+              <a:rPr lang="en-US" dirty="0"/>
+              <a:t>Basic branching and merging</a:t>
+            </a:r>
+          </a:p>
+        </p:txBody>
+      </p:sp>
+      <p:pic>
+        <p:nvPicPr>
+          <p:cNvPr id="4" name="Pladsholder til indhold 3"/>
+          <p:cNvPicPr>
+            <a:picLocks noGrp="1" noChangeAspect="1"/>
+          </p:cNvPicPr>
+          <p:nvPr>
+            <p:ph idx="1"/>
+          </p:nvPr>
+        </p:nvPicPr>
+        <p:blipFill>
+          <a:blip r:embed="rId2">
+            <a:extLst>
+              <a:ext uri="{28A0092B-C50C-407E-A947-70E740481C1C}">
+                <a14:useLocalDpi xmlns:a14="http://schemas.microsoft.com/office/drawing/2010/main" val="0"/>
+              </a:ext>
+            </a:extLst>
+          </a:blip>
+          <a:stretch>
+            <a:fillRect/>
+          </a:stretch>
+        </p:blipFill>
+        <p:spPr>
+          <a:xfrm>
+            <a:off x="685800" y="2511425"/>
+            <a:ext cx="7620000" cy="2743200"/>
+          </a:xfrm>
+        </p:spPr>
+      </p:pic>
+    </p:spTree>
+    <p:extLst>
+      <p:ext uri="{BB962C8B-B14F-4D97-AF65-F5344CB8AC3E}">
+        <p14:creationId xmlns:p14="http://schemas.microsoft.com/office/powerpoint/2010/main" val="3441444367"/>
+      </p:ext>
+    </p:extLst>
+  </p:cSld>
+  <p:clrMapOvr>
+    <a:masterClrMapping/>
+  </p:clrMapOvr>
+  <p:timing>
+    <p:tnLst>
+      <p:par>
+        <p:cTn id="1" dur="indefinite" restart="never" nodeType="tmRoot"/>
+      </p:par>
+    </p:tnLst>
+  </p:timing>
+</p:sld>
+</file>
+
+<file path=ppt/slides/slide27.xml><?xml version="1.0" encoding="utf-8"?>
+<p:sld xmlns:a="http://schemas.openxmlformats.org/drawingml/2006/main" xmlns:r="http://schemas.openxmlformats.org/officeDocument/2006/relationships" xmlns:p="http://schemas.openxmlformats.org/presentationml/2006/main">
+  <p:cSld>
+    <p:spTree>
+      <p:nvGrpSpPr>
+        <p:cNvPr id="1" name=""/>
+        <p:cNvGrpSpPr/>
+        <p:nvPr/>
+      </p:nvGrpSpPr>
+      <p:grpSpPr>
+        <a:xfrm>
+          <a:off x="0" y="0"/>
+          <a:ext cx="0" cy="0"/>
+          <a:chOff x="0" y="0"/>
+          <a:chExt cx="0" cy="0"/>
+        </a:xfrm>
+      </p:grpSpPr>
+      <p:sp>
+        <p:nvSpPr>
+          <p:cNvPr id="2" name="Titel 1"/>
+          <p:cNvSpPr>
+            <a:spLocks noGrp="1"/>
+          </p:cNvSpPr>
+          <p:nvPr>
+            <p:ph type="title"/>
+          </p:nvPr>
+        </p:nvSpPr>
+        <p:spPr/>
+        <p:txBody>
+          <a:bodyPr/>
+          <a:lstStyle/>
+          <a:p>
+            <a:r>
+              <a:rPr lang="en-US" dirty="0"/>
+              <a:t>Basic branching and merging</a:t>
+            </a:r>
+          </a:p>
+        </p:txBody>
+      </p:sp>
+      <p:pic>
+        <p:nvPicPr>
+          <p:cNvPr id="4" name="Pladsholder til indhold 3"/>
+          <p:cNvPicPr>
+            <a:picLocks noGrp="1" noChangeAspect="1"/>
+          </p:cNvPicPr>
+          <p:nvPr>
+            <p:ph idx="1"/>
+          </p:nvPr>
+        </p:nvPicPr>
+        <p:blipFill>
+          <a:blip r:embed="rId2">
+            <a:extLst>
+              <a:ext uri="{28A0092B-C50C-407E-A947-70E740481C1C}">
+                <a14:useLocalDpi xmlns:a14="http://schemas.microsoft.com/office/drawing/2010/main" val="0"/>
+              </a:ext>
+            </a:extLst>
+          </a:blip>
+          <a:stretch>
+            <a:fillRect/>
+          </a:stretch>
+        </p:blipFill>
+        <p:spPr>
+          <a:xfrm>
+            <a:off x="685800" y="2058987"/>
+            <a:ext cx="7620000" cy="3648075"/>
+          </a:xfrm>
+        </p:spPr>
+      </p:pic>
+    </p:spTree>
+    <p:extLst>
+      <p:ext uri="{BB962C8B-B14F-4D97-AF65-F5344CB8AC3E}">
+        <p14:creationId xmlns:p14="http://schemas.microsoft.com/office/powerpoint/2010/main" val="2216541622"/>
+      </p:ext>
+    </p:extLst>
+  </p:cSld>
+  <p:clrMapOvr>
+    <a:masterClrMapping/>
+  </p:clrMapOvr>
+  <p:timing>
+    <p:tnLst>
+      <p:par>
+        <p:cTn id="1" dur="indefinite" restart="never" nodeType="tmRoot"/>
+      </p:par>
+    </p:tnLst>
+  </p:timing>
+</p:sld>
+</file>
+
+<file path=ppt/slides/slide28.xml><?xml version="1.0" encoding="utf-8"?>
+<p:sld xmlns:a="http://schemas.openxmlformats.org/drawingml/2006/main" xmlns:r="http://schemas.openxmlformats.org/officeDocument/2006/relationships" xmlns:p="http://schemas.openxmlformats.org/presentationml/2006/main">
+  <p:cSld>
+    <p:spTree>
+      <p:nvGrpSpPr>
+        <p:cNvPr id="1" name=""/>
+        <p:cNvGrpSpPr/>
+        <p:nvPr/>
+      </p:nvGrpSpPr>
+      <p:grpSpPr>
+        <a:xfrm>
+          <a:off x="0" y="0"/>
+          <a:ext cx="0" cy="0"/>
+          <a:chOff x="0" y="0"/>
+          <a:chExt cx="0" cy="0"/>
+        </a:xfrm>
+      </p:grpSpPr>
+      <p:sp>
+        <p:nvSpPr>
+          <p:cNvPr id="2" name="Titel 1"/>
+          <p:cNvSpPr>
+            <a:spLocks noGrp="1"/>
+          </p:cNvSpPr>
+          <p:nvPr>
+            <p:ph type="title"/>
+          </p:nvPr>
+        </p:nvSpPr>
+        <p:spPr/>
+        <p:txBody>
+          <a:bodyPr/>
+          <a:lstStyle/>
+          <a:p>
+            <a:r>
+              <a:rPr lang="en-US" dirty="0"/>
+              <a:t>Basic branching and merging</a:t>
+            </a:r>
+          </a:p>
+        </p:txBody>
+      </p:sp>
+      <p:pic>
+        <p:nvPicPr>
+          <p:cNvPr id="4" name="Pladsholder til indhold 3"/>
+          <p:cNvPicPr>
+            <a:picLocks noGrp="1" noChangeAspect="1"/>
+          </p:cNvPicPr>
+          <p:nvPr>
+            <p:ph idx="1"/>
+          </p:nvPr>
+        </p:nvPicPr>
+        <p:blipFill>
+          <a:blip r:embed="rId2">
+            <a:extLst>
+              <a:ext uri="{28A0092B-C50C-407E-A947-70E740481C1C}">
+                <a14:useLocalDpi xmlns:a14="http://schemas.microsoft.com/office/drawing/2010/main" val="0"/>
+              </a:ext>
+            </a:extLst>
+          </a:blip>
+          <a:stretch>
+            <a:fillRect/>
+          </a:stretch>
+        </p:blipFill>
+        <p:spPr>
+          <a:xfrm>
+            <a:off x="691092" y="1600200"/>
+            <a:ext cx="7609416" cy="4565650"/>
+          </a:xfrm>
+        </p:spPr>
+      </p:pic>
+    </p:spTree>
+    <p:extLst>
+      <p:ext uri="{BB962C8B-B14F-4D97-AF65-F5344CB8AC3E}">
+        <p14:creationId xmlns:p14="http://schemas.microsoft.com/office/powerpoint/2010/main" val="3080056225"/>
+      </p:ext>
+    </p:extLst>
+  </p:cSld>
+  <p:clrMapOvr>
+    <a:masterClrMapping/>
+  </p:clrMapOvr>
+  <p:timing>
+    <p:tnLst>
+      <p:par>
+        <p:cTn id="1" dur="indefinite" restart="never" nodeType="tmRoot"/>
+      </p:par>
+    </p:tnLst>
+  </p:timing>
+</p:sld>
+</file>
+
+<file path=ppt/slides/slide29.xml><?xml version="1.0" encoding="utf-8"?>
+<p:sld xmlns:a="http://schemas.openxmlformats.org/drawingml/2006/main" xmlns:r="http://schemas.openxmlformats.org/officeDocument/2006/relationships" xmlns:p="http://schemas.openxmlformats.org/presentationml/2006/main">
+  <p:cSld>
+    <p:spTree>
+      <p:nvGrpSpPr>
+        <p:cNvPr id="1" name=""/>
+        <p:cNvGrpSpPr/>
+        <p:nvPr/>
+      </p:nvGrpSpPr>
+      <p:grpSpPr>
+        <a:xfrm>
+          <a:off x="0" y="0"/>
+          <a:ext cx="0" cy="0"/>
+          <a:chOff x="0" y="0"/>
+          <a:chExt cx="0" cy="0"/>
+        </a:xfrm>
+      </p:grpSpPr>
+      <p:sp>
+        <p:nvSpPr>
+          <p:cNvPr id="2" name="Titel 1"/>
+          <p:cNvSpPr>
+            <a:spLocks noGrp="1"/>
+          </p:cNvSpPr>
+          <p:nvPr>
+            <p:ph type="title"/>
+          </p:nvPr>
+        </p:nvSpPr>
+        <p:spPr/>
+        <p:txBody>
+          <a:bodyPr/>
+          <a:lstStyle/>
+          <a:p>
+            <a:r>
+              <a:rPr lang="en-US" dirty="0"/>
+              <a:t>Basic branching and merging</a:t>
+            </a:r>
+          </a:p>
+        </p:txBody>
+      </p:sp>
+      <p:pic>
+        <p:nvPicPr>
+          <p:cNvPr id="4" name="Pladsholder til indhold 3"/>
+          <p:cNvPicPr>
+            <a:picLocks noGrp="1" noChangeAspect="1"/>
+          </p:cNvPicPr>
+          <p:nvPr>
+            <p:ph idx="1"/>
+          </p:nvPr>
+        </p:nvPicPr>
+        <p:blipFill>
+          <a:blip r:embed="rId2">
+            <a:extLst>
+              <a:ext uri="{28A0092B-C50C-407E-A947-70E740481C1C}">
+                <a14:useLocalDpi xmlns:a14="http://schemas.microsoft.com/office/drawing/2010/main" val="0"/>
+              </a:ext>
+            </a:extLst>
+          </a:blip>
+          <a:stretch>
+            <a:fillRect/>
+          </a:stretch>
+        </p:blipFill>
+        <p:spPr>
+          <a:xfrm>
+            <a:off x="685800" y="2068512"/>
+            <a:ext cx="7620000" cy="3629025"/>
+          </a:xfrm>
+        </p:spPr>
+      </p:pic>
+    </p:spTree>
+    <p:extLst>
+      <p:ext uri="{BB962C8B-B14F-4D97-AF65-F5344CB8AC3E}">
+        <p14:creationId xmlns:p14="http://schemas.microsoft.com/office/powerpoint/2010/main" val="2053653884"/>
+      </p:ext>
+    </p:extLst>
+  </p:cSld>
+  <p:clrMapOvr>
+    <a:masterClrMapping/>
+  </p:clrMapOvr>
+  <p:timing>
+    <p:tnLst>
+      <p:par>
+        <p:cTn id="1" dur="indefinite" restart="never" nodeType="tmRoot"/>
+      </p:par>
+    </p:tnLst>
+  </p:timing>
+</p:sld>
+</file>
+
+<file path=ppt/slides/slide3.xml><?xml version="1.0" encoding="utf-8"?>
+<p:sld xmlns:a="http://schemas.openxmlformats.org/drawingml/2006/main" xmlns:r="http://schemas.openxmlformats.org/officeDocument/2006/relationships" xmlns:p="http://schemas.openxmlformats.org/presentationml/2006/main">
+  <p:cSld>
+    <p:spTree>
+      <p:nvGrpSpPr>
+        <p:cNvPr id="1" name=""/>
+        <p:cNvGrpSpPr/>
+        <p:nvPr/>
+      </p:nvGrpSpPr>
+      <p:grpSpPr>
+        <a:xfrm>
+          <a:off x="0" y="0"/>
+          <a:ext cx="0" cy="0"/>
+          <a:chOff x="0" y="0"/>
+          <a:chExt cx="0" cy="0"/>
+        </a:xfrm>
+      </p:grpSpPr>
+      <p:sp>
+        <p:nvSpPr>
+          <p:cNvPr id="2" name="Title 1"/>
+          <p:cNvSpPr>
+            <a:spLocks noGrp="1"/>
+          </p:cNvSpPr>
+          <p:nvPr>
+            <p:ph type="title"/>
+          </p:nvPr>
+        </p:nvSpPr>
+        <p:spPr/>
+        <p:txBody>
+          <a:bodyPr/>
+          <a:lstStyle/>
+          <a:p>
+            <a:r>
+              <a:rPr lang="en-US" dirty="0" smtClean="0"/>
+              <a:t/>
+            </a:r>
+            <a:br>
+              <a:rPr lang="en-US" dirty="0" smtClean="0"/>
+            </a:br>
+            <a:r>
+              <a:rPr lang="en-US" dirty="0"/>
+              <a:t/>
+            </a:r>
+            <a:br>
+              <a:rPr lang="en-US" dirty="0"/>
+            </a:br>
+            <a:r>
+              <a:rPr lang="en-US" dirty="0" smtClean="0"/>
+              <a:t>The basic principle of computational reproducible research</a:t>
+            </a:r>
+            <a:br>
+              <a:rPr lang="en-US" dirty="0" smtClean="0"/>
+            </a:br>
+            <a:endParaRPr lang="en-US" dirty="0"/>
+          </a:p>
+        </p:txBody>
+      </p:sp>
+      <p:pic>
+        <p:nvPicPr>
+          <p:cNvPr id="6" name="Picture 5"/>
+          <p:cNvPicPr>
+            <a:picLocks noChangeAspect="1"/>
+          </p:cNvPicPr>
+          <p:nvPr/>
+        </p:nvPicPr>
+        <p:blipFill>
+          <a:blip r:embed="rId2"/>
+          <a:stretch>
+            <a:fillRect/>
+          </a:stretch>
+        </p:blipFill>
+        <p:spPr>
+          <a:xfrm>
+            <a:off x="606468" y="2133600"/>
+            <a:ext cx="7775532" cy="2741280"/>
+          </a:xfrm>
+          <a:prstGeom prst="rect">
+            <a:avLst/>
+          </a:prstGeom>
+        </p:spPr>
+      </p:pic>
+      <p:sp>
+        <p:nvSpPr>
+          <p:cNvPr id="4" name="TextBox 5"/>
+          <p:cNvSpPr txBox="1"/>
+          <p:nvPr/>
+        </p:nvSpPr>
+        <p:spPr>
+          <a:xfrm>
+            <a:off x="607382" y="5793808"/>
+            <a:ext cx="7774618" cy="523220"/>
+          </a:xfrm>
+          <a:prstGeom prst="rect">
+            <a:avLst/>
+          </a:prstGeom>
+          <a:solidFill>
+            <a:schemeClr val="accent1"/>
+          </a:solidFill>
+        </p:spPr>
+        <p:txBody>
+          <a:bodyPr wrap="square" rtlCol="0">
+            <a:spAutoFit/>
+          </a:bodyPr>
+          <a:lstStyle/>
+          <a:p>
+            <a:r>
+              <a:rPr lang="en-US" sz="1400" dirty="0"/>
+              <a:t>Roger D. Peng. "Reproducible Research in Computational </a:t>
+            </a:r>
+            <a:r>
+              <a:rPr lang="en-US" sz="1400" dirty="0" smtClean="0"/>
+              <a:t>Science“. </a:t>
+            </a:r>
+            <a:r>
+              <a:rPr lang="en-US" sz="1400" i="1" dirty="0" smtClean="0"/>
+              <a:t>Science</a:t>
+            </a:r>
+            <a:r>
+              <a:rPr lang="en-US" sz="1400" dirty="0" smtClean="0"/>
+              <a:t> </a:t>
+            </a:r>
+            <a:r>
+              <a:rPr lang="en-US" sz="1400" dirty="0"/>
+              <a:t>2 December 2011: </a:t>
+            </a:r>
+            <a:r>
+              <a:rPr lang="en-US" sz="1400" b="1" dirty="0"/>
+              <a:t>334</a:t>
+            </a:r>
+            <a:r>
+              <a:rPr lang="en-US" sz="1400" dirty="0"/>
+              <a:t> (6060), 1226-1227</a:t>
+            </a:r>
+            <a:r>
+              <a:rPr lang="en-US" sz="1400" dirty="0" smtClean="0"/>
+              <a:t>.</a:t>
+            </a:r>
+            <a:endParaRPr lang="en-US" sz="1400" dirty="0"/>
+          </a:p>
+        </p:txBody>
+      </p:sp>
+    </p:spTree>
+    <p:extLst>
+      <p:ext uri="{BB962C8B-B14F-4D97-AF65-F5344CB8AC3E}">
+        <p14:creationId xmlns:p14="http://schemas.microsoft.com/office/powerpoint/2010/main" val="2678480711"/>
+      </p:ext>
+    </p:extLst>
+  </p:cSld>
+  <p:clrMapOvr>
+    <a:masterClrMapping/>
+  </p:clrMapOvr>
+  <mc:AlternateContent xmlns:mc="http://schemas.openxmlformats.org/markup-compatibility/2006" xmlns:p14="http://schemas.microsoft.com/office/powerpoint/2010/main">
+    <mc:Choice Requires="p14">
+      <p:transition spd="med" p14:dur="700">
+        <p:fade/>
+      </p:transition>
+    </mc:Choice>
+    <mc:Fallback xmlns="">
+      <p:transition spd="med">
+        <p:fade/>
+      </p:transition>
+    </mc:Fallback>
+  </mc:AlternateContent>
+  <p:timing>
+    <p:tnLst>
+      <p:par>
+        <p:cTn id="1" dur="indefinite" restart="never" nodeType="tmRoot"/>
+      </p:par>
+    </p:tnLst>
+  </p:timing>
+</p:sld>
+</file>
+
+<file path=ppt/slides/slide30.xml><?xml version="1.0" encoding="utf-8"?>
+<p:sld xmlns:a="http://schemas.openxmlformats.org/drawingml/2006/main" xmlns:r="http://schemas.openxmlformats.org/officeDocument/2006/relationships" xmlns:p="http://schemas.openxmlformats.org/presentationml/2006/main">
+  <p:cSld>
+    <p:spTree>
+      <p:nvGrpSpPr>
+        <p:cNvPr id="1" name=""/>
+        <p:cNvGrpSpPr/>
+        <p:nvPr/>
+      </p:nvGrpSpPr>
+      <p:grpSpPr>
+        <a:xfrm>
+          <a:off x="0" y="0"/>
+          <a:ext cx="0" cy="0"/>
+          <a:chOff x="0" y="0"/>
+          <a:chExt cx="0" cy="0"/>
+        </a:xfrm>
+      </p:grpSpPr>
+      <p:sp>
+        <p:nvSpPr>
+          <p:cNvPr id="2" name="Titel 1"/>
+          <p:cNvSpPr>
+            <a:spLocks noGrp="1"/>
+          </p:cNvSpPr>
+          <p:nvPr>
+            <p:ph type="title"/>
+          </p:nvPr>
+        </p:nvSpPr>
+        <p:spPr/>
+        <p:txBody>
+          <a:bodyPr/>
+          <a:lstStyle/>
+          <a:p>
+            <a:r>
+              <a:rPr lang="en-US" dirty="0"/>
+              <a:t>Basic branching and merging</a:t>
+            </a:r>
+          </a:p>
+        </p:txBody>
+      </p:sp>
+      <p:pic>
+        <p:nvPicPr>
+          <p:cNvPr id="4" name="Pladsholder til indhold 3"/>
+          <p:cNvPicPr>
+            <a:picLocks noGrp="1" noChangeAspect="1"/>
+          </p:cNvPicPr>
+          <p:nvPr>
+            <p:ph idx="1"/>
+          </p:nvPr>
+        </p:nvPicPr>
+        <p:blipFill>
+          <a:blip r:embed="rId2">
+            <a:extLst>
+              <a:ext uri="{28A0092B-C50C-407E-A947-70E740481C1C}">
+                <a14:useLocalDpi xmlns:a14="http://schemas.microsoft.com/office/drawing/2010/main" val="0"/>
+              </a:ext>
+            </a:extLst>
+          </a:blip>
+          <a:stretch>
+            <a:fillRect/>
+          </a:stretch>
+        </p:blipFill>
+        <p:spPr>
+          <a:xfrm>
+            <a:off x="685800" y="2068512"/>
+            <a:ext cx="7620000" cy="3629025"/>
+          </a:xfrm>
+        </p:spPr>
+      </p:pic>
+    </p:spTree>
+    <p:extLst>
+      <p:ext uri="{BB962C8B-B14F-4D97-AF65-F5344CB8AC3E}">
+        <p14:creationId xmlns:p14="http://schemas.microsoft.com/office/powerpoint/2010/main" val="528707541"/>
+      </p:ext>
+    </p:extLst>
+  </p:cSld>
+  <p:clrMapOvr>
+    <a:masterClrMapping/>
+  </p:clrMapOvr>
+  <p:timing>
+    <p:tnLst>
+      <p:par>
+        <p:cTn id="1" dur="indefinite" restart="never" nodeType="tmRoot"/>
+      </p:par>
+    </p:tnLst>
+  </p:timing>
+</p:sld>
+</file>
+
+<file path=ppt/slides/slide31.xml><?xml version="1.0" encoding="utf-8"?>
+<p:sld xmlns:a="http://schemas.openxmlformats.org/drawingml/2006/main" xmlns:r="http://schemas.openxmlformats.org/officeDocument/2006/relationships" xmlns:p="http://schemas.openxmlformats.org/presentationml/2006/main">
+  <p:cSld>
+    <p:spTree>
+      <p:nvGrpSpPr>
+        <p:cNvPr id="1" name=""/>
+        <p:cNvGrpSpPr/>
+        <p:nvPr/>
+      </p:nvGrpSpPr>
+      <p:grpSpPr>
+        <a:xfrm>
+          <a:off x="0" y="0"/>
+          <a:ext cx="0" cy="0"/>
+          <a:chOff x="0" y="0"/>
+          <a:chExt cx="0" cy="0"/>
+        </a:xfrm>
+      </p:grpSpPr>
+      <p:sp>
+        <p:nvSpPr>
+          <p:cNvPr id="2" name="Titel 1"/>
+          <p:cNvSpPr>
+            <a:spLocks noGrp="1"/>
+          </p:cNvSpPr>
+          <p:nvPr>
+            <p:ph type="title"/>
+          </p:nvPr>
+        </p:nvSpPr>
+        <p:spPr/>
+        <p:txBody>
+          <a:bodyPr/>
+          <a:lstStyle/>
+          <a:p>
+            <a:r>
+              <a:rPr lang="en-US" dirty="0"/>
+              <a:t>Basic branching and merging</a:t>
+            </a:r>
+          </a:p>
+        </p:txBody>
+      </p:sp>
+      <p:pic>
+        <p:nvPicPr>
+          <p:cNvPr id="4" name="Pladsholder til indhold 3"/>
+          <p:cNvPicPr>
+            <a:picLocks noGrp="1" noChangeAspect="1"/>
+          </p:cNvPicPr>
+          <p:nvPr>
+            <p:ph idx="1"/>
+          </p:nvPr>
+        </p:nvPicPr>
+        <p:blipFill>
+          <a:blip r:embed="rId2">
+            <a:extLst>
+              <a:ext uri="{28A0092B-C50C-407E-A947-70E740481C1C}">
+                <a14:useLocalDpi xmlns:a14="http://schemas.microsoft.com/office/drawing/2010/main" val="0"/>
+              </a:ext>
+            </a:extLst>
+          </a:blip>
+          <a:stretch>
+            <a:fillRect/>
+          </a:stretch>
+        </p:blipFill>
+        <p:spPr>
+          <a:xfrm>
+            <a:off x="685800" y="2378075"/>
+            <a:ext cx="7620000" cy="3009900"/>
+          </a:xfrm>
+        </p:spPr>
+      </p:pic>
+    </p:spTree>
+    <p:extLst>
+      <p:ext uri="{BB962C8B-B14F-4D97-AF65-F5344CB8AC3E}">
+        <p14:creationId xmlns:p14="http://schemas.microsoft.com/office/powerpoint/2010/main" val="1406420408"/>
+      </p:ext>
+    </p:extLst>
+  </p:cSld>
+  <p:clrMapOvr>
+    <a:masterClrMapping/>
+  </p:clrMapOvr>
+  <p:timing>
+    <p:tnLst>
+      <p:par>
+        <p:cTn id="1" dur="indefinite" restart="never" nodeType="tmRoot"/>
+      </p:par>
+    </p:tnLst>
+  </p:timing>
+</p:sld>
+</file>
+
+<file path=ppt/slides/slide32.xml><?xml version="1.0" encoding="utf-8"?>
+<p:sld xmlns:a="http://schemas.openxmlformats.org/drawingml/2006/main" xmlns:r="http://schemas.openxmlformats.org/officeDocument/2006/relationships" xmlns:p="http://schemas.openxmlformats.org/presentationml/2006/main">
+  <p:cSld>
+    <p:spTree>
+      <p:nvGrpSpPr>
+        <p:cNvPr id="1" name=""/>
+        <p:cNvGrpSpPr/>
+        <p:nvPr/>
+      </p:nvGrpSpPr>
+      <p:grpSpPr>
+        <a:xfrm>
+          <a:off x="0" y="0"/>
+          <a:ext cx="0" cy="0"/>
+          <a:chOff x="0" y="0"/>
+          <a:chExt cx="0" cy="0"/>
+        </a:xfrm>
+      </p:grpSpPr>
+      <p:sp>
+        <p:nvSpPr>
+          <p:cNvPr id="2" name="Titel 1"/>
+          <p:cNvSpPr>
+            <a:spLocks noGrp="1"/>
+          </p:cNvSpPr>
+          <p:nvPr>
+            <p:ph type="title"/>
+          </p:nvPr>
+        </p:nvSpPr>
+        <p:spPr/>
+        <p:txBody>
+          <a:bodyPr/>
+          <a:lstStyle/>
+          <a:p>
+            <a:r>
+              <a:rPr lang="en-US" dirty="0" smtClean="0"/>
+              <a:t>How is branching and merging implemented in </a:t>
+            </a:r>
+            <a:r>
+              <a:rPr lang="en-US" dirty="0" err="1" smtClean="0"/>
+              <a:t>git</a:t>
+            </a:r>
+            <a:endParaRPr lang="en-US" dirty="0"/>
+          </a:p>
+        </p:txBody>
+      </p:sp>
+      <p:pic>
+        <p:nvPicPr>
+          <p:cNvPr id="4" name="Pladsholder til indhold 3"/>
+          <p:cNvPicPr>
+            <a:picLocks noGrp="1" noChangeAspect="1"/>
+          </p:cNvPicPr>
+          <p:nvPr>
+            <p:ph idx="1"/>
+          </p:nvPr>
+        </p:nvPicPr>
+        <p:blipFill>
+          <a:blip r:embed="rId2">
+            <a:extLst>
+              <a:ext uri="{28A0092B-C50C-407E-A947-70E740481C1C}">
+                <a14:useLocalDpi xmlns:a14="http://schemas.microsoft.com/office/drawing/2010/main" val="0"/>
+              </a:ext>
+            </a:extLst>
+          </a:blip>
+          <a:stretch>
+            <a:fillRect/>
+          </a:stretch>
+        </p:blipFill>
+        <p:spPr>
+          <a:xfrm>
+            <a:off x="685800" y="1773237"/>
+            <a:ext cx="7620000" cy="4219575"/>
+          </a:xfrm>
+        </p:spPr>
+      </p:pic>
+    </p:spTree>
+    <p:extLst>
+      <p:ext uri="{BB962C8B-B14F-4D97-AF65-F5344CB8AC3E}">
+        <p14:creationId xmlns:p14="http://schemas.microsoft.com/office/powerpoint/2010/main" val="3909951049"/>
+      </p:ext>
+    </p:extLst>
+  </p:cSld>
+  <p:clrMapOvr>
+    <a:masterClrMapping/>
+  </p:clrMapOvr>
+  <p:timing>
+    <p:tnLst>
+      <p:par>
+        <p:cTn id="1" dur="indefinite" restart="never" nodeType="tmRoot"/>
+      </p:par>
+    </p:tnLst>
+  </p:timing>
+</p:sld>
+</file>
+
+<file path=ppt/slides/slide33.xml><?xml version="1.0" encoding="utf-8"?>
+<p:sld xmlns:a="http://schemas.openxmlformats.org/drawingml/2006/main" xmlns:r="http://schemas.openxmlformats.org/officeDocument/2006/relationships" xmlns:p="http://schemas.openxmlformats.org/presentationml/2006/main">
+  <p:cSld>
+    <p:spTree>
+      <p:nvGrpSpPr>
+        <p:cNvPr id="1" name=""/>
+        <p:cNvGrpSpPr/>
+        <p:nvPr/>
+      </p:nvGrpSpPr>
+      <p:grpSpPr>
+        <a:xfrm>
+          <a:off x="0" y="0"/>
+          <a:ext cx="0" cy="0"/>
+          <a:chOff x="0" y="0"/>
+          <a:chExt cx="0" cy="0"/>
+        </a:xfrm>
+      </p:grpSpPr>
+      <p:sp>
+        <p:nvSpPr>
+          <p:cNvPr id="3" name="Titel 2"/>
+          <p:cNvSpPr>
+            <a:spLocks noGrp="1"/>
+          </p:cNvSpPr>
+          <p:nvPr>
+            <p:ph type="title"/>
+          </p:nvPr>
+        </p:nvSpPr>
+        <p:spPr/>
+        <p:txBody>
+          <a:bodyPr/>
+          <a:lstStyle/>
+          <a:p>
+            <a:r>
+              <a:rPr lang="en-US" dirty="0"/>
+              <a:t>How is branching and merging implemented in </a:t>
+            </a:r>
+            <a:r>
+              <a:rPr lang="en-US" dirty="0" err="1"/>
+              <a:t>git</a:t>
+            </a:r>
+            <a:endParaRPr lang="en-US" dirty="0"/>
+          </a:p>
+        </p:txBody>
+      </p:sp>
+      <p:pic>
+        <p:nvPicPr>
+          <p:cNvPr id="5" name="Pladsholder til indhold 4"/>
+          <p:cNvPicPr>
+            <a:picLocks noGrp="1" noChangeAspect="1"/>
+          </p:cNvPicPr>
+          <p:nvPr>
+            <p:ph idx="1"/>
+          </p:nvPr>
+        </p:nvPicPr>
+        <p:blipFill>
+          <a:blip r:embed="rId2">
+            <a:extLst>
+              <a:ext uri="{28A0092B-C50C-407E-A947-70E740481C1C}">
+                <a14:useLocalDpi xmlns:a14="http://schemas.microsoft.com/office/drawing/2010/main" val="0"/>
+              </a:ext>
+            </a:extLst>
+          </a:blip>
+          <a:stretch>
+            <a:fillRect/>
+          </a:stretch>
+        </p:blipFill>
+        <p:spPr>
+          <a:xfrm>
+            <a:off x="685800" y="1835150"/>
+            <a:ext cx="7620000" cy="4095750"/>
+          </a:xfrm>
+        </p:spPr>
+      </p:pic>
+    </p:spTree>
+    <p:extLst>
+      <p:ext uri="{BB962C8B-B14F-4D97-AF65-F5344CB8AC3E}">
+        <p14:creationId xmlns:p14="http://schemas.microsoft.com/office/powerpoint/2010/main" val="2319578874"/>
+      </p:ext>
+    </p:extLst>
+  </p:cSld>
+  <p:clrMapOvr>
+    <a:masterClrMapping/>
+  </p:clrMapOvr>
+  <p:timing>
+    <p:tnLst>
+      <p:par>
+        <p:cTn id="1" dur="indefinite" restart="never" nodeType="tmRoot"/>
+      </p:par>
+    </p:tnLst>
+  </p:timing>
+</p:sld>
+</file>
+
+<file path=ppt/slides/slide34.xml><?xml version="1.0" encoding="utf-8"?>
+<p:sld xmlns:a="http://schemas.openxmlformats.org/drawingml/2006/main" xmlns:r="http://schemas.openxmlformats.org/officeDocument/2006/relationships" xmlns:p="http://schemas.openxmlformats.org/presentationml/2006/main">
+  <p:cSld>
+    <p:spTree>
+      <p:nvGrpSpPr>
+        <p:cNvPr id="1" name=""/>
+        <p:cNvGrpSpPr/>
+        <p:nvPr/>
+      </p:nvGrpSpPr>
+      <p:grpSpPr>
+        <a:xfrm>
+          <a:off x="0" y="0"/>
+          <a:ext cx="0" cy="0"/>
+          <a:chOff x="0" y="0"/>
+          <a:chExt cx="0" cy="0"/>
+        </a:xfrm>
+      </p:grpSpPr>
+      <p:sp>
+        <p:nvSpPr>
+          <p:cNvPr id="2" name="Titel 1"/>
+          <p:cNvSpPr>
+            <a:spLocks noGrp="1"/>
+          </p:cNvSpPr>
+          <p:nvPr>
+            <p:ph type="title"/>
+          </p:nvPr>
+        </p:nvSpPr>
+        <p:spPr/>
+        <p:txBody>
+          <a:bodyPr/>
+          <a:lstStyle/>
+          <a:p>
+            <a:r>
+              <a:rPr lang="en-US" dirty="0"/>
+              <a:t>How is branching and merging implemented in </a:t>
+            </a:r>
+            <a:r>
+              <a:rPr lang="en-US" dirty="0" err="1"/>
+              <a:t>git</a:t>
+            </a:r>
+            <a:endParaRPr lang="en-US" dirty="0"/>
+          </a:p>
+        </p:txBody>
+      </p:sp>
+      <p:pic>
+        <p:nvPicPr>
+          <p:cNvPr id="4" name="Pladsholder til indhold 3"/>
+          <p:cNvPicPr>
+            <a:picLocks noGrp="1" noChangeAspect="1"/>
+          </p:cNvPicPr>
+          <p:nvPr>
+            <p:ph idx="1"/>
+          </p:nvPr>
+        </p:nvPicPr>
+        <p:blipFill>
+          <a:blip r:embed="rId2">
+            <a:extLst>
+              <a:ext uri="{28A0092B-C50C-407E-A947-70E740481C1C}">
+                <a14:useLocalDpi xmlns:a14="http://schemas.microsoft.com/office/drawing/2010/main" val="0"/>
+              </a:ext>
+            </a:extLst>
+          </a:blip>
+          <a:stretch>
+            <a:fillRect/>
+          </a:stretch>
+        </p:blipFill>
+        <p:spPr>
+          <a:xfrm>
+            <a:off x="685800" y="1658937"/>
+            <a:ext cx="7620000" cy="4448175"/>
+          </a:xfrm>
+        </p:spPr>
+      </p:pic>
+    </p:spTree>
+    <p:extLst>
+      <p:ext uri="{BB962C8B-B14F-4D97-AF65-F5344CB8AC3E}">
+        <p14:creationId xmlns:p14="http://schemas.microsoft.com/office/powerpoint/2010/main" val="187198838"/>
+      </p:ext>
+    </p:extLst>
+  </p:cSld>
+  <p:clrMapOvr>
+    <a:masterClrMapping/>
+  </p:clrMapOvr>
+  <p:timing>
+    <p:tnLst>
+      <p:par>
+        <p:cTn id="1" dur="indefinite" restart="never" nodeType="tmRoot"/>
+      </p:par>
+    </p:tnLst>
+  </p:timing>
+</p:sld>
+</file>
+
+<file path=ppt/slides/slide35.xml><?xml version="1.0" encoding="utf-8"?>
+<p:sld xmlns:a="http://schemas.openxmlformats.org/drawingml/2006/main" xmlns:r="http://schemas.openxmlformats.org/officeDocument/2006/relationships" xmlns:p="http://schemas.openxmlformats.org/presentationml/2006/main">
+  <p:cSld>
+    <p:spTree>
+      <p:nvGrpSpPr>
+        <p:cNvPr id="1" name=""/>
+        <p:cNvGrpSpPr/>
+        <p:nvPr/>
+      </p:nvGrpSpPr>
+      <p:grpSpPr>
+        <a:xfrm>
+          <a:off x="0" y="0"/>
+          <a:ext cx="0" cy="0"/>
+          <a:chOff x="0" y="0"/>
+          <a:chExt cx="0" cy="0"/>
+        </a:xfrm>
+      </p:grpSpPr>
+      <p:sp>
+        <p:nvSpPr>
+          <p:cNvPr id="2" name="Titel 1"/>
+          <p:cNvSpPr>
+            <a:spLocks noGrp="1"/>
+          </p:cNvSpPr>
+          <p:nvPr>
+            <p:ph type="title"/>
+          </p:nvPr>
+        </p:nvSpPr>
+        <p:spPr/>
+        <p:txBody>
+          <a:bodyPr/>
+          <a:lstStyle/>
+          <a:p>
+            <a:r>
+              <a:rPr lang="en-US" dirty="0"/>
+              <a:t>How is branching and merging implemented in </a:t>
+            </a:r>
+            <a:r>
+              <a:rPr lang="en-US" dirty="0" err="1"/>
+              <a:t>git</a:t>
+            </a:r>
+            <a:endParaRPr lang="en-US" dirty="0"/>
+          </a:p>
+        </p:txBody>
+      </p:sp>
+      <p:pic>
+        <p:nvPicPr>
+          <p:cNvPr id="4" name="Pladsholder til indhold 3"/>
+          <p:cNvPicPr>
+            <a:picLocks noGrp="1" noChangeAspect="1"/>
+          </p:cNvPicPr>
+          <p:nvPr>
+            <p:ph idx="1"/>
+          </p:nvPr>
+        </p:nvPicPr>
+        <p:blipFill>
+          <a:blip r:embed="rId2">
+            <a:extLst>
+              <a:ext uri="{28A0092B-C50C-407E-A947-70E740481C1C}">
+                <a14:useLocalDpi xmlns:a14="http://schemas.microsoft.com/office/drawing/2010/main" val="0"/>
+              </a:ext>
+            </a:extLst>
+          </a:blip>
+          <a:stretch>
+            <a:fillRect/>
+          </a:stretch>
+        </p:blipFill>
+        <p:spPr>
+          <a:xfrm>
+            <a:off x="685800" y="2292350"/>
+            <a:ext cx="7620000" cy="3181350"/>
+          </a:xfrm>
+        </p:spPr>
+      </p:pic>
+    </p:spTree>
+    <p:extLst>
+      <p:ext uri="{BB962C8B-B14F-4D97-AF65-F5344CB8AC3E}">
+        <p14:creationId xmlns:p14="http://schemas.microsoft.com/office/powerpoint/2010/main" val="4201109704"/>
+      </p:ext>
+    </p:extLst>
+  </p:cSld>
+  <p:clrMapOvr>
+    <a:masterClrMapping/>
+  </p:clrMapOvr>
+  <p:timing>
+    <p:tnLst>
+      <p:par>
+        <p:cTn id="1" dur="indefinite" restart="never" nodeType="tmRoot"/>
+      </p:par>
+    </p:tnLst>
+  </p:timing>
+</p:sld>
+</file>
+
+<file path=ppt/slides/slide36.xml><?xml version="1.0" encoding="utf-8"?>
+<p:sld xmlns:a="http://schemas.openxmlformats.org/drawingml/2006/main" xmlns:r="http://schemas.openxmlformats.org/officeDocument/2006/relationships" xmlns:p="http://schemas.openxmlformats.org/presentationml/2006/main">
+  <p:cSld>
+    <p:spTree>
+      <p:nvGrpSpPr>
+        <p:cNvPr id="1" name=""/>
+        <p:cNvGrpSpPr/>
+        <p:nvPr/>
+      </p:nvGrpSpPr>
+      <p:grpSpPr>
+        <a:xfrm>
+          <a:off x="0" y="0"/>
+          <a:ext cx="0" cy="0"/>
+          <a:chOff x="0" y="0"/>
+          <a:chExt cx="0" cy="0"/>
+        </a:xfrm>
+      </p:grpSpPr>
+      <p:sp>
+        <p:nvSpPr>
+          <p:cNvPr id="2" name="Titel 1"/>
+          <p:cNvSpPr>
+            <a:spLocks noGrp="1"/>
+          </p:cNvSpPr>
+          <p:nvPr>
+            <p:ph type="title"/>
+          </p:nvPr>
+        </p:nvSpPr>
+        <p:spPr/>
+        <p:txBody>
+          <a:bodyPr/>
+          <a:lstStyle/>
+          <a:p>
+            <a:endParaRPr lang="en-US"/>
+          </a:p>
+        </p:txBody>
+      </p:sp>
+      <p:sp>
+        <p:nvSpPr>
+          <p:cNvPr id="3" name="Pladsholder til indhold 2"/>
+          <p:cNvSpPr>
+            <a:spLocks noGrp="1"/>
+          </p:cNvSpPr>
+          <p:nvPr>
+            <p:ph idx="1"/>
+          </p:nvPr>
+        </p:nvSpPr>
+        <p:spPr/>
+        <p:txBody>
+          <a:bodyPr/>
+          <a:lstStyle/>
+          <a:p>
+            <a:endParaRPr lang="en-US"/>
+          </a:p>
+        </p:txBody>
+      </p:sp>
+    </p:spTree>
+    <p:extLst>
+      <p:ext uri="{BB962C8B-B14F-4D97-AF65-F5344CB8AC3E}">
+        <p14:creationId xmlns:p14="http://schemas.microsoft.com/office/powerpoint/2010/main" val="3102375047"/>
+      </p:ext>
+    </p:extLst>
+  </p:cSld>
+  <p:clrMapOvr>
+    <a:masterClrMapping/>
+  </p:clrMapOvr>
+  <p:timing>
+    <p:tnLst>
+      <p:par>
+        <p:cTn id="1" dur="indefinite" restart="never" nodeType="tmRoot"/>
+      </p:par>
+    </p:tnLst>
+  </p:timing>
+</p:sld>
+</file>
+
+<file path=ppt/slides/slide37.xml><?xml version="1.0" encoding="utf-8"?>
+<p:sld xmlns:a="http://schemas.openxmlformats.org/drawingml/2006/main" xmlns:r="http://schemas.openxmlformats.org/officeDocument/2006/relationships" xmlns:p="http://schemas.openxmlformats.org/presentationml/2006/main">
+  <p:cSld>
+    <p:spTree>
+      <p:nvGrpSpPr>
+        <p:cNvPr id="1" name=""/>
+        <p:cNvGrpSpPr/>
+        <p:nvPr/>
+      </p:nvGrpSpPr>
+      <p:grpSpPr>
+        <a:xfrm>
+          <a:off x="0" y="0"/>
+          <a:ext cx="0" cy="0"/>
+          <a:chOff x="0" y="0"/>
+          <a:chExt cx="0" cy="0"/>
+        </a:xfrm>
+      </p:grpSpPr>
+      <p:sp>
+        <p:nvSpPr>
+          <p:cNvPr id="2" name="Titel 1"/>
+          <p:cNvSpPr>
+            <a:spLocks noGrp="1"/>
+          </p:cNvSpPr>
+          <p:nvPr>
+            <p:ph type="title"/>
+          </p:nvPr>
+        </p:nvSpPr>
+        <p:spPr/>
+        <p:txBody>
+          <a:bodyPr/>
+          <a:lstStyle/>
+          <a:p>
+            <a:r>
+              <a:rPr lang="en-US" dirty="0" err="1" smtClean="0"/>
+              <a:t>Git</a:t>
+            </a:r>
+            <a:r>
+              <a:rPr lang="en-US" dirty="0" smtClean="0"/>
+              <a:t> log</a:t>
+            </a:r>
+            <a:endParaRPr lang="en-US" dirty="0"/>
+          </a:p>
+        </p:txBody>
+      </p:sp>
+      <p:sp>
+        <p:nvSpPr>
+          <p:cNvPr id="6" name="Pladsholder til indhold 2"/>
+          <p:cNvSpPr>
+            <a:spLocks noGrp="1"/>
+          </p:cNvSpPr>
+          <p:nvPr>
+            <p:ph idx="1"/>
+          </p:nvPr>
+        </p:nvSpPr>
+        <p:spPr>
+          <a:solidFill>
+            <a:srgbClr val="E6E6E6"/>
+          </a:solidFill>
+        </p:spPr>
+        <p:txBody>
+          <a:bodyPr>
+            <a:normAutofit fontScale="92500" lnSpcReduction="20000"/>
+          </a:bodyPr>
+          <a:lstStyle/>
+          <a:p>
+            <a:pPr marL="0" indent="0">
+              <a:buNone/>
+            </a:pPr>
+            <a:r>
+              <a:rPr lang="en-US" sz="2000" dirty="0" smtClean="0">
+                <a:latin typeface="Lucida Console" panose="020B0609040504020204" pitchFamily="49" charset="0"/>
+              </a:rPr>
+              <a:t>To see commit history use</a:t>
+            </a:r>
+            <a:endParaRPr lang="en-US" sz="2000" dirty="0" smtClean="0">
+              <a:latin typeface="Lucida Console" panose="020B0609040504020204" pitchFamily="49" charset="0"/>
+            </a:endParaRPr>
+          </a:p>
+          <a:p>
+            <a:pPr marL="0" indent="0">
+              <a:buNone/>
+            </a:pPr>
+            <a:r>
+              <a:rPr lang="en-US" sz="2000" b="1" dirty="0">
+                <a:solidFill>
+                  <a:srgbClr val="008A3E"/>
+                </a:solidFill>
+                <a:latin typeface="Lucida Console" panose="020B0609040504020204" pitchFamily="49" charset="0"/>
+              </a:rPr>
+              <a:t>$ </a:t>
+            </a:r>
+            <a:r>
+              <a:rPr lang="en-US" sz="2000" dirty="0" err="1" smtClean="0">
+                <a:solidFill>
+                  <a:prstClr val="black"/>
+                </a:solidFill>
+                <a:latin typeface="Lucida Console" panose="020B0609040504020204" pitchFamily="49" charset="0"/>
+              </a:rPr>
+              <a:t>git</a:t>
+            </a:r>
+            <a:r>
+              <a:rPr lang="en-US" sz="2000" dirty="0" smtClean="0">
+                <a:solidFill>
+                  <a:prstClr val="black"/>
+                </a:solidFill>
+                <a:latin typeface="Lucida Console" panose="020B0609040504020204" pitchFamily="49" charset="0"/>
+              </a:rPr>
+              <a:t> </a:t>
+            </a:r>
+            <a:r>
+              <a:rPr lang="en-US" sz="2000" dirty="0">
+                <a:solidFill>
+                  <a:prstClr val="black"/>
+                </a:solidFill>
+                <a:latin typeface="Lucida Console" panose="020B0609040504020204" pitchFamily="49" charset="0"/>
+              </a:rPr>
+              <a:t>log --stat -1</a:t>
+            </a:r>
+          </a:p>
+          <a:p>
+            <a:pPr marL="0" indent="0">
+              <a:buNone/>
+            </a:pPr>
+            <a:r>
+              <a:rPr lang="en-US" sz="2000" dirty="0">
+                <a:solidFill>
+                  <a:srgbClr val="BFBF00"/>
+                </a:solidFill>
+                <a:latin typeface="Lucida Console" panose="020B0609040504020204" pitchFamily="49" charset="0"/>
+              </a:rPr>
+              <a:t>commit 5e99b7da063e9ed615c503384d852a1a281b822a</a:t>
+            </a:r>
+          </a:p>
+          <a:p>
+            <a:pPr marL="0" indent="0">
+              <a:buNone/>
+            </a:pPr>
+            <a:r>
+              <a:rPr lang="en-US" sz="2000" dirty="0">
+                <a:solidFill>
+                  <a:prstClr val="black"/>
+                </a:solidFill>
+                <a:latin typeface="Lucida Console" panose="020B0609040504020204" pitchFamily="49" charset="0"/>
+              </a:rPr>
+              <a:t>Author: Tommy S. Alstrøm &lt;tsal@dtu.dk&gt;</a:t>
+            </a:r>
+          </a:p>
+          <a:p>
+            <a:pPr marL="0" indent="0">
+              <a:buNone/>
+            </a:pPr>
+            <a:r>
+              <a:rPr lang="en-US" sz="2000" dirty="0">
+                <a:solidFill>
+                  <a:prstClr val="black"/>
+                </a:solidFill>
+                <a:latin typeface="Lucida Console" panose="020B0609040504020204" pitchFamily="49" charset="0"/>
+              </a:rPr>
+              <a:t>Date:   Sun Nov 15 14:57:51 2015 +0100</a:t>
+            </a:r>
+          </a:p>
+          <a:p>
+            <a:pPr marL="0" indent="0">
+              <a:buNone/>
+            </a:pPr>
+            <a:endParaRPr lang="en-US" sz="2000" dirty="0">
+              <a:solidFill>
+                <a:prstClr val="black"/>
+              </a:solidFill>
+              <a:latin typeface="Lucida Console" panose="020B0609040504020204" pitchFamily="49" charset="0"/>
+            </a:endParaRPr>
+          </a:p>
+          <a:p>
+            <a:pPr marL="0" indent="0">
+              <a:buNone/>
+            </a:pPr>
+            <a:r>
+              <a:rPr lang="en-US" sz="2000" dirty="0">
+                <a:solidFill>
+                  <a:prstClr val="black"/>
+                </a:solidFill>
+                <a:latin typeface="Lucida Console" panose="020B0609040504020204" pitchFamily="49" charset="0"/>
+              </a:rPr>
+              <a:t>    Updated content of the latex file so this is no longer in bullet form.</a:t>
+            </a:r>
+          </a:p>
+          <a:p>
+            <a:pPr marL="0" indent="0">
+              <a:buNone/>
+            </a:pPr>
+            <a:endParaRPr lang="en-US" sz="2000" dirty="0">
+              <a:solidFill>
+                <a:prstClr val="black"/>
+              </a:solidFill>
+              <a:latin typeface="Lucida Console" panose="020B0609040504020204" pitchFamily="49" charset="0"/>
+            </a:endParaRPr>
+          </a:p>
+          <a:p>
+            <a:pPr marL="0" indent="0">
+              <a:buNone/>
+            </a:pPr>
+            <a:r>
+              <a:rPr lang="en-US" sz="2000" dirty="0">
+                <a:solidFill>
+                  <a:prstClr val="black"/>
+                </a:solidFill>
+                <a:latin typeface="Lucida Console" panose="020B0609040504020204" pitchFamily="49" charset="0"/>
+              </a:rPr>
+              <a:t> latex/</a:t>
+            </a:r>
+            <a:r>
+              <a:rPr lang="en-US" sz="2000" dirty="0" err="1">
+                <a:solidFill>
+                  <a:prstClr val="black"/>
+                </a:solidFill>
+                <a:latin typeface="Lucida Console" panose="020B0609040504020204" pitchFamily="49" charset="0"/>
+              </a:rPr>
+              <a:t>version_control_git.tex</a:t>
+            </a:r>
+            <a:r>
+              <a:rPr lang="en-US" sz="2000" dirty="0">
+                <a:solidFill>
+                  <a:prstClr val="black"/>
+                </a:solidFill>
+                <a:latin typeface="Lucida Console" panose="020B0609040504020204" pitchFamily="49" charset="0"/>
+              </a:rPr>
+              <a:t> | 143 </a:t>
+            </a:r>
+            <a:r>
+              <a:rPr lang="en-US" sz="2000" dirty="0">
+                <a:solidFill>
+                  <a:srgbClr val="00BF00"/>
+                </a:solidFill>
+                <a:latin typeface="Lucida Console" panose="020B0609040504020204" pitchFamily="49" charset="0"/>
+              </a:rPr>
+              <a:t>++++++++++++++++++++++++++++</a:t>
+            </a:r>
+            <a:r>
+              <a:rPr lang="en-US" sz="2000" dirty="0">
+                <a:solidFill>
+                  <a:srgbClr val="BF0000"/>
+                </a:solidFill>
+                <a:latin typeface="Lucida Console" panose="020B0609040504020204" pitchFamily="49" charset="0"/>
+              </a:rPr>
+              <a:t>--------------</a:t>
+            </a:r>
+          </a:p>
+          <a:p>
+            <a:pPr marL="0" indent="0">
+              <a:buNone/>
+            </a:pPr>
+            <a:r>
+              <a:rPr lang="en-US" sz="2000" dirty="0">
+                <a:solidFill>
+                  <a:prstClr val="black"/>
+                </a:solidFill>
+                <a:latin typeface="Lucida Console" panose="020B0609040504020204" pitchFamily="49" charset="0"/>
+              </a:rPr>
+              <a:t> 1 file changed, 95 insertions(+), 48 deletions(-)</a:t>
+            </a:r>
+          </a:p>
+          <a:p>
+            <a:pPr marL="0" indent="0">
+              <a:buNone/>
+            </a:pPr>
+            <a:endParaRPr lang="en-US" sz="2000" dirty="0">
+              <a:solidFill>
+                <a:prstClr val="black"/>
+              </a:solidFill>
+              <a:latin typeface="Lucida Console" panose="020B0609040504020204" pitchFamily="49" charset="0"/>
+            </a:endParaRPr>
+          </a:p>
+          <a:p>
+            <a:pPr marL="0" indent="0">
+              <a:buNone/>
+            </a:pPr>
+            <a:r>
+              <a:rPr lang="en-US" sz="2000" dirty="0" smtClean="0">
+                <a:solidFill>
+                  <a:prstClr val="black"/>
+                </a:solidFill>
+                <a:latin typeface="Lucida Console" panose="020B0609040504020204" pitchFamily="49" charset="0"/>
+              </a:rPr>
+              <a:t>Or launch the visual tool</a:t>
+            </a:r>
+          </a:p>
+          <a:p>
+            <a:pPr marL="0" indent="0">
+              <a:buNone/>
+            </a:pPr>
+            <a:r>
+              <a:rPr lang="en-US" sz="2000" b="1" dirty="0">
+                <a:solidFill>
+                  <a:srgbClr val="008A3E"/>
+                </a:solidFill>
+                <a:latin typeface="Lucida Console" panose="020B0609040504020204" pitchFamily="49" charset="0"/>
+              </a:rPr>
+              <a:t>$ </a:t>
+            </a:r>
+            <a:r>
+              <a:rPr lang="en-US" sz="2000" dirty="0" err="1">
+                <a:solidFill>
+                  <a:prstClr val="black"/>
+                </a:solidFill>
+                <a:latin typeface="Lucida Console" panose="020B0609040504020204" pitchFamily="49" charset="0"/>
+              </a:rPr>
+              <a:t>gitk</a:t>
+            </a:r>
+            <a:r>
+              <a:rPr lang="en-US" sz="2000" dirty="0">
+                <a:solidFill>
+                  <a:prstClr val="black"/>
+                </a:solidFill>
+                <a:latin typeface="Lucida Console" panose="020B0609040504020204" pitchFamily="49" charset="0"/>
+              </a:rPr>
+              <a:t> &amp;</a:t>
+            </a:r>
+          </a:p>
+          <a:p>
+            <a:pPr marL="0" indent="0">
+              <a:buNone/>
+            </a:pPr>
+            <a:endParaRPr lang="en-US" sz="2000" dirty="0">
+              <a:solidFill>
+                <a:prstClr val="black"/>
+              </a:solidFill>
+              <a:latin typeface="Lucida Console" panose="020B0609040504020204" pitchFamily="49" charset="0"/>
+            </a:endParaRPr>
+          </a:p>
+        </p:txBody>
+      </p:sp>
+    </p:spTree>
+    <p:extLst>
+      <p:ext uri="{BB962C8B-B14F-4D97-AF65-F5344CB8AC3E}">
+        <p14:creationId xmlns:p14="http://schemas.microsoft.com/office/powerpoint/2010/main" val="2586042408"/>
+      </p:ext>
+    </p:extLst>
+  </p:cSld>
+  <p:clrMapOvr>
+    <a:masterClrMapping/>
+  </p:clrMapOvr>
+  <p:timing>
+    <p:tnLst>
+      <p:par>
+        <p:cTn id="1" dur="indefinite" restart="never" nodeType="tmRoot"/>
+      </p:par>
+    </p:tnLst>
+  </p:timing>
+</p:sld>
+</file>
+
+<file path=ppt/slides/slide38.xml><?xml version="1.0" encoding="utf-8"?>
+<p:sld xmlns:a="http://schemas.openxmlformats.org/drawingml/2006/main" xmlns:r="http://schemas.openxmlformats.org/officeDocument/2006/relationships" xmlns:p="http://schemas.openxmlformats.org/presentationml/2006/main">
+  <p:cSld>
+    <p:spTree>
+      <p:nvGrpSpPr>
+        <p:cNvPr id="1" name=""/>
+        <p:cNvGrpSpPr/>
+        <p:nvPr/>
+      </p:nvGrpSpPr>
+      <p:grpSpPr>
+        <a:xfrm>
+          <a:off x="0" y="0"/>
+          <a:ext cx="0" cy="0"/>
+          <a:chOff x="0" y="0"/>
+          <a:chExt cx="0" cy="0"/>
+        </a:xfrm>
+      </p:grpSpPr>
+      <p:sp>
+        <p:nvSpPr>
+          <p:cNvPr id="2" name="Titel 1"/>
+          <p:cNvSpPr>
+            <a:spLocks noGrp="1"/>
+          </p:cNvSpPr>
+          <p:nvPr>
+            <p:ph type="title"/>
+          </p:nvPr>
+        </p:nvSpPr>
+        <p:spPr/>
+        <p:txBody>
+          <a:bodyPr/>
+          <a:lstStyle/>
+          <a:p>
+            <a:r>
+              <a:rPr lang="en-US" dirty="0" err="1" smtClean="0"/>
+              <a:t>Git</a:t>
+            </a:r>
+            <a:r>
+              <a:rPr lang="en-US" dirty="0" smtClean="0"/>
+              <a:t> log</a:t>
+            </a:r>
+            <a:endParaRPr lang="en-US" dirty="0"/>
+          </a:p>
+        </p:txBody>
+      </p:sp>
+      <p:sp>
+        <p:nvSpPr>
+          <p:cNvPr id="6" name="Pladsholder til indhold 2"/>
+          <p:cNvSpPr>
+            <a:spLocks noGrp="1"/>
+          </p:cNvSpPr>
+          <p:nvPr>
+            <p:ph idx="1"/>
+          </p:nvPr>
+        </p:nvSpPr>
+        <p:spPr>
+          <a:solidFill>
+            <a:srgbClr val="E6E6E6"/>
+          </a:solidFill>
+        </p:spPr>
+        <p:txBody>
+          <a:bodyPr>
+            <a:normAutofit/>
+          </a:bodyPr>
+          <a:lstStyle/>
+          <a:p>
+            <a:pPr marL="0" indent="0">
+              <a:buNone/>
+            </a:pPr>
+            <a:r>
+              <a:rPr lang="en-US" sz="2000" dirty="0" smtClean="0">
+                <a:latin typeface="Lucida Console" panose="020B0609040504020204" pitchFamily="49" charset="0"/>
+              </a:rPr>
+              <a:t>See current branches</a:t>
+            </a:r>
+            <a:endParaRPr lang="en-US" sz="2000" dirty="0" smtClean="0">
+              <a:latin typeface="Lucida Console" panose="020B0609040504020204" pitchFamily="49" charset="0"/>
+            </a:endParaRPr>
+          </a:p>
+          <a:p>
+            <a:pPr marL="0" indent="0">
+              <a:buNone/>
+            </a:pPr>
+            <a:r>
+              <a:rPr lang="en-US" sz="2000" b="1" dirty="0">
+                <a:solidFill>
+                  <a:srgbClr val="008A3E"/>
+                </a:solidFill>
+                <a:latin typeface="Lucida Console" panose="020B0609040504020204" pitchFamily="49" charset="0"/>
+              </a:rPr>
+              <a:t>$ </a:t>
+            </a:r>
+            <a:r>
+              <a:rPr lang="en-US" sz="2000" dirty="0" err="1" smtClean="0">
+                <a:solidFill>
+                  <a:prstClr val="black"/>
+                </a:solidFill>
+                <a:latin typeface="Lucida Console" panose="020B0609040504020204" pitchFamily="49" charset="0"/>
+              </a:rPr>
+              <a:t>git</a:t>
+            </a:r>
+            <a:r>
+              <a:rPr lang="en-US" sz="2000" dirty="0" smtClean="0">
+                <a:solidFill>
+                  <a:prstClr val="black"/>
+                </a:solidFill>
+                <a:latin typeface="Lucida Console" panose="020B0609040504020204" pitchFamily="49" charset="0"/>
+              </a:rPr>
+              <a:t> </a:t>
+            </a:r>
+            <a:r>
+              <a:rPr lang="en-US" sz="2000" dirty="0">
+                <a:solidFill>
+                  <a:prstClr val="black"/>
+                </a:solidFill>
+                <a:latin typeface="Lucida Console" panose="020B0609040504020204" pitchFamily="49" charset="0"/>
+              </a:rPr>
+              <a:t>branch</a:t>
+            </a:r>
+          </a:p>
+          <a:p>
+            <a:pPr marL="0" indent="0">
+              <a:buNone/>
+            </a:pPr>
+            <a:r>
+              <a:rPr lang="en-US" sz="2000" dirty="0">
+                <a:solidFill>
+                  <a:prstClr val="black"/>
+                </a:solidFill>
+                <a:latin typeface="Lucida Console" panose="020B0609040504020204" pitchFamily="49" charset="0"/>
+              </a:rPr>
+              <a:t>* </a:t>
+            </a:r>
+            <a:r>
+              <a:rPr lang="en-US" sz="2000" dirty="0">
+                <a:solidFill>
+                  <a:srgbClr val="00BF00"/>
+                </a:solidFill>
+                <a:latin typeface="Lucida Console" panose="020B0609040504020204" pitchFamily="49" charset="0"/>
+              </a:rPr>
+              <a:t>master</a:t>
+            </a:r>
+          </a:p>
+          <a:p>
+            <a:pPr marL="0" indent="0">
+              <a:buNone/>
+            </a:pPr>
+            <a:endParaRPr lang="en-US" sz="2000" b="1" dirty="0" smtClean="0">
+              <a:solidFill>
+                <a:srgbClr val="008A3E"/>
+              </a:solidFill>
+              <a:latin typeface="Lucida Console" panose="020B0609040504020204" pitchFamily="49" charset="0"/>
+            </a:endParaRPr>
+          </a:p>
+          <a:p>
+            <a:pPr marL="0" indent="0">
+              <a:buNone/>
+            </a:pPr>
+            <a:r>
+              <a:rPr lang="en-US" sz="2000" dirty="0" smtClean="0">
+                <a:solidFill>
+                  <a:prstClr val="black"/>
+                </a:solidFill>
+                <a:latin typeface="Lucida Console" panose="020B0609040504020204" pitchFamily="49" charset="0"/>
+              </a:rPr>
+              <a:t>Create a new branch with</a:t>
+            </a:r>
+          </a:p>
+          <a:p>
+            <a:pPr marL="0" indent="0">
+              <a:buNone/>
+            </a:pPr>
+            <a:r>
+              <a:rPr lang="en-US" sz="2000" b="1" dirty="0">
+                <a:solidFill>
+                  <a:srgbClr val="008A3E"/>
+                </a:solidFill>
+                <a:latin typeface="Lucida Console" panose="020B0609040504020204" pitchFamily="49" charset="0"/>
+              </a:rPr>
+              <a:t>$ </a:t>
+            </a:r>
+            <a:r>
+              <a:rPr lang="en-US" sz="2000" dirty="0" err="1">
+                <a:solidFill>
+                  <a:prstClr val="black"/>
+                </a:solidFill>
+                <a:latin typeface="Lucida Console" panose="020B0609040504020204" pitchFamily="49" charset="0"/>
+              </a:rPr>
+              <a:t>git</a:t>
+            </a:r>
+            <a:r>
+              <a:rPr lang="en-US" sz="2000" dirty="0">
+                <a:solidFill>
+                  <a:prstClr val="black"/>
+                </a:solidFill>
+                <a:latin typeface="Lucida Console" panose="020B0609040504020204" pitchFamily="49" charset="0"/>
+              </a:rPr>
+              <a:t> </a:t>
+            </a:r>
+            <a:r>
+              <a:rPr lang="en-US" sz="2000" dirty="0" smtClean="0">
+                <a:solidFill>
+                  <a:prstClr val="black"/>
+                </a:solidFill>
+                <a:latin typeface="Lucida Console" panose="020B0609040504020204" pitchFamily="49" charset="0"/>
+              </a:rPr>
+              <a:t>branch &lt;new </a:t>
+            </a:r>
+            <a:r>
+              <a:rPr lang="en-US" sz="2000" dirty="0" err="1" smtClean="0">
+                <a:solidFill>
+                  <a:prstClr val="black"/>
+                </a:solidFill>
+                <a:latin typeface="Lucida Console" panose="020B0609040504020204" pitchFamily="49" charset="0"/>
+              </a:rPr>
+              <a:t>branchname</a:t>
+            </a:r>
+            <a:r>
+              <a:rPr lang="en-US" sz="2000" dirty="0" smtClean="0">
+                <a:solidFill>
+                  <a:prstClr val="black"/>
+                </a:solidFill>
+                <a:latin typeface="Lucida Console" panose="020B0609040504020204" pitchFamily="49" charset="0"/>
+              </a:rPr>
+              <a:t>&gt;</a:t>
+            </a:r>
+            <a:endParaRPr lang="en-US" sz="2000" dirty="0">
+              <a:solidFill>
+                <a:prstClr val="black"/>
+              </a:solidFill>
+              <a:latin typeface="Lucida Console" panose="020B0609040504020204" pitchFamily="49" charset="0"/>
+            </a:endParaRPr>
+          </a:p>
+          <a:p>
+            <a:pPr marL="0" indent="0">
+              <a:buNone/>
+            </a:pPr>
+            <a:endParaRPr lang="en-US" sz="2000" dirty="0" smtClean="0">
+              <a:solidFill>
+                <a:prstClr val="black"/>
+              </a:solidFill>
+              <a:latin typeface="Lucida Console" panose="020B0609040504020204" pitchFamily="49" charset="0"/>
+            </a:endParaRPr>
+          </a:p>
+          <a:p>
+            <a:pPr marL="0" indent="0">
+              <a:buNone/>
+            </a:pPr>
+            <a:endParaRPr lang="en-US" sz="2000" dirty="0">
+              <a:solidFill>
+                <a:prstClr val="black"/>
+              </a:solidFill>
+              <a:latin typeface="Lucida Console" panose="020B0609040504020204" pitchFamily="49" charset="0"/>
+            </a:endParaRPr>
+          </a:p>
+          <a:p>
+            <a:pPr marL="0" indent="0">
+              <a:buNone/>
+            </a:pPr>
+            <a:r>
+              <a:rPr lang="en-US" sz="2000" dirty="0" smtClean="0">
+                <a:solidFill>
+                  <a:prstClr val="black"/>
+                </a:solidFill>
+                <a:latin typeface="Lucida Console" panose="020B0609040504020204" pitchFamily="49" charset="0"/>
+              </a:rPr>
+              <a:t>Delete a branch using</a:t>
+            </a:r>
+            <a:endParaRPr lang="en-US" sz="2000" dirty="0">
+              <a:solidFill>
+                <a:prstClr val="black"/>
+              </a:solidFill>
+              <a:latin typeface="Lucida Console" panose="020B0609040504020204" pitchFamily="49" charset="0"/>
+            </a:endParaRPr>
+          </a:p>
+          <a:p>
+            <a:pPr marL="0" indent="0">
+              <a:buNone/>
+            </a:pPr>
+            <a:r>
+              <a:rPr lang="en-US" sz="2000" b="1" dirty="0">
+                <a:solidFill>
+                  <a:srgbClr val="008A3E"/>
+                </a:solidFill>
+                <a:latin typeface="Lucida Console" panose="020B0609040504020204" pitchFamily="49" charset="0"/>
+              </a:rPr>
+              <a:t>$ </a:t>
+            </a:r>
+            <a:r>
+              <a:rPr lang="en-US" sz="2000" dirty="0" err="1">
+                <a:solidFill>
+                  <a:prstClr val="black"/>
+                </a:solidFill>
+                <a:latin typeface="Lucida Console" panose="020B0609040504020204" pitchFamily="49" charset="0"/>
+              </a:rPr>
+              <a:t>git</a:t>
+            </a:r>
+            <a:r>
+              <a:rPr lang="en-US" sz="2000" dirty="0">
+                <a:solidFill>
+                  <a:prstClr val="black"/>
+                </a:solidFill>
+                <a:latin typeface="Lucida Console" panose="020B0609040504020204" pitchFamily="49" charset="0"/>
+              </a:rPr>
+              <a:t> branch </a:t>
+            </a:r>
+            <a:r>
+              <a:rPr lang="en-US" sz="2000" dirty="0" smtClean="0">
+                <a:solidFill>
+                  <a:prstClr val="black"/>
+                </a:solidFill>
+                <a:latin typeface="Lucida Console" panose="020B0609040504020204" pitchFamily="49" charset="0"/>
+              </a:rPr>
+              <a:t>–d &lt;</a:t>
+            </a:r>
+            <a:r>
+              <a:rPr lang="en-US" sz="2000" dirty="0" err="1" smtClean="0">
+                <a:solidFill>
+                  <a:prstClr val="black"/>
+                </a:solidFill>
+                <a:latin typeface="Lucida Console" panose="020B0609040504020204" pitchFamily="49" charset="0"/>
+              </a:rPr>
+              <a:t>branchname</a:t>
+            </a:r>
+            <a:r>
+              <a:rPr lang="en-US" sz="2000" smtClean="0">
+                <a:solidFill>
+                  <a:prstClr val="black"/>
+                </a:solidFill>
+                <a:latin typeface="Lucida Console" panose="020B0609040504020204" pitchFamily="49" charset="0"/>
+              </a:rPr>
+              <a:t>&gt;</a:t>
+            </a:r>
+            <a:endParaRPr lang="en-US" sz="2000" dirty="0" smtClean="0">
+              <a:solidFill>
+                <a:prstClr val="black"/>
+              </a:solidFill>
+              <a:latin typeface="Lucida Console" panose="020B0609040504020204" pitchFamily="49" charset="0"/>
+            </a:endParaRPr>
+          </a:p>
+        </p:txBody>
+      </p:sp>
+      <p:sp>
+        <p:nvSpPr>
+          <p:cNvPr id="4" name="Rektangel 3"/>
+          <p:cNvSpPr/>
+          <p:nvPr/>
+        </p:nvSpPr>
+        <p:spPr>
+          <a:xfrm>
+            <a:off x="2209800" y="-1143000"/>
+            <a:ext cx="4572000" cy="707886"/>
+          </a:xfrm>
+          <a:prstGeom prst="rect">
+            <a:avLst/>
+          </a:prstGeom>
+        </p:spPr>
+        <p:txBody>
+          <a:bodyPr>
+            <a:spAutoFit/>
+          </a:bodyPr>
+          <a:lstStyle/>
+          <a:p>
+            <a:r>
+              <a:rPr lang="en-US" dirty="0">
+                <a:solidFill>
+                  <a:prstClr val="black"/>
+                </a:solidFill>
+                <a:latin typeface="Lucida Console" panose="020B0609040504020204" pitchFamily="49" charset="0"/>
+              </a:rPr>
+              <a:t>$ </a:t>
+            </a:r>
+            <a:r>
+              <a:rPr lang="en-US" dirty="0" err="1">
+                <a:solidFill>
+                  <a:prstClr val="black"/>
+                </a:solidFill>
+                <a:latin typeface="Lucida Console" panose="020B0609040504020204" pitchFamily="49" charset="0"/>
+              </a:rPr>
+              <a:t>git</a:t>
+            </a:r>
+            <a:r>
+              <a:rPr lang="en-US" dirty="0">
+                <a:solidFill>
+                  <a:prstClr val="black"/>
+                </a:solidFill>
+                <a:latin typeface="Lucida Console" panose="020B0609040504020204" pitchFamily="49" charset="0"/>
+              </a:rPr>
+              <a:t> branch</a:t>
+            </a:r>
+          </a:p>
+          <a:p>
+            <a:r>
+              <a:rPr lang="en-US" dirty="0">
+                <a:solidFill>
+                  <a:prstClr val="black"/>
+                </a:solidFill>
+                <a:latin typeface="Lucida Console" panose="020B0609040504020204" pitchFamily="49" charset="0"/>
+              </a:rPr>
+              <a:t>* </a:t>
+            </a:r>
+            <a:r>
+              <a:rPr lang="en-US" dirty="0">
+                <a:solidFill>
+                  <a:srgbClr val="00BF00"/>
+                </a:solidFill>
+                <a:latin typeface="Lucida Console" panose="020B0609040504020204" pitchFamily="49" charset="0"/>
+              </a:rPr>
+              <a:t>master</a:t>
+            </a:r>
+          </a:p>
+        </p:txBody>
+      </p:sp>
+      <p:sp>
+        <p:nvSpPr>
+          <p:cNvPr id="5" name="Rektangel 4"/>
+          <p:cNvSpPr/>
+          <p:nvPr/>
+        </p:nvSpPr>
+        <p:spPr>
+          <a:xfrm>
+            <a:off x="4267200" y="-1897053"/>
+            <a:ext cx="4572000" cy="2923877"/>
+          </a:xfrm>
+          <a:prstGeom prst="rect">
+            <a:avLst/>
+          </a:prstGeom>
+        </p:spPr>
+        <p:txBody>
+          <a:bodyPr>
+            <a:spAutoFit/>
+          </a:bodyPr>
+          <a:lstStyle/>
+          <a:p>
+            <a:r>
+              <a:rPr lang="en-US" dirty="0" err="1">
+                <a:solidFill>
+                  <a:srgbClr val="00BF00"/>
+                </a:solidFill>
+                <a:latin typeface="Lucida Console" panose="020B0609040504020204" pitchFamily="49" charset="0"/>
+              </a:rPr>
+              <a:t>tommysl@tommysl-PC</a:t>
+            </a:r>
+            <a:r>
+              <a:rPr lang="en-US" dirty="0">
+                <a:solidFill>
+                  <a:srgbClr val="00BF00"/>
+                </a:solidFill>
+                <a:latin typeface="Lucida Console" panose="020B0609040504020204" pitchFamily="49" charset="0"/>
+              </a:rPr>
+              <a:t> </a:t>
+            </a:r>
+            <a:r>
+              <a:rPr lang="en-US" dirty="0">
+                <a:solidFill>
+                  <a:srgbClr val="BF00BF"/>
+                </a:solidFill>
+                <a:latin typeface="Lucida Console" panose="020B0609040504020204" pitchFamily="49" charset="0"/>
+              </a:rPr>
+              <a:t>MINGW64 </a:t>
+            </a:r>
+            <a:r>
+              <a:rPr lang="en-US" dirty="0">
+                <a:solidFill>
+                  <a:srgbClr val="BFBF00"/>
+                </a:solidFill>
+                <a:latin typeface="Lucida Console" panose="020B0609040504020204" pitchFamily="49" charset="0"/>
+              </a:rPr>
+              <a:t>/e/DTU/courses/</a:t>
+            </a:r>
+            <a:r>
+              <a:rPr lang="en-US" dirty="0" err="1">
+                <a:solidFill>
+                  <a:srgbClr val="BFBF00"/>
+                </a:solidFill>
+                <a:latin typeface="Lucida Console" panose="020B0609040504020204" pitchFamily="49" charset="0"/>
+              </a:rPr>
+              <a:t>ResearchSoftwareTools</a:t>
+            </a:r>
+            <a:r>
+              <a:rPr lang="en-US" dirty="0">
+                <a:solidFill>
+                  <a:srgbClr val="BFBF00"/>
+                </a:solidFill>
+                <a:latin typeface="Lucida Console" panose="020B0609040504020204" pitchFamily="49" charset="0"/>
+              </a:rPr>
+              <a:t>/ws4_version_control_git</a:t>
+            </a:r>
+            <a:r>
+              <a:rPr lang="en-US" dirty="0">
+                <a:solidFill>
+                  <a:srgbClr val="00BFBF"/>
+                </a:solidFill>
+                <a:latin typeface="Lucida Console" panose="020B0609040504020204" pitchFamily="49" charset="0"/>
+              </a:rPr>
+              <a:t> (master)</a:t>
+            </a:r>
+          </a:p>
+          <a:p>
+            <a:r>
+              <a:rPr lang="en-US" dirty="0">
+                <a:solidFill>
+                  <a:prstClr val="black"/>
+                </a:solidFill>
+                <a:latin typeface="Lucida Console" panose="020B0609040504020204" pitchFamily="49" charset="0"/>
+              </a:rPr>
+              <a:t>$ </a:t>
+            </a:r>
+            <a:r>
+              <a:rPr lang="en-US" dirty="0" err="1">
+                <a:solidFill>
+                  <a:prstClr val="black"/>
+                </a:solidFill>
+                <a:latin typeface="Lucida Console" panose="020B0609040504020204" pitchFamily="49" charset="0"/>
+              </a:rPr>
+              <a:t>git</a:t>
+            </a:r>
+            <a:r>
+              <a:rPr lang="en-US" dirty="0">
+                <a:solidFill>
+                  <a:prstClr val="black"/>
+                </a:solidFill>
+                <a:latin typeface="Lucida Console" panose="020B0609040504020204" pitchFamily="49" charset="0"/>
+              </a:rPr>
+              <a:t> checkout -b testing</a:t>
+            </a:r>
+          </a:p>
+          <a:p>
+            <a:r>
+              <a:rPr lang="en-US" dirty="0">
+                <a:solidFill>
+                  <a:prstClr val="black"/>
+                </a:solidFill>
+                <a:latin typeface="Lucida Console" panose="020B0609040504020204" pitchFamily="49" charset="0"/>
+              </a:rPr>
+              <a:t>D       License</a:t>
+            </a:r>
+          </a:p>
+          <a:p>
+            <a:r>
+              <a:rPr lang="en-US" dirty="0">
+                <a:solidFill>
+                  <a:prstClr val="black"/>
+                </a:solidFill>
+                <a:latin typeface="Lucida Console" panose="020B0609040504020204" pitchFamily="49" charset="0"/>
+              </a:rPr>
+              <a:t>M       latex/</a:t>
+            </a:r>
+            <a:r>
+              <a:rPr lang="en-US" dirty="0" err="1">
+                <a:solidFill>
+                  <a:prstClr val="black"/>
+                </a:solidFill>
+                <a:latin typeface="Lucida Console" panose="020B0609040504020204" pitchFamily="49" charset="0"/>
+              </a:rPr>
+              <a:t>version_control_git.tex</a:t>
+            </a:r>
+            <a:endParaRPr lang="en-US" dirty="0">
+              <a:solidFill>
+                <a:prstClr val="black"/>
+              </a:solidFill>
+              <a:latin typeface="Lucida Console" panose="020B0609040504020204" pitchFamily="49" charset="0"/>
+            </a:endParaRPr>
+          </a:p>
+          <a:p>
+            <a:r>
+              <a:rPr lang="en-US" dirty="0">
+                <a:solidFill>
+                  <a:prstClr val="black"/>
+                </a:solidFill>
+                <a:latin typeface="Lucida Console" panose="020B0609040504020204" pitchFamily="49" charset="0"/>
+              </a:rPr>
+              <a:t>M       version_control_git.pptx</a:t>
+            </a:r>
+          </a:p>
+          <a:p>
+            <a:r>
+              <a:rPr lang="en-US" dirty="0">
+                <a:solidFill>
+                  <a:prstClr val="black"/>
+                </a:solidFill>
+                <a:latin typeface="Lucida Console" panose="020B0609040504020204" pitchFamily="49" charset="0"/>
+              </a:rPr>
+              <a:t>Switched to a new branch 'testing'</a:t>
+            </a:r>
+          </a:p>
+        </p:txBody>
+      </p:sp>
+    </p:spTree>
+    <p:extLst>
+      <p:ext uri="{BB962C8B-B14F-4D97-AF65-F5344CB8AC3E}">
+        <p14:creationId xmlns:p14="http://schemas.microsoft.com/office/powerpoint/2010/main" val="2106008925"/>
+      </p:ext>
+    </p:extLst>
+  </p:cSld>
+  <p:clrMapOvr>
+    <a:masterClrMapping/>
+  </p:clrMapOvr>
+  <p:timing>
+    <p:tnLst>
+      <p:par>
+        <p:cTn id="1" dur="indefinite" restart="never" nodeType="tmRoot"/>
+      </p:par>
+    </p:tnLst>
+  </p:timing>
+</p:sld>
+</file>
+
+<file path=ppt/slides/slide39.xml><?xml version="1.0" encoding="utf-8"?>
+<p:sld xmlns:a="http://schemas.openxmlformats.org/drawingml/2006/main" xmlns:r="http://schemas.openxmlformats.org/officeDocument/2006/relationships" xmlns:p="http://schemas.openxmlformats.org/presentationml/2006/main">
+  <p:cSld>
+    <p:spTree>
+      <p:nvGrpSpPr>
+        <p:cNvPr id="1" name=""/>
+        <p:cNvGrpSpPr/>
+        <p:nvPr/>
+      </p:nvGrpSpPr>
+      <p:grpSpPr>
+        <a:xfrm>
+          <a:off x="0" y="0"/>
+          <a:ext cx="0" cy="0"/>
+          <a:chOff x="0" y="0"/>
+          <a:chExt cx="0" cy="0"/>
+        </a:xfrm>
+      </p:grpSpPr>
+      <p:sp>
+        <p:nvSpPr>
+          <p:cNvPr id="2" name="Title 1"/>
+          <p:cNvSpPr>
+            <a:spLocks noGrp="1"/>
+          </p:cNvSpPr>
+          <p:nvPr>
+            <p:ph type="title"/>
+          </p:nvPr>
+        </p:nvSpPr>
+        <p:spPr/>
+        <p:txBody>
+          <a:bodyPr/>
+          <a:lstStyle/>
+          <a:p>
+            <a:pPr algn="ctr"/>
+            <a:r>
+              <a:rPr lang="en-US" dirty="0" smtClean="0"/>
+              <a:t>Branching – the mainline model</a:t>
+            </a:r>
+            <a:br>
+              <a:rPr lang="en-US" dirty="0" smtClean="0"/>
+            </a:br>
+            <a:endParaRPr lang="da-DK" dirty="0"/>
+          </a:p>
+        </p:txBody>
+      </p:sp>
+      <p:pic>
+        <p:nvPicPr>
+          <p:cNvPr id="3" name="Picture 2"/>
+          <p:cNvPicPr>
+            <a:picLocks noChangeAspect="1"/>
+          </p:cNvPicPr>
+          <p:nvPr/>
+        </p:nvPicPr>
+        <p:blipFill>
+          <a:blip r:embed="rId2"/>
+          <a:stretch>
+            <a:fillRect/>
+          </a:stretch>
+        </p:blipFill>
+        <p:spPr>
+          <a:xfrm>
+            <a:off x="-533400" y="1371600"/>
+            <a:ext cx="10010288" cy="4495800"/>
+          </a:xfrm>
+          <a:prstGeom prst="rect">
+            <a:avLst/>
+          </a:prstGeom>
+        </p:spPr>
+      </p:pic>
+      <p:sp>
+        <p:nvSpPr>
+          <p:cNvPr id="5" name="TextBox 5"/>
+          <p:cNvSpPr txBox="1"/>
+          <p:nvPr/>
+        </p:nvSpPr>
+        <p:spPr>
+          <a:xfrm>
+            <a:off x="607382" y="5793808"/>
+            <a:ext cx="7774618" cy="307777"/>
+          </a:xfrm>
+          <a:prstGeom prst="rect">
+            <a:avLst/>
+          </a:prstGeom>
+          <a:solidFill>
+            <a:schemeClr val="accent1"/>
+          </a:solidFill>
+        </p:spPr>
+        <p:txBody>
+          <a:bodyPr wrap="square" rtlCol="0">
+            <a:spAutoFit/>
+          </a:bodyPr>
+          <a:lstStyle/>
+          <a:p>
+            <a:r>
+              <a:rPr lang="en-US" sz="1400" dirty="0"/>
+              <a:t>https://www.perforce.com/resources/tutorials/mainline-model</a:t>
+            </a:r>
+            <a:endParaRPr lang="en-US" sz="1400" dirty="0"/>
+          </a:p>
+        </p:txBody>
+      </p:sp>
+    </p:spTree>
+    <p:extLst>
+      <p:ext uri="{BB962C8B-B14F-4D97-AF65-F5344CB8AC3E}">
+        <p14:creationId xmlns:p14="http://schemas.microsoft.com/office/powerpoint/2010/main" val="3520009945"/>
+      </p:ext>
+    </p:extLst>
+  </p:cSld>
+  <p:clrMapOvr>
+    <a:masterClrMapping/>
+  </p:clrMapOvr>
+  <p:timing>
+    <p:tnLst>
+      <p:par>
+        <p:cTn id="1" dur="indefinite" restart="never" nodeType="tmRoot"/>
+      </p:par>
+    </p:tnLst>
+  </p:timing>
+</p:sld>
+</file>
+
+<file path=ppt/slides/slide4.xml><?xml version="1.0" encoding="utf-8"?>
+<p:sld xmlns:a="http://schemas.openxmlformats.org/drawingml/2006/main" xmlns:r="http://schemas.openxmlformats.org/officeDocument/2006/relationships" xmlns:p="http://schemas.openxmlformats.org/presentationml/2006/main">
+  <p:cSld>
+    <p:spTree>
+      <p:nvGrpSpPr>
+        <p:cNvPr id="1" name=""/>
+        <p:cNvGrpSpPr/>
+        <p:nvPr/>
+      </p:nvGrpSpPr>
+      <p:grpSpPr>
+        <a:xfrm>
+          <a:off x="0" y="0"/>
+          <a:ext cx="0" cy="0"/>
+          <a:chOff x="0" y="0"/>
+          <a:chExt cx="0" cy="0"/>
+        </a:xfrm>
+      </p:grpSpPr>
+      <p:sp>
+        <p:nvSpPr>
+          <p:cNvPr id="5" name="Title 4"/>
+          <p:cNvSpPr>
+            <a:spLocks noGrp="1"/>
+          </p:cNvSpPr>
+          <p:nvPr>
+            <p:ph type="title"/>
+          </p:nvPr>
+        </p:nvSpPr>
+        <p:spPr/>
+        <p:txBody>
+          <a:bodyPr/>
+          <a:lstStyle/>
+          <a:p>
+            <a:pPr algn="ctr"/>
+            <a:r>
+              <a:rPr lang="en-US" dirty="0" smtClean="0"/>
+              <a:t>Why a versioning control system?</a:t>
+            </a:r>
+            <a:br>
+              <a:rPr lang="en-US" dirty="0" smtClean="0"/>
+            </a:br>
+            <a:endParaRPr lang="en-US" dirty="0"/>
+          </a:p>
+        </p:txBody>
+      </p:sp>
+      <p:pic>
+        <p:nvPicPr>
+          <p:cNvPr id="4" name="Picture 2" descr="_images/version_control.gif"/>
+          <p:cNvPicPr>
+            <a:picLocks noChangeAspect="1" noChangeArrowheads="1"/>
+          </p:cNvPicPr>
+          <p:nvPr/>
+        </p:nvPicPr>
+        <p:blipFill>
+          <a:blip r:embed="rId2">
+            <a:extLst>
+              <a:ext uri="{28A0092B-C50C-407E-A947-70E740481C1C}">
+                <a14:useLocalDpi xmlns:a14="http://schemas.microsoft.com/office/drawing/2010/main" val="0"/>
+              </a:ext>
+            </a:extLst>
+          </a:blip>
+          <a:srcRect/>
+          <a:stretch>
+            <a:fillRect/>
+          </a:stretch>
+        </p:blipFill>
+        <p:spPr bwMode="auto">
+          <a:xfrm>
+            <a:off x="1257300" y="1094740"/>
+            <a:ext cx="6629400" cy="5347716"/>
+          </a:xfrm>
+          <a:prstGeom prst="rect">
+            <a:avLst/>
+          </a:prstGeom>
+          <a:noFill/>
+          <a:extLst>
+            <a:ext uri="{909E8E84-426E-40DD-AFC4-6F175D3DCCD1}">
+              <a14:hiddenFill xmlns:a14="http://schemas.microsoft.com/office/drawing/2010/main">
+                <a:solidFill>
+                  <a:srgbClr val="FFFFFF"/>
+                </a:solidFill>
+              </a14:hiddenFill>
+            </a:ext>
+          </a:extLst>
+        </p:spPr>
+      </p:pic>
+      <p:sp>
+        <p:nvSpPr>
+          <p:cNvPr id="6" name="TextBox 5"/>
+          <p:cNvSpPr txBox="1"/>
+          <p:nvPr/>
+        </p:nvSpPr>
+        <p:spPr>
+          <a:xfrm>
+            <a:off x="3010322" y="6367046"/>
+            <a:ext cx="3123356" cy="338554"/>
+          </a:xfrm>
+          <a:prstGeom prst="rect">
+            <a:avLst/>
+          </a:prstGeom>
+          <a:solidFill>
+            <a:schemeClr val="accent1"/>
+          </a:solidFill>
+        </p:spPr>
+        <p:txBody>
+          <a:bodyPr wrap="none" rtlCol="0">
+            <a:spAutoFit/>
+          </a:bodyPr>
+          <a:lstStyle/>
+          <a:p>
+            <a:r>
+              <a:rPr lang="da-DK" dirty="0"/>
+              <a:t>http://git-lectures.github.io/</a:t>
+            </a:r>
+          </a:p>
+        </p:txBody>
+      </p:sp>
+    </p:spTree>
+    <p:extLst>
+      <p:ext uri="{BB962C8B-B14F-4D97-AF65-F5344CB8AC3E}">
+        <p14:creationId xmlns:p14="http://schemas.microsoft.com/office/powerpoint/2010/main" val="249728927"/>
+      </p:ext>
+    </p:extLst>
+  </p:cSld>
+  <p:clrMapOvr>
+    <a:masterClrMapping/>
+  </p:clrMapOvr>
+  <p:timing>
+    <p:tnLst>
+      <p:par>
+        <p:cTn id="1" dur="indefinite" restart="never" nodeType="tmRoot"/>
+      </p:par>
+    </p:tnLst>
+  </p:timing>
+</p:sld>
+</file>
+
+<file path=ppt/slides/slide40.xml><?xml version="1.0" encoding="utf-8"?>
+<p:sld xmlns:a="http://schemas.openxmlformats.org/drawingml/2006/main" xmlns:r="http://schemas.openxmlformats.org/officeDocument/2006/relationships" xmlns:p="http://schemas.openxmlformats.org/presentationml/2006/main">
+  <p:cSld>
+    <p:spTree>
+      <p:nvGrpSpPr>
+        <p:cNvPr id="1" name=""/>
+        <p:cNvGrpSpPr/>
+        <p:nvPr/>
+      </p:nvGrpSpPr>
+      <p:grpSpPr>
+        <a:xfrm>
+          <a:off x="0" y="0"/>
+          <a:ext cx="0" cy="0"/>
+          <a:chOff x="0" y="0"/>
+          <a:chExt cx="0" cy="0"/>
+        </a:xfrm>
+      </p:grpSpPr>
+      <p:sp>
+        <p:nvSpPr>
+          <p:cNvPr id="3" name="Titel 2"/>
+          <p:cNvSpPr>
+            <a:spLocks noGrp="1"/>
+          </p:cNvSpPr>
+          <p:nvPr>
+            <p:ph type="title"/>
+          </p:nvPr>
+        </p:nvSpPr>
+        <p:spPr/>
+        <p:txBody>
+          <a:bodyPr/>
+          <a:lstStyle/>
+          <a:p>
+            <a:pPr algn="ctr"/>
+            <a:r>
+              <a:rPr lang="en-US" dirty="0"/>
+              <a:t>Now lets </a:t>
+            </a:r>
+            <a:r>
+              <a:rPr lang="en-US" dirty="0" smtClean="0"/>
+              <a:t>look at </a:t>
+            </a:r>
+            <a:r>
+              <a:rPr lang="en-US" dirty="0" err="1"/>
+              <a:t>github</a:t>
+            </a:r>
+            <a:r>
+              <a:rPr lang="en-US" dirty="0"/>
+              <a:t> </a:t>
+            </a:r>
+            <a:r>
+              <a:rPr lang="en-US" dirty="0" smtClean="0"/>
+              <a:t>web:</a:t>
+            </a:r>
+            <a:br>
+              <a:rPr lang="en-US" dirty="0" smtClean="0"/>
+            </a:br>
+            <a:r>
+              <a:rPr lang="en-US" dirty="0"/>
+              <a:t>https://github.com/git/git</a:t>
+            </a:r>
+            <a:br>
+              <a:rPr lang="en-US" dirty="0"/>
+            </a:br>
+            <a:endParaRPr lang="en-US" dirty="0"/>
+          </a:p>
+        </p:txBody>
+      </p:sp>
+      <p:sp>
+        <p:nvSpPr>
+          <p:cNvPr id="4" name="Pladsholder til indhold 3"/>
+          <p:cNvSpPr>
+            <a:spLocks noGrp="1"/>
+          </p:cNvSpPr>
+          <p:nvPr>
+            <p:ph idx="1"/>
+          </p:nvPr>
+        </p:nvSpPr>
+        <p:spPr/>
+        <p:txBody>
+          <a:bodyPr/>
+          <a:lstStyle/>
+          <a:p>
+            <a:pPr marL="0" indent="0">
+              <a:buNone/>
+            </a:pPr>
+            <a:endParaRPr lang="en-US" dirty="0"/>
+          </a:p>
+        </p:txBody>
+      </p:sp>
+      <p:pic>
+        <p:nvPicPr>
+          <p:cNvPr id="5" name="Billede 4"/>
+          <p:cNvPicPr>
+            <a:picLocks noChangeAspect="1"/>
+          </p:cNvPicPr>
+          <p:nvPr/>
+        </p:nvPicPr>
+        <p:blipFill>
+          <a:blip r:embed="rId2"/>
+          <a:stretch>
+            <a:fillRect/>
+          </a:stretch>
+        </p:blipFill>
+        <p:spPr>
+          <a:xfrm>
+            <a:off x="457199" y="1219200"/>
+            <a:ext cx="8216747" cy="5105400"/>
+          </a:xfrm>
+          <a:prstGeom prst="rect">
+            <a:avLst/>
+          </a:prstGeom>
+        </p:spPr>
+      </p:pic>
+    </p:spTree>
+    <p:extLst>
+      <p:ext uri="{BB962C8B-B14F-4D97-AF65-F5344CB8AC3E}">
+        <p14:creationId xmlns:p14="http://schemas.microsoft.com/office/powerpoint/2010/main" val="271988615"/>
+      </p:ext>
+    </p:extLst>
+  </p:cSld>
+  <p:clrMapOvr>
+    <a:masterClrMapping/>
+  </p:clrMapOvr>
+  <p:timing>
+    <p:tnLst>
+      <p:par>
+        <p:cTn id="1" dur="indefinite" restart="never" nodeType="tmRoot"/>
+      </p:par>
+    </p:tnLst>
+  </p:timing>
+</p:sld>
+</file>
+
+<file path=ppt/slides/slide41.xml><?xml version="1.0" encoding="utf-8"?>
+<p:sld xmlns:a="http://schemas.openxmlformats.org/drawingml/2006/main" xmlns:r="http://schemas.openxmlformats.org/officeDocument/2006/relationships" xmlns:p="http://schemas.openxmlformats.org/presentationml/2006/main">
+  <p:cSld>
+    <p:spTree>
+      <p:nvGrpSpPr>
+        <p:cNvPr id="1" name=""/>
+        <p:cNvGrpSpPr/>
+        <p:nvPr/>
+      </p:nvGrpSpPr>
+      <p:grpSpPr>
+        <a:xfrm>
+          <a:off x="0" y="0"/>
+          <a:ext cx="0" cy="0"/>
+          <a:chOff x="0" y="0"/>
+          <a:chExt cx="0" cy="0"/>
+        </a:xfrm>
+      </p:grpSpPr>
+      <p:sp>
+        <p:nvSpPr>
+          <p:cNvPr id="2" name="Title 1"/>
+          <p:cNvSpPr>
+            <a:spLocks noGrp="1"/>
+          </p:cNvSpPr>
+          <p:nvPr>
+            <p:ph type="title"/>
+          </p:nvPr>
+        </p:nvSpPr>
+        <p:spPr/>
+        <p:txBody>
+          <a:bodyPr/>
+          <a:lstStyle/>
+          <a:p>
+            <a:endParaRPr lang="en-US" dirty="0"/>
+          </a:p>
+        </p:txBody>
+      </p:sp>
+      <p:pic>
+        <p:nvPicPr>
+          <p:cNvPr id="4" name="Content Placeholder 3"/>
+          <p:cNvPicPr>
+            <a:picLocks noGrp="1" noChangeAspect="1"/>
+          </p:cNvPicPr>
+          <p:nvPr>
+            <p:ph idx="1"/>
+          </p:nvPr>
+        </p:nvPicPr>
+        <p:blipFill>
+          <a:blip r:embed="rId2">
+            <a:extLst>
+              <a:ext uri="{28A0092B-C50C-407E-A947-70E740481C1C}">
+                <a14:useLocalDpi xmlns:a14="http://schemas.microsoft.com/office/drawing/2010/main" val="0"/>
+              </a:ext>
+            </a:extLst>
+          </a:blip>
+          <a:stretch>
+            <a:fillRect/>
+          </a:stretch>
+        </p:blipFill>
+        <p:spPr>
+          <a:xfrm>
+            <a:off x="1211160" y="1600200"/>
+            <a:ext cx="6569280" cy="4565650"/>
+          </a:xfrm>
+        </p:spPr>
+      </p:pic>
+    </p:spTree>
+    <p:extLst>
+      <p:ext uri="{BB962C8B-B14F-4D97-AF65-F5344CB8AC3E}">
+        <p14:creationId xmlns:p14="http://schemas.microsoft.com/office/powerpoint/2010/main" val="2903558300"/>
+      </p:ext>
+    </p:extLst>
+  </p:cSld>
+  <p:clrMapOvr>
+    <a:masterClrMapping/>
+  </p:clrMapOvr>
+  <p:timing>
+    <p:tnLst>
+      <p:par>
+        <p:cTn id="1" dur="indefinite" restart="never" nodeType="tmRoot"/>
+      </p:par>
+    </p:tnLst>
+  </p:timing>
+</p:sld>
+</file>
+
+<file path=ppt/slides/slide5.xml><?xml version="1.0" encoding="utf-8"?>
+<p:sld xmlns:a="http://schemas.openxmlformats.org/drawingml/2006/main" xmlns:r="http://schemas.openxmlformats.org/officeDocument/2006/relationships" xmlns:p="http://schemas.openxmlformats.org/presentationml/2006/main">
+  <p:cSld>
+    <p:spTree>
+      <p:nvGrpSpPr>
+        <p:cNvPr id="1" name=""/>
+        <p:cNvGrpSpPr/>
+        <p:nvPr/>
+      </p:nvGrpSpPr>
+      <p:grpSpPr>
+        <a:xfrm>
+          <a:off x="0" y="0"/>
+          <a:ext cx="0" cy="0"/>
+          <a:chOff x="0" y="0"/>
+          <a:chExt cx="0" cy="0"/>
+        </a:xfrm>
+      </p:grpSpPr>
+      <p:pic>
+        <p:nvPicPr>
+          <p:cNvPr id="2" name="Picture 2" descr="http://www.phdcomics.com/comics/archive/phd101212s.gif"/>
+          <p:cNvPicPr>
+            <a:picLocks noChangeAspect="1" noChangeArrowheads="1"/>
+          </p:cNvPicPr>
+          <p:nvPr/>
+        </p:nvPicPr>
+        <p:blipFill>
+          <a:blip r:embed="rId2">
+            <a:extLst>
+              <a:ext uri="{28A0092B-C50C-407E-A947-70E740481C1C}">
+                <a14:useLocalDpi xmlns:a14="http://schemas.microsoft.com/office/drawing/2010/main" val="0"/>
+              </a:ext>
+            </a:extLst>
+          </a:blip>
+          <a:srcRect/>
+          <a:stretch>
+            <a:fillRect/>
+          </a:stretch>
+        </p:blipFill>
+        <p:spPr bwMode="auto">
+          <a:xfrm>
+            <a:off x="2057400" y="0"/>
+            <a:ext cx="5105400" cy="6807200"/>
+          </a:xfrm>
+          <a:prstGeom prst="rect">
+            <a:avLst/>
+          </a:prstGeom>
+          <a:noFill/>
+          <a:extLst>
+            <a:ext uri="{909E8E84-426E-40DD-AFC4-6F175D3DCCD1}">
+              <a14:hiddenFill xmlns:a14="http://schemas.microsoft.com/office/drawing/2010/main">
+                <a:solidFill>
+                  <a:srgbClr val="FFFFFF"/>
+                </a:solidFill>
+              </a14:hiddenFill>
+            </a:ext>
+          </a:extLst>
+        </p:spPr>
+      </p:pic>
+    </p:spTree>
+    <p:extLst>
+      <p:ext uri="{BB962C8B-B14F-4D97-AF65-F5344CB8AC3E}">
+        <p14:creationId xmlns:p14="http://schemas.microsoft.com/office/powerpoint/2010/main" val="596877449"/>
+      </p:ext>
+    </p:extLst>
+  </p:cSld>
+  <p:clrMapOvr>
+    <a:masterClrMapping/>
+  </p:clrMapOvr>
+  <p:timing>
+    <p:tnLst>
+      <p:par>
+        <p:cTn id="1" dur="indefinite" restart="never" nodeType="tmRoot"/>
+      </p:par>
+    </p:tnLst>
+  </p:timing>
+</p:sld>
+</file>
+
+<file path=ppt/slides/slide6.xml><?xml version="1.0" encoding="utf-8"?>
+<p:sld xmlns:a="http://schemas.openxmlformats.org/drawingml/2006/main" xmlns:r="http://schemas.openxmlformats.org/officeDocument/2006/relationships" xmlns:p="http://schemas.openxmlformats.org/presentationml/2006/main">
+  <p:cSld>
+    <p:spTree>
+      <p:nvGrpSpPr>
+        <p:cNvPr id="1" name=""/>
+        <p:cNvGrpSpPr/>
+        <p:nvPr/>
+      </p:nvGrpSpPr>
+      <p:grpSpPr>
+        <a:xfrm>
+          <a:off x="0" y="0"/>
+          <a:ext cx="0" cy="0"/>
+          <a:chOff x="0" y="0"/>
+          <a:chExt cx="0" cy="0"/>
+        </a:xfrm>
+      </p:grpSpPr>
+      <p:sp>
+        <p:nvSpPr>
+          <p:cNvPr id="6" name="TextBox 5"/>
+          <p:cNvSpPr txBox="1"/>
+          <p:nvPr/>
+        </p:nvSpPr>
+        <p:spPr>
+          <a:xfrm>
+            <a:off x="346557" y="6367046"/>
+            <a:ext cx="8441157" cy="338554"/>
+          </a:xfrm>
+          <a:prstGeom prst="rect">
+            <a:avLst/>
+          </a:prstGeom>
+          <a:solidFill>
+            <a:schemeClr val="accent1"/>
+          </a:solidFill>
+        </p:spPr>
+        <p:txBody>
+          <a:bodyPr wrap="none" rtlCol="0">
+            <a:spAutoFit/>
+          </a:bodyPr>
+          <a:lstStyle/>
+          <a:p>
+            <a:r>
+              <a:rPr lang="en-US" dirty="0"/>
+              <a:t>http://www.ee.columbia.edu/~dpwe/e6891/slides/E6891_%20lecture%202.pdf</a:t>
+            </a:r>
+          </a:p>
+        </p:txBody>
+      </p:sp>
+      <p:graphicFrame>
+        <p:nvGraphicFramePr>
+          <p:cNvPr id="2" name="Object 1"/>
+          <p:cNvGraphicFramePr>
+            <a:graphicFrameLocks noChangeAspect="1"/>
+          </p:cNvGraphicFramePr>
+          <p:nvPr>
+            <p:extLst/>
+          </p:nvPr>
+        </p:nvGraphicFramePr>
+        <p:xfrm>
+          <a:off x="-182880" y="548639"/>
+          <a:ext cx="9601200" cy="5400354"/>
+        </p:xfrm>
+        <a:graphic>
+          <a:graphicData uri="http://schemas.openxmlformats.org/presentationml/2006/ole">
+            <mc:AlternateContent xmlns:mc="http://schemas.openxmlformats.org/markup-compatibility/2006">
+              <mc:Choice xmlns:v="urn:schemas-microsoft-com:vml" Requires="v">
+                <p:oleObj spid="_x0000_s1033" name="Acrobat Document" r:id="rId4" imgW="6858000" imgH="3857396" progId="AcroExch.Document.11">
+                  <p:embed/>
+                </p:oleObj>
+              </mc:Choice>
+              <mc:Fallback>
+                <p:oleObj name="Acrobat Document" r:id="rId4" imgW="6858000" imgH="3857396" progId="AcroExch.Document.11">
+                  <p:embed/>
+                  <p:pic>
+                    <p:nvPicPr>
+                      <p:cNvPr id="2" name="Object 1"/>
+                      <p:cNvPicPr/>
+                      <p:nvPr/>
+                    </p:nvPicPr>
+                    <p:blipFill>
+                      <a:blip r:embed="rId5"/>
+                      <a:stretch>
+                        <a:fillRect/>
+                      </a:stretch>
+                    </p:blipFill>
+                    <p:spPr>
+                      <a:xfrm>
+                        <a:off x="-182880" y="548639"/>
+                        <a:ext cx="9601200" cy="5400354"/>
+                      </a:xfrm>
+                      <a:prstGeom prst="rect">
+                        <a:avLst/>
+                      </a:prstGeom>
+                    </p:spPr>
+                  </p:pic>
+                </p:oleObj>
+              </mc:Fallback>
+            </mc:AlternateContent>
+          </a:graphicData>
+        </a:graphic>
+      </p:graphicFrame>
+    </p:spTree>
+    <p:extLst>
+      <p:ext uri="{BB962C8B-B14F-4D97-AF65-F5344CB8AC3E}">
+        <p14:creationId xmlns:p14="http://schemas.microsoft.com/office/powerpoint/2010/main" val="2696130573"/>
+      </p:ext>
+    </p:extLst>
+  </p:cSld>
+  <p:clrMapOvr>
+    <a:masterClrMapping/>
+  </p:clrMapOvr>
+  <p:timing>
+    <p:tnLst>
+      <p:par>
+        <p:cTn id="1" dur="indefinite" restart="never" nodeType="tmRoot"/>
+      </p:par>
+    </p:tnLst>
+  </p:timing>
+</p:sld>
+</file>
+
+<file path=ppt/slides/slide7.xml><?xml version="1.0" encoding="utf-8"?>
+<p:sld xmlns:a="http://schemas.openxmlformats.org/drawingml/2006/main" xmlns:r="http://schemas.openxmlformats.org/officeDocument/2006/relationships" xmlns:p="http://schemas.openxmlformats.org/presentationml/2006/main">
+  <p:cSld>
+    <p:spTree>
+      <p:nvGrpSpPr>
+        <p:cNvPr id="1" name=""/>
+        <p:cNvGrpSpPr/>
+        <p:nvPr/>
+      </p:nvGrpSpPr>
+      <p:grpSpPr>
+        <a:xfrm>
+          <a:off x="0" y="0"/>
+          <a:ext cx="0" cy="0"/>
+          <a:chOff x="0" y="0"/>
+          <a:chExt cx="0" cy="0"/>
+        </a:xfrm>
+      </p:grpSpPr>
+      <p:sp>
+        <p:nvSpPr>
+          <p:cNvPr id="6" name="TextBox 5"/>
+          <p:cNvSpPr txBox="1"/>
+          <p:nvPr/>
+        </p:nvSpPr>
+        <p:spPr>
+          <a:xfrm>
+            <a:off x="346557" y="6367046"/>
+            <a:ext cx="8441157" cy="338554"/>
+          </a:xfrm>
+          <a:prstGeom prst="rect">
+            <a:avLst/>
+          </a:prstGeom>
+          <a:solidFill>
+            <a:schemeClr val="accent1"/>
+          </a:solidFill>
+        </p:spPr>
+        <p:txBody>
+          <a:bodyPr wrap="none" rtlCol="0">
+            <a:spAutoFit/>
+          </a:bodyPr>
+          <a:lstStyle/>
+          <a:p>
+            <a:r>
+              <a:rPr lang="en-US" dirty="0"/>
+              <a:t>http://www.ee.columbia.edu/~dpwe/e6891/slides/E6891_%20lecture%202.pdf</a:t>
+            </a:r>
+          </a:p>
+        </p:txBody>
+      </p:sp>
+      <p:graphicFrame>
+        <p:nvGraphicFramePr>
+          <p:cNvPr id="2" name="Object 1"/>
+          <p:cNvGraphicFramePr>
+            <a:graphicFrameLocks noChangeAspect="1"/>
+          </p:cNvGraphicFramePr>
+          <p:nvPr>
+            <p:extLst/>
+          </p:nvPr>
+        </p:nvGraphicFramePr>
+        <p:xfrm>
+          <a:off x="-182880" y="548639"/>
+          <a:ext cx="9601200" cy="5400354"/>
+        </p:xfrm>
+        <a:graphic>
+          <a:graphicData uri="http://schemas.openxmlformats.org/presentationml/2006/ole">
+            <mc:AlternateContent xmlns:mc="http://schemas.openxmlformats.org/markup-compatibility/2006">
+              <mc:Choice xmlns:v="urn:schemas-microsoft-com:vml" Requires="v">
+                <p:oleObj spid="_x0000_s2057" name="Acrobat Document" r:id="rId4" imgW="6858000" imgH="3857396" progId="AcroExch.Document.11">
+                  <p:embed/>
+                </p:oleObj>
+              </mc:Choice>
+              <mc:Fallback>
+                <p:oleObj name="Acrobat Document" r:id="rId4" imgW="6858000" imgH="3857396" progId="AcroExch.Document.11">
+                  <p:embed/>
+                  <p:pic>
+                    <p:nvPicPr>
+                      <p:cNvPr id="2" name="Object 1"/>
+                      <p:cNvPicPr/>
+                      <p:nvPr/>
+                    </p:nvPicPr>
+                    <p:blipFill>
+                      <a:blip r:embed="rId5"/>
+                      <a:stretch>
+                        <a:fillRect/>
+                      </a:stretch>
+                    </p:blipFill>
+                    <p:spPr>
+                      <a:xfrm>
+                        <a:off x="-182880" y="548639"/>
+                        <a:ext cx="9601200" cy="5400354"/>
+                      </a:xfrm>
+                      <a:prstGeom prst="rect">
+                        <a:avLst/>
+                      </a:prstGeom>
+                    </p:spPr>
+                  </p:pic>
+                </p:oleObj>
+              </mc:Fallback>
+            </mc:AlternateContent>
+          </a:graphicData>
+        </a:graphic>
+      </p:graphicFrame>
+    </p:spTree>
+    <p:extLst>
+      <p:ext uri="{BB962C8B-B14F-4D97-AF65-F5344CB8AC3E}">
+        <p14:creationId xmlns:p14="http://schemas.microsoft.com/office/powerpoint/2010/main" val="3592314120"/>
+      </p:ext>
+    </p:extLst>
+  </p:cSld>
+  <p:clrMapOvr>
+    <a:masterClrMapping/>
+  </p:clrMapOvr>
+  <p:timing>
+    <p:tnLst>
+      <p:par>
+        <p:cTn id="1" dur="indefinite" restart="never" nodeType="tmRoot"/>
+      </p:par>
+    </p:tnLst>
+  </p:timing>
+</p:sld>
+</file>
+
+<file path=ppt/slides/slide8.xml><?xml version="1.0" encoding="utf-8"?>
+<p:sld xmlns:a="http://schemas.openxmlformats.org/drawingml/2006/main" xmlns:r="http://schemas.openxmlformats.org/officeDocument/2006/relationships" xmlns:p="http://schemas.openxmlformats.org/presentationml/2006/main">
+  <p:cSld>
+    <p:spTree>
+      <p:nvGrpSpPr>
+        <p:cNvPr id="1" name=""/>
+        <p:cNvGrpSpPr/>
+        <p:nvPr/>
+      </p:nvGrpSpPr>
+      <p:grpSpPr>
+        <a:xfrm>
+          <a:off x="0" y="0"/>
+          <a:ext cx="0" cy="0"/>
+          <a:chOff x="0" y="0"/>
+          <a:chExt cx="0" cy="0"/>
+        </a:xfrm>
+      </p:grpSpPr>
+      <p:sp>
+        <p:nvSpPr>
+          <p:cNvPr id="2" name="Title 1"/>
+          <p:cNvSpPr>
+            <a:spLocks noGrp="1"/>
+          </p:cNvSpPr>
+          <p:nvPr>
+            <p:ph type="title"/>
+          </p:nvPr>
+        </p:nvSpPr>
+        <p:spPr/>
+        <p:txBody>
+          <a:bodyPr/>
+          <a:lstStyle/>
+          <a:p>
+            <a:r>
+              <a:rPr lang="en-US" dirty="0" smtClean="0"/>
+              <a:t>Workshop 4</a:t>
+            </a:r>
+            <a:br>
+              <a:rPr lang="en-US" dirty="0" smtClean="0"/>
+            </a:br>
+            <a:r>
+              <a:rPr lang="en-US" dirty="0" smtClean="0"/>
+              <a:t>Version control of code using </a:t>
+            </a:r>
+            <a:r>
+              <a:rPr lang="en-US" dirty="0" err="1" smtClean="0"/>
+              <a:t>git</a:t>
+            </a:r>
+            <a:endParaRPr lang="en-US" dirty="0"/>
+          </a:p>
+        </p:txBody>
+      </p:sp>
+      <p:sp>
+        <p:nvSpPr>
+          <p:cNvPr id="3" name="Content Placeholder 2"/>
+          <p:cNvSpPr>
+            <a:spLocks noGrp="1"/>
+          </p:cNvSpPr>
+          <p:nvPr>
+            <p:ph idx="1"/>
+          </p:nvPr>
+        </p:nvSpPr>
+        <p:spPr>
+          <a:xfrm>
+            <a:off x="609600" y="1600200"/>
+            <a:ext cx="3962400" cy="2188349"/>
+          </a:xfrm>
+        </p:spPr>
+        <p:txBody>
+          <a:bodyPr/>
+          <a:lstStyle/>
+          <a:p>
+            <a:pPr marL="0" indent="0">
+              <a:buNone/>
+            </a:pPr>
+            <a:r>
+              <a:rPr lang="en-US" sz="1800" dirty="0" err="1"/>
+              <a:t>Git</a:t>
+            </a:r>
+            <a:r>
+              <a:rPr lang="en-US" sz="1800" dirty="0"/>
+              <a:t> is a </a:t>
+            </a:r>
+            <a:r>
+              <a:rPr lang="en-US" sz="1800" dirty="0">
+                <a:solidFill>
+                  <a:srgbClr val="0070C0"/>
+                </a:solidFill>
+              </a:rPr>
+              <a:t>free and open source</a:t>
+            </a:r>
+            <a:r>
+              <a:rPr lang="en-US" sz="1800" dirty="0">
+                <a:solidFill>
+                  <a:srgbClr val="33CCFF"/>
+                </a:solidFill>
+              </a:rPr>
+              <a:t> </a:t>
+            </a:r>
+            <a:r>
+              <a:rPr lang="en-US" sz="1800" dirty="0"/>
+              <a:t>distributed version control system designed to handle everything from small to very large projects with speed and efficiency</a:t>
+            </a:r>
+            <a:r>
+              <a:rPr lang="en-US" sz="1800" dirty="0" smtClean="0"/>
+              <a:t>.</a:t>
+            </a:r>
+          </a:p>
+          <a:p>
+            <a:pPr marL="0" indent="0">
+              <a:buNone/>
+            </a:pPr>
+            <a:endParaRPr lang="en-US" sz="2000" dirty="0"/>
+          </a:p>
+        </p:txBody>
+      </p:sp>
+      <p:pic>
+        <p:nvPicPr>
+          <p:cNvPr id="10242" name="Picture 2" descr="X:\Documents\Presentations\Big Data figs\gitbook\progit2\book\cover.png"/>
+          <p:cNvPicPr>
+            <a:picLocks noChangeAspect="1" noChangeArrowheads="1"/>
+          </p:cNvPicPr>
+          <p:nvPr/>
+        </p:nvPicPr>
+        <p:blipFill>
+          <a:blip r:embed="rId2" cstate="print">
+            <a:extLst>
+              <a:ext uri="{28A0092B-C50C-407E-A947-70E740481C1C}">
+                <a14:useLocalDpi xmlns:a14="http://schemas.microsoft.com/office/drawing/2010/main" val="0"/>
+              </a:ext>
+            </a:extLst>
+          </a:blip>
+          <a:srcRect/>
+          <a:stretch>
+            <a:fillRect/>
+          </a:stretch>
+        </p:blipFill>
+        <p:spPr bwMode="auto">
+          <a:xfrm>
+            <a:off x="5105400" y="1676400"/>
+            <a:ext cx="3200400" cy="4224299"/>
+          </a:xfrm>
+          <a:prstGeom prst="rect">
+            <a:avLst/>
+          </a:prstGeom>
+          <a:noFill/>
+          <a:extLst>
+            <a:ext uri="{909E8E84-426E-40DD-AFC4-6F175D3DCCD1}">
+              <a14:hiddenFill xmlns:a14="http://schemas.microsoft.com/office/drawing/2010/main">
+                <a:solidFill>
+                  <a:srgbClr val="FFFFFF"/>
+                </a:solidFill>
+              </a14:hiddenFill>
+            </a:ext>
+          </a:extLst>
+        </p:spPr>
+      </p:pic>
+      <p:graphicFrame>
+        <p:nvGraphicFramePr>
+          <p:cNvPr id="4" name="Chart 3"/>
+          <p:cNvGraphicFramePr/>
+          <p:nvPr>
+            <p:extLst/>
+          </p:nvPr>
+        </p:nvGraphicFramePr>
+        <p:xfrm>
+          <a:off x="457200" y="3437692"/>
+          <a:ext cx="4114800" cy="2590800"/>
+        </p:xfrm>
+        <a:graphic>
+          <a:graphicData uri="http://schemas.openxmlformats.org/drawingml/2006/chart">
+            <c:chart xmlns:c="http://schemas.openxmlformats.org/drawingml/2006/chart" xmlns:r="http://schemas.openxmlformats.org/officeDocument/2006/relationships" r:id="rId3"/>
+          </a:graphicData>
+        </a:graphic>
+      </p:graphicFrame>
+      <p:sp>
+        <p:nvSpPr>
+          <p:cNvPr id="6" name="TextBox 5"/>
+          <p:cNvSpPr txBox="1"/>
+          <p:nvPr/>
+        </p:nvSpPr>
+        <p:spPr>
+          <a:xfrm>
+            <a:off x="5526046" y="6028492"/>
+            <a:ext cx="2359107" cy="338554"/>
+          </a:xfrm>
+          <a:prstGeom prst="rect">
+            <a:avLst/>
+          </a:prstGeom>
+          <a:solidFill>
+            <a:schemeClr val="accent1"/>
+          </a:solidFill>
+        </p:spPr>
+        <p:txBody>
+          <a:bodyPr wrap="none" rtlCol="0">
+            <a:spAutoFit/>
+          </a:bodyPr>
+          <a:lstStyle/>
+          <a:p>
+            <a:r>
+              <a:rPr lang="en-US" dirty="0"/>
+              <a:t>https://git-scm.com/</a:t>
+            </a:r>
+          </a:p>
+        </p:txBody>
+      </p:sp>
+      <p:sp>
+        <p:nvSpPr>
+          <p:cNvPr id="7" name="TextBox 6"/>
+          <p:cNvSpPr txBox="1"/>
+          <p:nvPr/>
+        </p:nvSpPr>
+        <p:spPr>
+          <a:xfrm>
+            <a:off x="914400" y="6096000"/>
+            <a:ext cx="3466398" cy="338554"/>
+          </a:xfrm>
+          <a:prstGeom prst="rect">
+            <a:avLst/>
+          </a:prstGeom>
+          <a:solidFill>
+            <a:schemeClr val="accent1"/>
+          </a:solidFill>
+        </p:spPr>
+        <p:txBody>
+          <a:bodyPr wrap="none" rtlCol="0">
+            <a:spAutoFit/>
+          </a:bodyPr>
+          <a:lstStyle/>
+          <a:p>
+            <a:r>
+              <a:rPr lang="en-US" dirty="0"/>
+              <a:t>Eclipse community survey 2014</a:t>
+            </a:r>
+          </a:p>
+        </p:txBody>
+      </p:sp>
+      <p:sp>
+        <p:nvSpPr>
+          <p:cNvPr id="5" name="TextBox 4"/>
+          <p:cNvSpPr txBox="1"/>
+          <p:nvPr/>
+        </p:nvSpPr>
+        <p:spPr>
+          <a:xfrm>
+            <a:off x="914400" y="3131866"/>
+            <a:ext cx="3200400" cy="338554"/>
+          </a:xfrm>
+          <a:prstGeom prst="rect">
+            <a:avLst/>
+          </a:prstGeom>
+          <a:noFill/>
+        </p:spPr>
+        <p:txBody>
+          <a:bodyPr wrap="square" rtlCol="0">
+            <a:spAutoFit/>
+          </a:bodyPr>
+          <a:lstStyle/>
+          <a:p>
+            <a:r>
+              <a:rPr lang="en-US" dirty="0" smtClean="0"/>
+              <a:t>System used as primary VCS</a:t>
+            </a:r>
+            <a:endParaRPr lang="en-US" dirty="0"/>
+          </a:p>
+        </p:txBody>
+      </p:sp>
+    </p:spTree>
+    <p:extLst>
+      <p:ext uri="{BB962C8B-B14F-4D97-AF65-F5344CB8AC3E}">
+        <p14:creationId xmlns:p14="http://schemas.microsoft.com/office/powerpoint/2010/main" val="2106411271"/>
+      </p:ext>
+    </p:extLst>
+  </p:cSld>
+  <p:clrMapOvr>
+    <a:masterClrMapping/>
+  </p:clrMapOvr>
+  <mc:AlternateContent xmlns:mc="http://schemas.openxmlformats.org/markup-compatibility/2006" xmlns:p14="http://schemas.microsoft.com/office/powerpoint/2010/main">
+    <mc:Choice Requires="p14">
+      <p:transition spd="med" p14:dur="700">
+        <p:fade/>
+      </p:transition>
+    </mc:Choice>
+    <mc:Fallback xmlns="">
+      <p:transition spd="med">
+        <p:fade/>
+      </p:transition>
+    </mc:Fallback>
+  </mc:AlternateContent>
+  <p:timing>
+    <p:tnLst>
+      <p:par>
+        <p:cTn id="1" dur="indefinite" restart="never" nodeType="tmRoot"/>
+      </p:par>
+    </p:tnLst>
+  </p:timing>
+</p:sld>
+</file>
+
+<file path=ppt/slides/slide9.xml><?xml version="1.0" encoding="utf-8"?>
+<p:sld xmlns:a="http://schemas.openxmlformats.org/drawingml/2006/main" xmlns:r="http://schemas.openxmlformats.org/officeDocument/2006/relationships" xmlns:p="http://schemas.openxmlformats.org/presentationml/2006/main">
+  <p:cSld>
+    <p:spTree>
+      <p:nvGrpSpPr>
+        <p:cNvPr id="1" name=""/>
+        <p:cNvGrpSpPr/>
+        <p:nvPr/>
+      </p:nvGrpSpPr>
+      <p:grpSpPr>
+        <a:xfrm>
+          <a:off x="0" y="0"/>
+          <a:ext cx="0" cy="0"/>
+          <a:chOff x="0" y="0"/>
+          <a:chExt cx="0" cy="0"/>
+        </a:xfrm>
+      </p:grpSpPr>
+      <p:graphicFrame>
+        <p:nvGraphicFramePr>
+          <p:cNvPr id="9" name="Table 8"/>
+          <p:cNvGraphicFramePr>
+            <a:graphicFrameLocks noGrp="1"/>
+          </p:cNvGraphicFramePr>
+          <p:nvPr>
+            <p:extLst>
+              <p:ext uri="{D42A27DB-BD31-4B8C-83A1-F6EECF244321}">
+                <p14:modId xmlns:p14="http://schemas.microsoft.com/office/powerpoint/2010/main" val="4227411683"/>
+              </p:ext>
+            </p:extLst>
+          </p:nvPr>
+        </p:nvGraphicFramePr>
+        <p:xfrm>
+          <a:off x="914400" y="1219200"/>
+          <a:ext cx="7391400" cy="4546600"/>
+        </p:xfrm>
+        <a:graphic>
+          <a:graphicData uri="http://schemas.openxmlformats.org/drawingml/2006/table">
+            <a:tbl>
+              <a:tblPr firstRow="1" bandRow="1">
+                <a:tableStyleId>{21E4AEA4-8DFA-4A89-87EB-49C32662AFE0}</a:tableStyleId>
+              </a:tblPr>
+              <a:tblGrid>
+                <a:gridCol w="2463800">
+                  <a:extLst>
+                    <a:ext uri="{9D8B030D-6E8A-4147-A177-3AD203B41FA5}">
+                      <a16:colId xmlns:a16="http://schemas.microsoft.com/office/drawing/2014/main" val="20000"/>
+                    </a:ext>
+                  </a:extLst>
+                </a:gridCol>
+                <a:gridCol w="2463800">
+                  <a:extLst>
+                    <a:ext uri="{9D8B030D-6E8A-4147-A177-3AD203B41FA5}">
+                      <a16:colId xmlns:a16="http://schemas.microsoft.com/office/drawing/2014/main" val="20001"/>
+                    </a:ext>
+                  </a:extLst>
+                </a:gridCol>
+                <a:gridCol w="2463800">
+                  <a:extLst>
+                    <a:ext uri="{9D8B030D-6E8A-4147-A177-3AD203B41FA5}">
+                      <a16:colId xmlns:a16="http://schemas.microsoft.com/office/drawing/2014/main" val="20002"/>
+                    </a:ext>
+                  </a:extLst>
+                </a:gridCol>
+              </a:tblGrid>
+              <a:tr h="908050">
+                <a:tc>
+                  <a:txBody>
+                    <a:bodyPr/>
+                    <a:lstStyle/>
+                    <a:p>
+                      <a:r>
+                        <a:rPr lang="da-DK" dirty="0" smtClean="0"/>
+                        <a:t>Git</a:t>
+                      </a:r>
+                      <a:endParaRPr lang="da-DK" dirty="0"/>
+                    </a:p>
+                  </a:txBody>
+                  <a:tcPr/>
+                </a:tc>
+                <a:tc>
+                  <a:txBody>
+                    <a:bodyPr/>
+                    <a:lstStyle/>
+                    <a:p>
+                      <a:r>
+                        <a:rPr lang="da-DK" dirty="0" smtClean="0"/>
+                        <a:t>Subversion</a:t>
+                      </a:r>
+                      <a:endParaRPr lang="da-DK" dirty="0"/>
+                    </a:p>
+                  </a:txBody>
+                  <a:tcPr/>
+                </a:tc>
+                <a:tc>
+                  <a:txBody>
+                    <a:bodyPr/>
+                    <a:lstStyle/>
+                    <a:p>
+                      <a:r>
+                        <a:rPr lang="da-DK" dirty="0" smtClean="0"/>
+                        <a:t>Perforce</a:t>
+                      </a:r>
+                      <a:endParaRPr lang="da-DK" dirty="0"/>
+                    </a:p>
+                  </a:txBody>
+                  <a:tcPr/>
+                </a:tc>
+                <a:extLst>
+                  <a:ext uri="{0D108BD9-81ED-4DB2-BD59-A6C34878D82A}">
+                    <a16:rowId xmlns:a16="http://schemas.microsoft.com/office/drawing/2014/main" val="10000"/>
+                  </a:ext>
+                </a:extLst>
+              </a:tr>
+              <a:tr h="908050">
+                <a:tc>
+                  <a:txBody>
+                    <a:bodyPr/>
+                    <a:lstStyle/>
+                    <a:p>
+                      <a:r>
+                        <a:rPr lang="da-DK" dirty="0" err="1" smtClean="0"/>
+                        <a:t>Free</a:t>
+                      </a:r>
+                      <a:endParaRPr lang="da-DK" dirty="0"/>
+                    </a:p>
+                  </a:txBody>
+                  <a:tcPr/>
+                </a:tc>
+                <a:tc>
+                  <a:txBody>
+                    <a:bodyPr/>
+                    <a:lstStyle/>
+                    <a:p>
+                      <a:r>
+                        <a:rPr lang="da-DK" dirty="0" err="1" smtClean="0"/>
+                        <a:t>Free</a:t>
+                      </a:r>
+                      <a:endParaRPr lang="da-DK" dirty="0"/>
+                    </a:p>
+                  </a:txBody>
+                  <a:tcPr/>
+                </a:tc>
+                <a:tc>
+                  <a:txBody>
+                    <a:bodyPr/>
+                    <a:lstStyle/>
+                    <a:p>
+                      <a:r>
+                        <a:rPr lang="da-DK" dirty="0" smtClean="0"/>
+                        <a:t>Commercial</a:t>
+                      </a:r>
+                    </a:p>
+                    <a:p>
+                      <a:r>
+                        <a:rPr lang="da-DK" dirty="0" err="1" smtClean="0"/>
+                        <a:t>Free</a:t>
+                      </a:r>
+                      <a:r>
+                        <a:rPr lang="da-DK" baseline="0" dirty="0" smtClean="0"/>
+                        <a:t> </a:t>
+                      </a:r>
+                      <a:r>
+                        <a:rPr lang="da-DK" dirty="0" smtClean="0"/>
+                        <a:t>for</a:t>
+                      </a:r>
+                      <a:r>
+                        <a:rPr lang="da-DK" baseline="0" dirty="0" smtClean="0"/>
+                        <a:t> </a:t>
+                      </a:r>
+                      <a:r>
+                        <a:rPr lang="da-DK" baseline="0" dirty="0" err="1" smtClean="0"/>
+                        <a:t>personal</a:t>
+                      </a:r>
+                      <a:r>
+                        <a:rPr lang="da-DK" baseline="0" dirty="0" smtClean="0"/>
+                        <a:t> </a:t>
+                      </a:r>
+                      <a:r>
+                        <a:rPr lang="da-DK" baseline="0" dirty="0" err="1" smtClean="0"/>
+                        <a:t>use</a:t>
+                      </a:r>
+                      <a:r>
+                        <a:rPr lang="da-DK" baseline="0" dirty="0" smtClean="0"/>
+                        <a:t> </a:t>
+                      </a:r>
+                      <a:endParaRPr lang="da-DK" dirty="0"/>
+                    </a:p>
+                  </a:txBody>
+                  <a:tcPr/>
+                </a:tc>
+                <a:extLst>
+                  <a:ext uri="{0D108BD9-81ED-4DB2-BD59-A6C34878D82A}">
+                    <a16:rowId xmlns:a16="http://schemas.microsoft.com/office/drawing/2014/main" val="10001"/>
+                  </a:ext>
+                </a:extLst>
+              </a:tr>
+              <a:tr h="908050">
+                <a:tc>
+                  <a:txBody>
+                    <a:bodyPr/>
+                    <a:lstStyle/>
+                    <a:p>
+                      <a:r>
+                        <a:rPr lang="da-DK" dirty="0" smtClean="0"/>
+                        <a:t>Distributed</a:t>
+                      </a:r>
+                      <a:endParaRPr lang="da-DK" dirty="0"/>
+                    </a:p>
+                  </a:txBody>
+                  <a:tcPr/>
+                </a:tc>
+                <a:tc>
+                  <a:txBody>
+                    <a:bodyPr/>
+                    <a:lstStyle/>
+                    <a:p>
+                      <a:r>
+                        <a:rPr lang="da-DK" dirty="0" err="1" smtClean="0"/>
+                        <a:t>Centralized</a:t>
+                      </a:r>
+                      <a:endParaRPr lang="da-DK" dirty="0"/>
+                    </a:p>
+                  </a:txBody>
+                  <a:tcPr/>
+                </a:tc>
+                <a:tc>
+                  <a:txBody>
+                    <a:bodyPr/>
+                    <a:lstStyle/>
+                    <a:p>
+                      <a:r>
+                        <a:rPr lang="da-DK" dirty="0" smtClean="0"/>
+                        <a:t>Hybrid</a:t>
+                      </a:r>
+                    </a:p>
+                  </a:txBody>
+                  <a:tcPr/>
+                </a:tc>
+                <a:extLst>
+                  <a:ext uri="{0D108BD9-81ED-4DB2-BD59-A6C34878D82A}">
+                    <a16:rowId xmlns:a16="http://schemas.microsoft.com/office/drawing/2014/main" val="10002"/>
+                  </a:ext>
+                </a:extLst>
+              </a:tr>
+              <a:tr h="908050">
+                <a:tc>
+                  <a:txBody>
+                    <a:bodyPr/>
+                    <a:lstStyle/>
+                    <a:p>
+                      <a:r>
+                        <a:rPr lang="da-DK" dirty="0" smtClean="0"/>
+                        <a:t>Local shadow copy</a:t>
+                      </a:r>
+                      <a:endParaRPr lang="da-DK" dirty="0"/>
+                    </a:p>
+                  </a:txBody>
+                  <a:tcPr/>
+                </a:tc>
+                <a:tc>
+                  <a:txBody>
+                    <a:bodyPr/>
+                    <a:lstStyle/>
+                    <a:p>
+                      <a:r>
+                        <a:rPr lang="da-DK" dirty="0" smtClean="0"/>
+                        <a:t>Local shadow copy</a:t>
+                      </a:r>
+                      <a:endParaRPr lang="da-DK" dirty="0"/>
+                    </a:p>
+                  </a:txBody>
+                  <a:tcPr/>
+                </a:tc>
+                <a:tc>
+                  <a:txBody>
+                    <a:bodyPr/>
+                    <a:lstStyle/>
+                    <a:p>
+                      <a:r>
+                        <a:rPr lang="da-DK" dirty="0" smtClean="0"/>
+                        <a:t>None</a:t>
+                      </a:r>
+                      <a:endParaRPr lang="da-DK" dirty="0"/>
+                    </a:p>
+                  </a:txBody>
+                  <a:tcPr/>
+                </a:tc>
+                <a:extLst>
+                  <a:ext uri="{0D108BD9-81ED-4DB2-BD59-A6C34878D82A}">
+                    <a16:rowId xmlns:a16="http://schemas.microsoft.com/office/drawing/2014/main" val="10003"/>
+                  </a:ext>
+                </a:extLst>
+              </a:tr>
+              <a:tr h="908050">
+                <a:tc>
+                  <a:txBody>
+                    <a:bodyPr/>
+                    <a:lstStyle/>
+                    <a:p>
+                      <a:r>
+                        <a:rPr lang="da-DK" dirty="0" smtClean="0"/>
+                        <a:t>Everything</a:t>
+                      </a:r>
+                      <a:r>
+                        <a:rPr lang="da-DK" baseline="0" dirty="0" smtClean="0"/>
+                        <a:t> happens client-side</a:t>
+                      </a:r>
+                      <a:endParaRPr lang="da-DK" dirty="0"/>
+                    </a:p>
+                  </a:txBody>
+                  <a:tcPr/>
+                </a:tc>
+                <a:tc>
+                  <a:txBody>
+                    <a:bodyPr/>
+                    <a:lstStyle/>
+                    <a:p>
+                      <a:r>
+                        <a:rPr lang="da-DK" dirty="0" smtClean="0"/>
+                        <a:t>Client-server</a:t>
+                      </a:r>
+                      <a:endParaRPr lang="da-DK" dirty="0"/>
+                    </a:p>
+                  </a:txBody>
+                  <a:tcPr/>
+                </a:tc>
+                <a:tc>
+                  <a:txBody>
+                    <a:bodyPr/>
+                    <a:lstStyle/>
+                    <a:p>
+                      <a:r>
+                        <a:rPr lang="da-DK" dirty="0" smtClean="0"/>
+                        <a:t>Server-side copy/branching</a:t>
+                      </a:r>
+                      <a:endParaRPr lang="da-DK" dirty="0"/>
+                    </a:p>
+                  </a:txBody>
+                  <a:tcPr/>
+                </a:tc>
+                <a:extLst>
+                  <a:ext uri="{0D108BD9-81ED-4DB2-BD59-A6C34878D82A}">
+                    <a16:rowId xmlns:a16="http://schemas.microsoft.com/office/drawing/2014/main" val="10004"/>
+                  </a:ext>
+                </a:extLst>
+              </a:tr>
+            </a:tbl>
+          </a:graphicData>
+        </a:graphic>
+      </p:graphicFrame>
+      <p:sp>
+        <p:nvSpPr>
+          <p:cNvPr id="6" name="&quot;No&quot; Symbol 5"/>
+          <p:cNvSpPr/>
+          <p:nvPr/>
+        </p:nvSpPr>
+        <p:spPr bwMode="auto">
+          <a:xfrm>
+            <a:off x="1722455" y="4972259"/>
+            <a:ext cx="715945" cy="715945"/>
+          </a:xfrm>
+          <a:prstGeom prst="noSmoking">
+            <a:avLst/>
+          </a:prstGeom>
+          <a:solidFill>
+            <a:srgbClr val="C00000"/>
+          </a:solidFill>
+          <a:ln w="9525" cap="flat" cmpd="sng" algn="ctr">
+            <a:solidFill>
+              <a:schemeClr val="tx1"/>
+            </a:solidFill>
+            <a:prstDash val="solid"/>
+            <a:round/>
+            <a:headEnd type="none" w="med" len="med"/>
+            <a:tailEnd type="none" w="med" len="med"/>
+          </a:ln>
+          <a:effectLst/>
+          <a:extLst/>
+        </p:spPr>
+        <p:txBody>
+          <a:bodyPr vert="horz" wrap="square" lIns="0" tIns="0" rIns="0" bIns="0" numCol="1" rtlCol="0" anchor="t" anchorCtr="0" compatLnSpc="1">
+            <a:prstTxWarp prst="textNoShape">
+              <a:avLst/>
+            </a:prstTxWarp>
+          </a:bodyPr>
+          <a:lstStyle/>
+          <a:p>
+            <a:pPr marL="0" marR="0" indent="0" algn="l" defTabSz="914400" rtl="0" eaLnBrk="1" fontAlgn="base" latinLnBrk="0" hangingPunct="1">
+              <a:lnSpc>
+                <a:spcPct val="100000"/>
+              </a:lnSpc>
+              <a:spcBef>
+                <a:spcPct val="50000"/>
+              </a:spcBef>
+              <a:spcAft>
+                <a:spcPct val="0"/>
+              </a:spcAft>
+              <a:buClrTx/>
+              <a:buSzTx/>
+              <a:buFontTx/>
+              <a:buNone/>
+              <a:tabLst/>
+            </a:pPr>
+            <a:endParaRPr kumimoji="0" lang="en-US" sz="1600" b="0" i="0" u="none" strike="noStrike" cap="none" normalizeH="0" baseline="0" smtClean="0">
+              <a:ln>
+                <a:noFill/>
+              </a:ln>
+              <a:solidFill>
+                <a:schemeClr val="tx1"/>
+              </a:solidFill>
+              <a:effectLst/>
+              <a:latin typeface="Verdana" pitchFamily="34" charset="0"/>
+              <a:ea typeface="ＭＳ Ｐゴシック" pitchFamily="-80" charset="-128"/>
+            </a:endParaRPr>
+          </a:p>
+        </p:txBody>
+      </p:sp>
+      <p:sp>
+        <p:nvSpPr>
+          <p:cNvPr id="7" name="&quot;No&quot; Symbol 6"/>
+          <p:cNvSpPr/>
+          <p:nvPr/>
+        </p:nvSpPr>
+        <p:spPr bwMode="auto">
+          <a:xfrm>
+            <a:off x="1704451" y="4038600"/>
+            <a:ext cx="715945" cy="715945"/>
+          </a:xfrm>
+          <a:prstGeom prst="noSmoking">
+            <a:avLst/>
+          </a:prstGeom>
+          <a:solidFill>
+            <a:srgbClr val="C00000"/>
+          </a:solidFill>
+          <a:ln w="9525" cap="flat" cmpd="sng" algn="ctr">
+            <a:solidFill>
+              <a:schemeClr val="tx1"/>
+            </a:solidFill>
+            <a:prstDash val="solid"/>
+            <a:round/>
+            <a:headEnd type="none" w="med" len="med"/>
+            <a:tailEnd type="none" w="med" len="med"/>
+          </a:ln>
+          <a:effectLst/>
+          <a:extLst/>
+        </p:spPr>
+        <p:txBody>
+          <a:bodyPr vert="horz" wrap="square" lIns="0" tIns="0" rIns="0" bIns="0" numCol="1" rtlCol="0" anchor="t" anchorCtr="0" compatLnSpc="1">
+            <a:prstTxWarp prst="textNoShape">
+              <a:avLst/>
+            </a:prstTxWarp>
+          </a:bodyPr>
+          <a:lstStyle/>
+          <a:p>
+            <a:pPr marL="0" marR="0" indent="0" algn="l" defTabSz="914400" rtl="0" eaLnBrk="1" fontAlgn="base" latinLnBrk="0" hangingPunct="1">
+              <a:lnSpc>
+                <a:spcPct val="100000"/>
+              </a:lnSpc>
+              <a:spcBef>
+                <a:spcPct val="50000"/>
+              </a:spcBef>
+              <a:spcAft>
+                <a:spcPct val="0"/>
+              </a:spcAft>
+              <a:buClrTx/>
+              <a:buSzTx/>
+              <a:buFontTx/>
+              <a:buNone/>
+              <a:tabLst/>
+            </a:pPr>
+            <a:endParaRPr kumimoji="0" lang="en-US" sz="1600" b="0" i="0" u="none" strike="noStrike" cap="none" normalizeH="0" baseline="0" smtClean="0">
+              <a:ln>
+                <a:noFill/>
+              </a:ln>
+              <a:solidFill>
+                <a:schemeClr val="tx1"/>
+              </a:solidFill>
+              <a:effectLst/>
+              <a:latin typeface="Verdana" pitchFamily="34" charset="0"/>
+              <a:ea typeface="ＭＳ Ｐゴシック" pitchFamily="-80" charset="-128"/>
+            </a:endParaRPr>
+          </a:p>
+        </p:txBody>
+      </p:sp>
+      <p:sp>
+        <p:nvSpPr>
+          <p:cNvPr id="8" name="&quot;No&quot; Symbol 7"/>
+          <p:cNvSpPr/>
+          <p:nvPr/>
+        </p:nvSpPr>
+        <p:spPr bwMode="auto">
+          <a:xfrm>
+            <a:off x="4191000" y="4038600"/>
+            <a:ext cx="715945" cy="715945"/>
+          </a:xfrm>
+          <a:prstGeom prst="noSmoking">
+            <a:avLst/>
+          </a:prstGeom>
+          <a:solidFill>
+            <a:srgbClr val="C00000"/>
+          </a:solidFill>
+          <a:ln w="9525" cap="flat" cmpd="sng" algn="ctr">
+            <a:solidFill>
+              <a:schemeClr val="tx1"/>
+            </a:solidFill>
+            <a:prstDash val="solid"/>
+            <a:round/>
+            <a:headEnd type="none" w="med" len="med"/>
+            <a:tailEnd type="none" w="med" len="med"/>
+          </a:ln>
+          <a:effectLst/>
+          <a:extLst/>
+        </p:spPr>
+        <p:txBody>
+          <a:bodyPr vert="horz" wrap="square" lIns="0" tIns="0" rIns="0" bIns="0" numCol="1" rtlCol="0" anchor="t" anchorCtr="0" compatLnSpc="1">
+            <a:prstTxWarp prst="textNoShape">
+              <a:avLst/>
+            </a:prstTxWarp>
+          </a:bodyPr>
+          <a:lstStyle/>
+          <a:p>
+            <a:pPr marL="0" marR="0" indent="0" algn="l" defTabSz="914400" rtl="0" eaLnBrk="1" fontAlgn="base" latinLnBrk="0" hangingPunct="1">
+              <a:lnSpc>
+                <a:spcPct val="100000"/>
+              </a:lnSpc>
+              <a:spcBef>
+                <a:spcPct val="50000"/>
+              </a:spcBef>
+              <a:spcAft>
+                <a:spcPct val="0"/>
+              </a:spcAft>
+              <a:buClrTx/>
+              <a:buSzTx/>
+              <a:buFontTx/>
+              <a:buNone/>
+              <a:tabLst/>
+            </a:pPr>
+            <a:endParaRPr kumimoji="0" lang="en-US" sz="1600" b="0" i="0" u="none" strike="noStrike" cap="none" normalizeH="0" baseline="0" smtClean="0">
+              <a:ln>
+                <a:noFill/>
+              </a:ln>
+              <a:solidFill>
+                <a:schemeClr val="tx1"/>
+              </a:solidFill>
+              <a:effectLst/>
+              <a:latin typeface="Verdana" pitchFamily="34" charset="0"/>
+              <a:ea typeface="ＭＳ Ｐゴシック" pitchFamily="-80" charset="-128"/>
+            </a:endParaRPr>
+          </a:p>
+        </p:txBody>
+      </p:sp>
+      <p:sp>
+        <p:nvSpPr>
+          <p:cNvPr id="5" name="Left Arrow 4"/>
+          <p:cNvSpPr/>
+          <p:nvPr/>
+        </p:nvSpPr>
+        <p:spPr bwMode="auto">
+          <a:xfrm>
+            <a:off x="7367116" y="2085034"/>
+            <a:ext cx="978408" cy="484632"/>
+          </a:xfrm>
+          <a:prstGeom prst="leftArrow">
+            <a:avLst/>
+          </a:prstGeom>
+          <a:solidFill>
+            <a:schemeClr val="accent1"/>
+          </a:solidFill>
+          <a:ln w="9525" cap="flat" cmpd="sng" algn="ctr">
+            <a:solidFill>
+              <a:schemeClr val="tx1"/>
+            </a:solidFill>
+            <a:prstDash val="solid"/>
+            <a:round/>
+            <a:headEnd type="none" w="med" len="med"/>
+            <a:tailEnd type="none" w="med" len="med"/>
+          </a:ln>
+          <a:effectLst/>
+          <a:extLst>
+            <a:ext uri="{AF507438-7753-43E0-B8FC-AC1667EBCBE1}">
+              <a14:hiddenEffects xmlns:a14="http://schemas.microsoft.com/office/drawing/2010/main">
+                <a:effectLst>
+                  <a:outerShdw dist="35921" dir="2700000" algn="ctr" rotWithShape="0">
+                    <a:schemeClr val="bg2"/>
+                  </a:outerShdw>
+                </a:effectLst>
+              </a14:hiddenEffects>
+            </a:ext>
+          </a:extLst>
+        </p:spPr>
+        <p:txBody>
+          <a:bodyPr vert="horz" wrap="square" lIns="0" tIns="0" rIns="0" bIns="0" numCol="1" rtlCol="0" anchor="t" anchorCtr="0" compatLnSpc="1">
+            <a:prstTxWarp prst="textNoShape">
+              <a:avLst/>
+            </a:prstTxWarp>
+          </a:bodyPr>
+          <a:lstStyle/>
+          <a:p>
+            <a:pPr marL="0" marR="0" indent="0" algn="l" defTabSz="914400" rtl="0" eaLnBrk="1" fontAlgn="base" latinLnBrk="0" hangingPunct="1">
+              <a:lnSpc>
+                <a:spcPct val="100000"/>
+              </a:lnSpc>
+              <a:spcBef>
+                <a:spcPct val="50000"/>
+              </a:spcBef>
+              <a:spcAft>
+                <a:spcPct val="0"/>
+              </a:spcAft>
+              <a:buClrTx/>
+              <a:buSzTx/>
+              <a:buFontTx/>
+              <a:buNone/>
+              <a:tabLst/>
+            </a:pPr>
+            <a:endParaRPr kumimoji="0" lang="en-US" sz="1600" b="0" i="0" u="none" strike="noStrike" cap="none" normalizeH="0" baseline="0" smtClean="0">
+              <a:ln>
+                <a:noFill/>
+              </a:ln>
+              <a:solidFill>
+                <a:schemeClr val="tx1"/>
+              </a:solidFill>
+              <a:effectLst/>
+              <a:latin typeface="Verdana" pitchFamily="34" charset="0"/>
+              <a:ea typeface="ＭＳ Ｐゴシック" pitchFamily="-80" charset="-128"/>
+            </a:endParaRPr>
+          </a:p>
+        </p:txBody>
+      </p:sp>
+    </p:spTree>
+    <p:extLst>
+      <p:ext uri="{BB962C8B-B14F-4D97-AF65-F5344CB8AC3E}">
+        <p14:creationId xmlns:p14="http://schemas.microsoft.com/office/powerpoint/2010/main" val="732091926"/>
+      </p:ext>
+    </p:extLst>
+  </p:cSld>
+  <p:clrMapOvr>
+    <a:masterClrMapping/>
+  </p:clrMapOvr>
+  <p:timing>
+    <p:tnLst>
+      <p:par>
+        <p:cTn id="1" dur="indefinite" restart="never" nodeType="tmRoot">
+          <p:childTnLst>
+            <p:seq concurrent="1" nextAc="seek">
+              <p:cTn id="2" dur="indefinite" nodeType="mainSeq">
+                <p:childTnLst>
+                  <p:par>
+                    <p:cTn id="3" fill="hold">
+                      <p:stCondLst>
+                        <p:cond delay="indefinite"/>
+                      </p:stCondLst>
+                      <p:childTnLst>
+                        <p:par>
+                          <p:cTn id="4" fill="hold">
+                            <p:stCondLst>
+                              <p:cond delay="0"/>
+                            </p:stCondLst>
+                            <p:childTnLst>
+                              <p:par>
+                                <p:cTn id="5" presetID="1" presetClass="entr" presetSubtype="0" fill="hold" grpId="0" nodeType="clickEffect">
+                                  <p:stCondLst>
+                                    <p:cond delay="0"/>
+                                  </p:stCondLst>
+                                  <p:childTnLst>
+                                    <p:set>
+                                      <p:cBhvr>
+                                        <p:cTn id="6" dur="1" fill="hold">
+                                          <p:stCondLst>
+                                            <p:cond delay="0"/>
+                                          </p:stCondLst>
+                                        </p:cTn>
+                                        <p:tgtEl>
+                                          <p:spTgt spid="7"/>
+                                        </p:tgtEl>
+                                        <p:attrNameLst>
+                                          <p:attrName>style.visibility</p:attrName>
+                                        </p:attrNameLst>
+                                      </p:cBhvr>
+                                      <p:to>
+                                        <p:strVal val="visible"/>
+                                      </p:to>
+                                    </p:set>
+                                  </p:childTnLst>
+                                </p:cTn>
+                              </p:par>
+                              <p:par>
+                                <p:cTn id="7" presetID="1" presetClass="entr" presetSubtype="0" fill="hold" grpId="0" nodeType="withEffect">
+                                  <p:stCondLst>
+                                    <p:cond delay="0"/>
+                                  </p:stCondLst>
+                                  <p:childTnLst>
+                                    <p:set>
+                                      <p:cBhvr>
+                                        <p:cTn id="8" dur="1" fill="hold">
+                                          <p:stCondLst>
+                                            <p:cond delay="0"/>
+                                          </p:stCondLst>
+                                        </p:cTn>
+                                        <p:tgtEl>
+                                          <p:spTgt spid="6"/>
+                                        </p:tgtEl>
+                                        <p:attrNameLst>
+                                          <p:attrName>style.visibility</p:attrName>
+                                        </p:attrNameLst>
+                                      </p:cBhvr>
+                                      <p:to>
+                                        <p:strVal val="visible"/>
+                                      </p:to>
+                                    </p:set>
+                                  </p:childTnLst>
+                                </p:cTn>
+                              </p:par>
+                              <p:par>
+                                <p:cTn id="9" presetID="1" presetClass="entr" presetSubtype="0" fill="hold" grpId="0" nodeType="withEffect">
+                                  <p:stCondLst>
+                                    <p:cond delay="0"/>
+                                  </p:stCondLst>
+                                  <p:childTnLst>
+                                    <p:set>
+                                      <p:cBhvr>
+                                        <p:cTn id="10" dur="1" fill="hold">
+                                          <p:stCondLst>
+                                            <p:cond delay="0"/>
+                                          </p:stCondLst>
+                                        </p:cTn>
+                                        <p:tgtEl>
+                                          <p:spTgt spid="8"/>
+                                        </p:tgtEl>
+                                        <p:attrNameLst>
+                                          <p:attrName>style.visibility</p:attrName>
+                                        </p:attrNameLst>
+                                      </p:cBhvr>
+                                      <p:to>
+                                        <p:strVal val="visible"/>
+                                      </p:to>
+                                    </p:set>
+                                  </p:childTnLst>
+                                </p:cTn>
+                              </p:par>
+                            </p:childTnLst>
+                          </p:cTn>
+                        </p:par>
+                      </p:childTnLst>
+                    </p:cTn>
+                  </p:par>
+                  <p:par>
+                    <p:cTn id="11" fill="hold">
+                      <p:stCondLst>
+                        <p:cond delay="indefinite"/>
+                      </p:stCondLst>
+                      <p:childTnLst>
+                        <p:par>
+                          <p:cTn id="12" fill="hold">
+                            <p:stCondLst>
+                              <p:cond delay="0"/>
+                            </p:stCondLst>
+                            <p:childTnLst>
+                              <p:par>
+                                <p:cTn id="13" presetID="1" presetClass="entr" presetSubtype="0" fill="hold" grpId="0" nodeType="clickEffect">
+                                  <p:stCondLst>
+                                    <p:cond delay="0"/>
+                                  </p:stCondLst>
+                                  <p:childTnLst>
+                                    <p:set>
+                                      <p:cBhvr>
+                                        <p:cTn id="14" dur="1" fill="hold">
+                                          <p:stCondLst>
+                                            <p:cond delay="0"/>
+                                          </p:stCondLst>
+                                        </p:cTn>
+                                        <p:tgtEl>
+                                          <p:spTgt spid="5"/>
+                                        </p:tgtEl>
+                                        <p:attrNameLst>
+                                          <p:attrName>style.visibility</p:attrName>
+                                        </p:attrNameLst>
+                                      </p:cBhvr>
+                                      <p:to>
+                                        <p:strVal val="visible"/>
+                                      </p:to>
+                                    </p:set>
+                                  </p:childTnLst>
+                                </p:cTn>
+                              </p:par>
+                            </p:childTnLst>
+                          </p:cTn>
+                        </p:par>
+                      </p:childTnLst>
+                    </p:cTn>
+                  </p:par>
+                </p:childTnLst>
+              </p:cTn>
+              <p:prevCondLst>
+                <p:cond evt="onPrev" delay="0">
+                  <p:tgtEl>
+                    <p:sldTgt/>
+                  </p:tgtEl>
+                </p:cond>
+              </p:prevCondLst>
+              <p:nextCondLst>
+                <p:cond evt="onNext" delay="0">
+                  <p:tgtEl>
+                    <p:sldTgt/>
+                  </p:tgtEl>
+                </p:cond>
+              </p:nextCondLst>
+            </p:seq>
+          </p:childTnLst>
+        </p:cTn>
+      </p:par>
+    </p:tnLst>
+    <p:bldLst>
+      <p:bldP spid="6" grpId="0" animBg="1"/>
+      <p:bldP spid="7" grpId="0" animBg="1"/>
+      <p:bldP spid="8" grpId="0" animBg="1"/>
+      <p:bldP spid="5" grpId="0" animBg="1"/>
+    </p:bldLst>
+  </p:timing>
 </p:sld>
 </file>
 
